--- a/Report and Presentations/Technical Presentation.pptx
+++ b/Report and Presentations/Technical Presentation.pptx
@@ -19,6 +19,8 @@
     <p:sldId id="265" r:id="rId14"/>
     <p:sldId id="266" r:id="rId15"/>
     <p:sldId id="267" r:id="rId16"/>
+    <p:sldId id="268" r:id="rId17"/>
+    <p:sldId id="269" r:id="rId18"/>
   </p:sldIdLst>
   <p:sldSz cx="10080625" cy="5670550"/>
   <p:notesSz cx="7559675" cy="10691813"/>
@@ -66,7 +68,7 @@
       </p:grpSpPr>
       <p:sp>
         <p:nvSpPr>
-          <p:cNvPr id="27" name="PlaceHolder 1"/>
+          <p:cNvPr id="24" name="PlaceHolder 1"/>
           <p:cNvSpPr>
             <a:spLocks noGrp="1"/>
           </p:cNvSpPr>
@@ -77,33 +79,31 @@
         <p:spPr>
           <a:xfrm>
             <a:off x="540000" y="90000"/>
-            <a:ext cx="9000000" cy="990000"/>
-          </a:xfrm>
-          <a:prstGeom prst="rect">
-            <a:avLst/>
-          </a:prstGeom>
-          <a:noFill/>
-          <a:ln w="0">
-            <a:noFill/>
-          </a:ln>
-        </p:spPr>
-        <p:txBody>
-          <a:bodyPr lIns="0" rIns="0" tIns="0" bIns="0" anchor="b">
-            <a:normAutofit/>
-          </a:bodyPr>
-          <a:p>
-            <a:endParaRPr b="0" lang="de-AT" sz="4500" spc="-1" strike="noStrike">
-              <a:solidFill>
-                <a:srgbClr val="ffffff"/>
-              </a:solidFill>
-              <a:latin typeface="Source Sans Pro Light"/>
-            </a:endParaRPr>
-          </a:p>
-        </p:txBody>
-      </p:sp>
-      <p:sp>
-        <p:nvSpPr>
-          <p:cNvPr id="28" name="PlaceHolder 2"/>
+            <a:ext cx="8999640" cy="989640"/>
+          </a:xfrm>
+          <a:prstGeom prst="rect">
+            <a:avLst/>
+          </a:prstGeom>
+          <a:noFill/>
+          <a:ln w="0">
+            <a:noFill/>
+          </a:ln>
+        </p:spPr>
+        <p:txBody>
+          <a:bodyPr lIns="0" rIns="0" tIns="0" bIns="0" anchor="ctr">
+            <a:noAutofit/>
+          </a:bodyPr>
+          <a:p>
+            <a:pPr algn="ctr"/>
+            <a:endParaRPr b="0" lang="en-GB" sz="4400" spc="-1" strike="noStrike">
+              <a:latin typeface="Arial"/>
+            </a:endParaRPr>
+          </a:p>
+        </p:txBody>
+      </p:sp>
+      <p:sp>
+        <p:nvSpPr>
+          <p:cNvPr id="25" name="PlaceHolder 2"/>
           <p:cNvSpPr>
             <a:spLocks noGrp="1"/>
           </p:cNvSpPr>
@@ -114,7 +114,7 @@
         <p:spPr>
           <a:xfrm>
             <a:off x="540000" y="1440000"/>
-            <a:ext cx="9000000" cy="1674000"/>
+            <a:ext cx="8999640" cy="1674000"/>
           </a:xfrm>
           <a:prstGeom prst="rect">
             <a:avLst/>
@@ -129,15 +129,15 @@
             <a:normAutofit/>
           </a:bodyPr>
           <a:p>
-            <a:endParaRPr b="0" lang="de-AT" sz="2400" spc="-1" strike="noStrike">
-              <a:latin typeface="Source Sans Pro"/>
-            </a:endParaRPr>
-          </a:p>
-        </p:txBody>
-      </p:sp>
-      <p:sp>
-        <p:nvSpPr>
-          <p:cNvPr id="29" name="PlaceHolder 3"/>
+            <a:endParaRPr b="0" lang="en-GB" sz="3200" spc="-1" strike="noStrike">
+              <a:latin typeface="Arial"/>
+            </a:endParaRPr>
+          </a:p>
+        </p:txBody>
+      </p:sp>
+      <p:sp>
+        <p:nvSpPr>
+          <p:cNvPr id="26" name="PlaceHolder 3"/>
           <p:cNvSpPr>
             <a:spLocks noGrp="1"/>
           </p:cNvSpPr>
@@ -148,7 +148,7 @@
         <p:spPr>
           <a:xfrm>
             <a:off x="540000" y="3273480"/>
-            <a:ext cx="9000000" cy="1674000"/>
+            <a:ext cx="8999640" cy="1674000"/>
           </a:xfrm>
           <a:prstGeom prst="rect">
             <a:avLst/>
@@ -163,8 +163,8 @@
             <a:normAutofit/>
           </a:bodyPr>
           <a:p>
-            <a:endParaRPr b="0" lang="de-AT" sz="2400" spc="-1" strike="noStrike">
-              <a:latin typeface="Source Sans Pro"/>
+            <a:endParaRPr b="0" lang="en-GB" sz="3200" spc="-1" strike="noStrike">
+              <a:latin typeface="Arial"/>
             </a:endParaRPr>
           </a:p>
         </p:txBody>
@@ -193,7 +193,7 @@
       </p:grpSpPr>
       <p:sp>
         <p:nvSpPr>
-          <p:cNvPr id="30" name="PlaceHolder 1"/>
+          <p:cNvPr id="27" name="PlaceHolder 1"/>
           <p:cNvSpPr>
             <a:spLocks noGrp="1"/>
           </p:cNvSpPr>
@@ -204,33 +204,31 @@
         <p:spPr>
           <a:xfrm>
             <a:off x="540000" y="90000"/>
-            <a:ext cx="9000000" cy="990000"/>
-          </a:xfrm>
-          <a:prstGeom prst="rect">
-            <a:avLst/>
-          </a:prstGeom>
-          <a:noFill/>
-          <a:ln w="0">
-            <a:noFill/>
-          </a:ln>
-        </p:spPr>
-        <p:txBody>
-          <a:bodyPr lIns="0" rIns="0" tIns="0" bIns="0" anchor="b">
-            <a:normAutofit/>
-          </a:bodyPr>
-          <a:p>
-            <a:endParaRPr b="0" lang="de-AT" sz="4500" spc="-1" strike="noStrike">
-              <a:solidFill>
-                <a:srgbClr val="ffffff"/>
-              </a:solidFill>
-              <a:latin typeface="Source Sans Pro Light"/>
-            </a:endParaRPr>
-          </a:p>
-        </p:txBody>
-      </p:sp>
-      <p:sp>
-        <p:nvSpPr>
-          <p:cNvPr id="31" name="PlaceHolder 2"/>
+            <a:ext cx="8999640" cy="989640"/>
+          </a:xfrm>
+          <a:prstGeom prst="rect">
+            <a:avLst/>
+          </a:prstGeom>
+          <a:noFill/>
+          <a:ln w="0">
+            <a:noFill/>
+          </a:ln>
+        </p:spPr>
+        <p:txBody>
+          <a:bodyPr lIns="0" rIns="0" tIns="0" bIns="0" anchor="ctr">
+            <a:noAutofit/>
+          </a:bodyPr>
+          <a:p>
+            <a:pPr algn="ctr"/>
+            <a:endParaRPr b="0" lang="en-GB" sz="4400" spc="-1" strike="noStrike">
+              <a:latin typeface="Arial"/>
+            </a:endParaRPr>
+          </a:p>
+        </p:txBody>
+      </p:sp>
+      <p:sp>
+        <p:nvSpPr>
+          <p:cNvPr id="28" name="PlaceHolder 2"/>
           <p:cNvSpPr>
             <a:spLocks noGrp="1"/>
           </p:cNvSpPr>
@@ -256,15 +254,15 @@
             <a:normAutofit/>
           </a:bodyPr>
           <a:p>
-            <a:endParaRPr b="0" lang="de-AT" sz="2400" spc="-1" strike="noStrike">
-              <a:latin typeface="Source Sans Pro"/>
-            </a:endParaRPr>
-          </a:p>
-        </p:txBody>
-      </p:sp>
-      <p:sp>
-        <p:nvSpPr>
-          <p:cNvPr id="32" name="PlaceHolder 3"/>
+            <a:endParaRPr b="0" lang="en-GB" sz="3200" spc="-1" strike="noStrike">
+              <a:latin typeface="Arial"/>
+            </a:endParaRPr>
+          </a:p>
+        </p:txBody>
+      </p:sp>
+      <p:sp>
+        <p:nvSpPr>
+          <p:cNvPr id="29" name="PlaceHolder 3"/>
           <p:cNvSpPr>
             <a:spLocks noGrp="1"/>
           </p:cNvSpPr>
@@ -290,15 +288,15 @@
             <a:normAutofit/>
           </a:bodyPr>
           <a:p>
-            <a:endParaRPr b="0" lang="de-AT" sz="2400" spc="-1" strike="noStrike">
-              <a:latin typeface="Source Sans Pro"/>
-            </a:endParaRPr>
-          </a:p>
-        </p:txBody>
-      </p:sp>
-      <p:sp>
-        <p:nvSpPr>
-          <p:cNvPr id="33" name="PlaceHolder 4"/>
+            <a:endParaRPr b="0" lang="en-GB" sz="3200" spc="-1" strike="noStrike">
+              <a:latin typeface="Arial"/>
+            </a:endParaRPr>
+          </a:p>
+        </p:txBody>
+      </p:sp>
+      <p:sp>
+        <p:nvSpPr>
+          <p:cNvPr id="30" name="PlaceHolder 4"/>
           <p:cNvSpPr>
             <a:spLocks noGrp="1"/>
           </p:cNvSpPr>
@@ -324,15 +322,15 @@
             <a:normAutofit/>
           </a:bodyPr>
           <a:p>
-            <a:endParaRPr b="0" lang="de-AT" sz="2400" spc="-1" strike="noStrike">
-              <a:latin typeface="Source Sans Pro"/>
-            </a:endParaRPr>
-          </a:p>
-        </p:txBody>
-      </p:sp>
-      <p:sp>
-        <p:nvSpPr>
-          <p:cNvPr id="34" name="PlaceHolder 5"/>
+            <a:endParaRPr b="0" lang="en-GB" sz="3200" spc="-1" strike="noStrike">
+              <a:latin typeface="Arial"/>
+            </a:endParaRPr>
+          </a:p>
+        </p:txBody>
+      </p:sp>
+      <p:sp>
+        <p:nvSpPr>
+          <p:cNvPr id="31" name="PlaceHolder 5"/>
           <p:cNvSpPr>
             <a:spLocks noGrp="1"/>
           </p:cNvSpPr>
@@ -358,8 +356,8 @@
             <a:normAutofit/>
           </a:bodyPr>
           <a:p>
-            <a:endParaRPr b="0" lang="de-AT" sz="2400" spc="-1" strike="noStrike">
-              <a:latin typeface="Source Sans Pro"/>
+            <a:endParaRPr b="0" lang="en-GB" sz="3200" spc="-1" strike="noStrike">
+              <a:latin typeface="Arial"/>
             </a:endParaRPr>
           </a:p>
         </p:txBody>
@@ -388,7 +386,7 @@
       </p:grpSpPr>
       <p:sp>
         <p:nvSpPr>
-          <p:cNvPr id="35" name="PlaceHolder 1"/>
+          <p:cNvPr id="32" name="PlaceHolder 1"/>
           <p:cNvSpPr>
             <a:spLocks noGrp="1"/>
           </p:cNvSpPr>
@@ -399,33 +397,31 @@
         <p:spPr>
           <a:xfrm>
             <a:off x="540000" y="90000"/>
-            <a:ext cx="9000000" cy="990000"/>
-          </a:xfrm>
-          <a:prstGeom prst="rect">
-            <a:avLst/>
-          </a:prstGeom>
-          <a:noFill/>
-          <a:ln w="0">
-            <a:noFill/>
-          </a:ln>
-        </p:spPr>
-        <p:txBody>
-          <a:bodyPr lIns="0" rIns="0" tIns="0" bIns="0" anchor="b">
-            <a:normAutofit/>
-          </a:bodyPr>
-          <a:p>
-            <a:endParaRPr b="0" lang="de-AT" sz="4500" spc="-1" strike="noStrike">
-              <a:solidFill>
-                <a:srgbClr val="ffffff"/>
-              </a:solidFill>
-              <a:latin typeface="Source Sans Pro Light"/>
-            </a:endParaRPr>
-          </a:p>
-        </p:txBody>
-      </p:sp>
-      <p:sp>
-        <p:nvSpPr>
-          <p:cNvPr id="36" name="PlaceHolder 2"/>
+            <a:ext cx="8999640" cy="989640"/>
+          </a:xfrm>
+          <a:prstGeom prst="rect">
+            <a:avLst/>
+          </a:prstGeom>
+          <a:noFill/>
+          <a:ln w="0">
+            <a:noFill/>
+          </a:ln>
+        </p:spPr>
+        <p:txBody>
+          <a:bodyPr lIns="0" rIns="0" tIns="0" bIns="0" anchor="ctr">
+            <a:noAutofit/>
+          </a:bodyPr>
+          <a:p>
+            <a:pPr algn="ctr"/>
+            <a:endParaRPr b="0" lang="en-GB" sz="4400" spc="-1" strike="noStrike">
+              <a:latin typeface="Arial"/>
+            </a:endParaRPr>
+          </a:p>
+        </p:txBody>
+      </p:sp>
+      <p:sp>
+        <p:nvSpPr>
+          <p:cNvPr id="33" name="PlaceHolder 2"/>
           <p:cNvSpPr>
             <a:spLocks noGrp="1"/>
           </p:cNvSpPr>
@@ -451,15 +447,15 @@
             <a:normAutofit/>
           </a:bodyPr>
           <a:p>
-            <a:endParaRPr b="0" lang="de-AT" sz="2400" spc="-1" strike="noStrike">
-              <a:latin typeface="Source Sans Pro"/>
-            </a:endParaRPr>
-          </a:p>
-        </p:txBody>
-      </p:sp>
-      <p:sp>
-        <p:nvSpPr>
-          <p:cNvPr id="37" name="PlaceHolder 3"/>
+            <a:endParaRPr b="0" lang="en-GB" sz="3200" spc="-1" strike="noStrike">
+              <a:latin typeface="Arial"/>
+            </a:endParaRPr>
+          </a:p>
+        </p:txBody>
+      </p:sp>
+      <p:sp>
+        <p:nvSpPr>
+          <p:cNvPr id="34" name="PlaceHolder 3"/>
           <p:cNvSpPr>
             <a:spLocks noGrp="1"/>
           </p:cNvSpPr>
@@ -485,15 +481,15 @@
             <a:normAutofit/>
           </a:bodyPr>
           <a:p>
-            <a:endParaRPr b="0" lang="de-AT" sz="2400" spc="-1" strike="noStrike">
-              <a:latin typeface="Source Sans Pro"/>
-            </a:endParaRPr>
-          </a:p>
-        </p:txBody>
-      </p:sp>
-      <p:sp>
-        <p:nvSpPr>
-          <p:cNvPr id="38" name="PlaceHolder 4"/>
+            <a:endParaRPr b="0" lang="en-GB" sz="3200" spc="-1" strike="noStrike">
+              <a:latin typeface="Arial"/>
+            </a:endParaRPr>
+          </a:p>
+        </p:txBody>
+      </p:sp>
+      <p:sp>
+        <p:nvSpPr>
+          <p:cNvPr id="35" name="PlaceHolder 4"/>
           <p:cNvSpPr>
             <a:spLocks noGrp="1"/>
           </p:cNvSpPr>
@@ -519,15 +515,15 @@
             <a:normAutofit/>
           </a:bodyPr>
           <a:p>
-            <a:endParaRPr b="0" lang="de-AT" sz="2400" spc="-1" strike="noStrike">
-              <a:latin typeface="Source Sans Pro"/>
-            </a:endParaRPr>
-          </a:p>
-        </p:txBody>
-      </p:sp>
-      <p:sp>
-        <p:nvSpPr>
-          <p:cNvPr id="39" name="PlaceHolder 5"/>
+            <a:endParaRPr b="0" lang="en-GB" sz="3200" spc="-1" strike="noStrike">
+              <a:latin typeface="Arial"/>
+            </a:endParaRPr>
+          </a:p>
+        </p:txBody>
+      </p:sp>
+      <p:sp>
+        <p:nvSpPr>
+          <p:cNvPr id="36" name="PlaceHolder 5"/>
           <p:cNvSpPr>
             <a:spLocks noGrp="1"/>
           </p:cNvSpPr>
@@ -553,15 +549,15 @@
             <a:normAutofit/>
           </a:bodyPr>
           <a:p>
-            <a:endParaRPr b="0" lang="de-AT" sz="2400" spc="-1" strike="noStrike">
-              <a:latin typeface="Source Sans Pro"/>
-            </a:endParaRPr>
-          </a:p>
-        </p:txBody>
-      </p:sp>
-      <p:sp>
-        <p:nvSpPr>
-          <p:cNvPr id="40" name="PlaceHolder 6"/>
+            <a:endParaRPr b="0" lang="en-GB" sz="3200" spc="-1" strike="noStrike">
+              <a:latin typeface="Arial"/>
+            </a:endParaRPr>
+          </a:p>
+        </p:txBody>
+      </p:sp>
+      <p:sp>
+        <p:nvSpPr>
+          <p:cNvPr id="37" name="PlaceHolder 6"/>
           <p:cNvSpPr>
             <a:spLocks noGrp="1"/>
           </p:cNvSpPr>
@@ -587,15 +583,15 @@
             <a:normAutofit/>
           </a:bodyPr>
           <a:p>
-            <a:endParaRPr b="0" lang="de-AT" sz="2400" spc="-1" strike="noStrike">
-              <a:latin typeface="Source Sans Pro"/>
-            </a:endParaRPr>
-          </a:p>
-        </p:txBody>
-      </p:sp>
-      <p:sp>
-        <p:nvSpPr>
-          <p:cNvPr id="41" name="PlaceHolder 7"/>
+            <a:endParaRPr b="0" lang="en-GB" sz="3200" spc="-1" strike="noStrike">
+              <a:latin typeface="Arial"/>
+            </a:endParaRPr>
+          </a:p>
+        </p:txBody>
+      </p:sp>
+      <p:sp>
+        <p:nvSpPr>
+          <p:cNvPr id="38" name="PlaceHolder 7"/>
           <p:cNvSpPr>
             <a:spLocks noGrp="1"/>
           </p:cNvSpPr>
@@ -621,8 +617,8 @@
             <a:normAutofit/>
           </a:bodyPr>
           <a:p>
-            <a:endParaRPr b="0" lang="de-AT" sz="2400" spc="-1" strike="noStrike">
-              <a:latin typeface="Source Sans Pro"/>
+            <a:endParaRPr b="0" lang="en-GB" sz="3200" spc="-1" strike="noStrike">
+              <a:latin typeface="Arial"/>
             </a:endParaRPr>
           </a:p>
         </p:txBody>
@@ -673,7 +669,7 @@
       </p:grpSpPr>
       <p:sp>
         <p:nvSpPr>
-          <p:cNvPr id="48" name="PlaceHolder 1"/>
+          <p:cNvPr id="42" name="PlaceHolder 1"/>
           <p:cNvSpPr>
             <a:spLocks noGrp="1"/>
           </p:cNvSpPr>
@@ -684,44 +680,7 @@
         <p:spPr>
           <a:xfrm>
             <a:off x="540000" y="90000"/>
-            <a:ext cx="9000000" cy="990000"/>
-          </a:xfrm>
-          <a:prstGeom prst="rect">
-            <a:avLst/>
-          </a:prstGeom>
-          <a:noFill/>
-          <a:ln w="0">
-            <a:noFill/>
-          </a:ln>
-        </p:spPr>
-        <p:txBody>
-          <a:bodyPr lIns="0" rIns="0" tIns="0" bIns="0" anchor="b">
-            <a:normAutofit/>
-          </a:bodyPr>
-          <a:p>
-            <a:endParaRPr b="0" lang="de-AT" sz="4500" spc="-1" strike="noStrike">
-              <a:solidFill>
-                <a:srgbClr val="ffffff"/>
-              </a:solidFill>
-              <a:latin typeface="Source Sans Pro Light"/>
-            </a:endParaRPr>
-          </a:p>
-        </p:txBody>
-      </p:sp>
-      <p:sp>
-        <p:nvSpPr>
-          <p:cNvPr id="49" name="PlaceHolder 2"/>
-          <p:cNvSpPr>
-            <a:spLocks noGrp="1"/>
-          </p:cNvSpPr>
-          <p:nvPr>
-            <p:ph type="subTitle"/>
-          </p:nvPr>
-        </p:nvSpPr>
-        <p:spPr>
-          <a:xfrm>
-            <a:off x="540000" y="1440000"/>
-            <a:ext cx="9000000" cy="3510000"/>
+            <a:ext cx="8999640" cy="989640"/>
           </a:xfrm>
           <a:prstGeom prst="rect">
             <a:avLst/>
@@ -737,11 +696,43 @@
           </a:bodyPr>
           <a:p>
             <a:pPr algn="ctr"/>
-            <a:endParaRPr b="1" lang="de-AT" sz="3200" spc="-1" strike="noStrike">
-              <a:solidFill>
-                <a:srgbClr val="3465a4"/>
-              </a:solidFill>
-              <a:latin typeface="Source Sans Pro"/>
+            <a:endParaRPr b="0" lang="en-GB" sz="4400" spc="-1" strike="noStrike">
+              <a:latin typeface="Arial"/>
+            </a:endParaRPr>
+          </a:p>
+        </p:txBody>
+      </p:sp>
+      <p:sp>
+        <p:nvSpPr>
+          <p:cNvPr id="43" name="PlaceHolder 2"/>
+          <p:cNvSpPr>
+            <a:spLocks noGrp="1"/>
+          </p:cNvSpPr>
+          <p:nvPr>
+            <p:ph type="subTitle"/>
+          </p:nvPr>
+        </p:nvSpPr>
+        <p:spPr>
+          <a:xfrm>
+            <a:off x="540000" y="1440000"/>
+            <a:ext cx="8999640" cy="3509640"/>
+          </a:xfrm>
+          <a:prstGeom prst="rect">
+            <a:avLst/>
+          </a:prstGeom>
+          <a:noFill/>
+          <a:ln w="0">
+            <a:noFill/>
+          </a:ln>
+        </p:spPr>
+        <p:txBody>
+          <a:bodyPr lIns="0" rIns="0" tIns="0" bIns="0" anchor="ctr">
+            <a:noAutofit/>
+          </a:bodyPr>
+          <a:p>
+            <a:pPr algn="ctr"/>
+            <a:endParaRPr b="0" lang="en-GB" sz="3200" spc="-1" strike="noStrike">
+              <a:latin typeface="Arial"/>
             </a:endParaRPr>
           </a:p>
         </p:txBody>
@@ -770,7 +761,7 @@
       </p:grpSpPr>
       <p:sp>
         <p:nvSpPr>
-          <p:cNvPr id="50" name="PlaceHolder 1"/>
+          <p:cNvPr id="44" name="PlaceHolder 1"/>
           <p:cNvSpPr>
             <a:spLocks noGrp="1"/>
           </p:cNvSpPr>
@@ -781,33 +772,31 @@
         <p:spPr>
           <a:xfrm>
             <a:off x="540000" y="90000"/>
-            <a:ext cx="9000000" cy="990000"/>
-          </a:xfrm>
-          <a:prstGeom prst="rect">
-            <a:avLst/>
-          </a:prstGeom>
-          <a:noFill/>
-          <a:ln w="0">
-            <a:noFill/>
-          </a:ln>
-        </p:spPr>
-        <p:txBody>
-          <a:bodyPr lIns="0" rIns="0" tIns="0" bIns="0" anchor="b">
-            <a:normAutofit/>
-          </a:bodyPr>
-          <a:p>
-            <a:endParaRPr b="0" lang="de-AT" sz="4500" spc="-1" strike="noStrike">
-              <a:solidFill>
-                <a:srgbClr val="ffffff"/>
-              </a:solidFill>
-              <a:latin typeface="Source Sans Pro Light"/>
-            </a:endParaRPr>
-          </a:p>
-        </p:txBody>
-      </p:sp>
-      <p:sp>
-        <p:nvSpPr>
-          <p:cNvPr id="51" name="PlaceHolder 2"/>
+            <a:ext cx="8999640" cy="989640"/>
+          </a:xfrm>
+          <a:prstGeom prst="rect">
+            <a:avLst/>
+          </a:prstGeom>
+          <a:noFill/>
+          <a:ln w="0">
+            <a:noFill/>
+          </a:ln>
+        </p:spPr>
+        <p:txBody>
+          <a:bodyPr lIns="0" rIns="0" tIns="0" bIns="0" anchor="ctr">
+            <a:noAutofit/>
+          </a:bodyPr>
+          <a:p>
+            <a:pPr algn="ctr"/>
+            <a:endParaRPr b="0" lang="en-GB" sz="4400" spc="-1" strike="noStrike">
+              <a:latin typeface="Arial"/>
+            </a:endParaRPr>
+          </a:p>
+        </p:txBody>
+      </p:sp>
+      <p:sp>
+        <p:nvSpPr>
+          <p:cNvPr id="45" name="PlaceHolder 2"/>
           <p:cNvSpPr>
             <a:spLocks noGrp="1"/>
           </p:cNvSpPr>
@@ -818,7 +807,7 @@
         <p:spPr>
           <a:xfrm>
             <a:off x="540000" y="1440000"/>
-            <a:ext cx="9000000" cy="3510000"/>
+            <a:ext cx="8999640" cy="3509640"/>
           </a:xfrm>
           <a:prstGeom prst="rect">
             <a:avLst/>
@@ -833,8 +822,8 @@
             <a:normAutofit/>
           </a:bodyPr>
           <a:p>
-            <a:endParaRPr b="0" lang="de-AT" sz="2400" spc="-1" strike="noStrike">
-              <a:latin typeface="Source Sans Pro"/>
+            <a:endParaRPr b="0" lang="en-GB" sz="3200" spc="-1" strike="noStrike">
+              <a:latin typeface="Arial"/>
             </a:endParaRPr>
           </a:p>
         </p:txBody>
@@ -863,7 +852,7 @@
       </p:grpSpPr>
       <p:sp>
         <p:nvSpPr>
-          <p:cNvPr id="52" name="PlaceHolder 1"/>
+          <p:cNvPr id="46" name="PlaceHolder 1"/>
           <p:cNvSpPr>
             <a:spLocks noGrp="1"/>
           </p:cNvSpPr>
@@ -874,33 +863,31 @@
         <p:spPr>
           <a:xfrm>
             <a:off x="540000" y="90000"/>
-            <a:ext cx="9000000" cy="990000"/>
-          </a:xfrm>
-          <a:prstGeom prst="rect">
-            <a:avLst/>
-          </a:prstGeom>
-          <a:noFill/>
-          <a:ln w="0">
-            <a:noFill/>
-          </a:ln>
-        </p:spPr>
-        <p:txBody>
-          <a:bodyPr lIns="0" rIns="0" tIns="0" bIns="0" anchor="b">
-            <a:normAutofit/>
-          </a:bodyPr>
-          <a:p>
-            <a:endParaRPr b="0" lang="de-AT" sz="4500" spc="-1" strike="noStrike">
-              <a:solidFill>
-                <a:srgbClr val="ffffff"/>
-              </a:solidFill>
-              <a:latin typeface="Source Sans Pro Light"/>
-            </a:endParaRPr>
-          </a:p>
-        </p:txBody>
-      </p:sp>
-      <p:sp>
-        <p:nvSpPr>
-          <p:cNvPr id="53" name="PlaceHolder 2"/>
+            <a:ext cx="8999640" cy="989640"/>
+          </a:xfrm>
+          <a:prstGeom prst="rect">
+            <a:avLst/>
+          </a:prstGeom>
+          <a:noFill/>
+          <a:ln w="0">
+            <a:noFill/>
+          </a:ln>
+        </p:spPr>
+        <p:txBody>
+          <a:bodyPr lIns="0" rIns="0" tIns="0" bIns="0" anchor="ctr">
+            <a:noAutofit/>
+          </a:bodyPr>
+          <a:p>
+            <a:pPr algn="ctr"/>
+            <a:endParaRPr b="0" lang="en-GB" sz="4400" spc="-1" strike="noStrike">
+              <a:latin typeface="Arial"/>
+            </a:endParaRPr>
+          </a:p>
+        </p:txBody>
+      </p:sp>
+      <p:sp>
+        <p:nvSpPr>
+          <p:cNvPr id="47" name="PlaceHolder 2"/>
           <p:cNvSpPr>
             <a:spLocks noGrp="1"/>
           </p:cNvSpPr>
@@ -911,7 +898,7 @@
         <p:spPr>
           <a:xfrm>
             <a:off x="540000" y="1440000"/>
-            <a:ext cx="4391640" cy="3510000"/>
+            <a:ext cx="4391640" cy="3509640"/>
           </a:xfrm>
           <a:prstGeom prst="rect">
             <a:avLst/>
@@ -926,15 +913,15 @@
             <a:normAutofit/>
           </a:bodyPr>
           <a:p>
-            <a:endParaRPr b="0" lang="de-AT" sz="2400" spc="-1" strike="noStrike">
-              <a:latin typeface="Source Sans Pro"/>
-            </a:endParaRPr>
-          </a:p>
-        </p:txBody>
-      </p:sp>
-      <p:sp>
-        <p:nvSpPr>
-          <p:cNvPr id="54" name="PlaceHolder 3"/>
+            <a:endParaRPr b="0" lang="en-GB" sz="3200" spc="-1" strike="noStrike">
+              <a:latin typeface="Arial"/>
+            </a:endParaRPr>
+          </a:p>
+        </p:txBody>
+      </p:sp>
+      <p:sp>
+        <p:nvSpPr>
+          <p:cNvPr id="48" name="PlaceHolder 3"/>
           <p:cNvSpPr>
             <a:spLocks noGrp="1"/>
           </p:cNvSpPr>
@@ -945,7 +932,7 @@
         <p:spPr>
           <a:xfrm>
             <a:off x="5151600" y="1440000"/>
-            <a:ext cx="4391640" cy="3510000"/>
+            <a:ext cx="4391640" cy="3509640"/>
           </a:xfrm>
           <a:prstGeom prst="rect">
             <a:avLst/>
@@ -960,8 +947,8 @@
             <a:normAutofit/>
           </a:bodyPr>
           <a:p>
-            <a:endParaRPr b="0" lang="de-AT" sz="2400" spc="-1" strike="noStrike">
-              <a:latin typeface="Source Sans Pro"/>
+            <a:endParaRPr b="0" lang="en-GB" sz="3200" spc="-1" strike="noStrike">
+              <a:latin typeface="Arial"/>
             </a:endParaRPr>
           </a:p>
         </p:txBody>
@@ -990,7 +977,7 @@
       </p:grpSpPr>
       <p:sp>
         <p:nvSpPr>
-          <p:cNvPr id="55" name="PlaceHolder 1"/>
+          <p:cNvPr id="49" name="PlaceHolder 1"/>
           <p:cNvSpPr>
             <a:spLocks noGrp="1"/>
           </p:cNvSpPr>
@@ -1001,26 +988,24 @@
         <p:spPr>
           <a:xfrm>
             <a:off x="540000" y="90000"/>
-            <a:ext cx="9000000" cy="990000"/>
-          </a:xfrm>
-          <a:prstGeom prst="rect">
-            <a:avLst/>
-          </a:prstGeom>
-          <a:noFill/>
-          <a:ln w="0">
-            <a:noFill/>
-          </a:ln>
-        </p:spPr>
-        <p:txBody>
-          <a:bodyPr lIns="0" rIns="0" tIns="0" bIns="0" anchor="b">
-            <a:normAutofit/>
-          </a:bodyPr>
-          <a:p>
-            <a:endParaRPr b="0" lang="de-AT" sz="4500" spc="-1" strike="noStrike">
-              <a:solidFill>
-                <a:srgbClr val="ffffff"/>
-              </a:solidFill>
-              <a:latin typeface="Source Sans Pro Light"/>
+            <a:ext cx="8999640" cy="989640"/>
+          </a:xfrm>
+          <a:prstGeom prst="rect">
+            <a:avLst/>
+          </a:prstGeom>
+          <a:noFill/>
+          <a:ln w="0">
+            <a:noFill/>
+          </a:ln>
+        </p:spPr>
+        <p:txBody>
+          <a:bodyPr lIns="0" rIns="0" tIns="0" bIns="0" anchor="ctr">
+            <a:noAutofit/>
+          </a:bodyPr>
+          <a:p>
+            <a:pPr algn="ctr"/>
+            <a:endParaRPr b="0" lang="en-GB" sz="4400" spc="-1" strike="noStrike">
+              <a:latin typeface="Arial"/>
             </a:endParaRPr>
           </a:p>
         </p:txBody>
@@ -1049,7 +1034,7 @@
       </p:grpSpPr>
       <p:sp>
         <p:nvSpPr>
-          <p:cNvPr id="56" name="PlaceHolder 1"/>
+          <p:cNvPr id="50" name="PlaceHolder 1"/>
           <p:cNvSpPr>
             <a:spLocks noGrp="1"/>
           </p:cNvSpPr>
@@ -1060,7 +1045,7 @@
         <p:spPr>
           <a:xfrm>
             <a:off x="540000" y="90000"/>
-            <a:ext cx="9000000" cy="4590360"/>
+            <a:ext cx="8999640" cy="4588560"/>
           </a:xfrm>
           <a:prstGeom prst="rect">
             <a:avLst/>
@@ -1076,11 +1061,8 @@
           </a:bodyPr>
           <a:p>
             <a:pPr algn="ctr"/>
-            <a:endParaRPr b="1" lang="de-AT" sz="3200" spc="-1" strike="noStrike">
-              <a:solidFill>
-                <a:srgbClr val="3465a4"/>
-              </a:solidFill>
-              <a:latin typeface="Source Sans Pro"/>
+            <a:endParaRPr b="0" lang="en-GB" sz="3200" spc="-1" strike="noStrike">
+              <a:latin typeface="Arial"/>
             </a:endParaRPr>
           </a:p>
         </p:txBody>
@@ -1109,7 +1091,7 @@
       </p:grpSpPr>
       <p:sp>
         <p:nvSpPr>
-          <p:cNvPr id="57" name="PlaceHolder 1"/>
+          <p:cNvPr id="51" name="PlaceHolder 1"/>
           <p:cNvSpPr>
             <a:spLocks noGrp="1"/>
           </p:cNvSpPr>
@@ -1120,33 +1102,31 @@
         <p:spPr>
           <a:xfrm>
             <a:off x="540000" y="90000"/>
-            <a:ext cx="9000000" cy="990000"/>
-          </a:xfrm>
-          <a:prstGeom prst="rect">
-            <a:avLst/>
-          </a:prstGeom>
-          <a:noFill/>
-          <a:ln w="0">
-            <a:noFill/>
-          </a:ln>
-        </p:spPr>
-        <p:txBody>
-          <a:bodyPr lIns="0" rIns="0" tIns="0" bIns="0" anchor="b">
-            <a:normAutofit/>
-          </a:bodyPr>
-          <a:p>
-            <a:endParaRPr b="0" lang="de-AT" sz="4500" spc="-1" strike="noStrike">
-              <a:solidFill>
-                <a:srgbClr val="ffffff"/>
-              </a:solidFill>
-              <a:latin typeface="Source Sans Pro Light"/>
-            </a:endParaRPr>
-          </a:p>
-        </p:txBody>
-      </p:sp>
-      <p:sp>
-        <p:nvSpPr>
-          <p:cNvPr id="58" name="PlaceHolder 2"/>
+            <a:ext cx="8999640" cy="989640"/>
+          </a:xfrm>
+          <a:prstGeom prst="rect">
+            <a:avLst/>
+          </a:prstGeom>
+          <a:noFill/>
+          <a:ln w="0">
+            <a:noFill/>
+          </a:ln>
+        </p:spPr>
+        <p:txBody>
+          <a:bodyPr lIns="0" rIns="0" tIns="0" bIns="0" anchor="ctr">
+            <a:noAutofit/>
+          </a:bodyPr>
+          <a:p>
+            <a:pPr algn="ctr"/>
+            <a:endParaRPr b="0" lang="en-GB" sz="4400" spc="-1" strike="noStrike">
+              <a:latin typeface="Arial"/>
+            </a:endParaRPr>
+          </a:p>
+        </p:txBody>
+      </p:sp>
+      <p:sp>
+        <p:nvSpPr>
+          <p:cNvPr id="52" name="PlaceHolder 2"/>
           <p:cNvSpPr>
             <a:spLocks noGrp="1"/>
           </p:cNvSpPr>
@@ -1172,15 +1152,15 @@
             <a:normAutofit/>
           </a:bodyPr>
           <a:p>
-            <a:endParaRPr b="0" lang="de-AT" sz="2400" spc="-1" strike="noStrike">
-              <a:latin typeface="Source Sans Pro"/>
-            </a:endParaRPr>
-          </a:p>
-        </p:txBody>
-      </p:sp>
-      <p:sp>
-        <p:nvSpPr>
-          <p:cNvPr id="59" name="PlaceHolder 3"/>
+            <a:endParaRPr b="0" lang="en-GB" sz="3200" spc="-1" strike="noStrike">
+              <a:latin typeface="Arial"/>
+            </a:endParaRPr>
+          </a:p>
+        </p:txBody>
+      </p:sp>
+      <p:sp>
+        <p:nvSpPr>
+          <p:cNvPr id="53" name="PlaceHolder 3"/>
           <p:cNvSpPr>
             <a:spLocks noGrp="1"/>
           </p:cNvSpPr>
@@ -1191,7 +1171,7 @@
         <p:spPr>
           <a:xfrm>
             <a:off x="5151600" y="1440000"/>
-            <a:ext cx="4391640" cy="3510000"/>
+            <a:ext cx="4391640" cy="3509640"/>
           </a:xfrm>
           <a:prstGeom prst="rect">
             <a:avLst/>
@@ -1206,15 +1186,15 @@
             <a:normAutofit/>
           </a:bodyPr>
           <a:p>
-            <a:endParaRPr b="0" lang="de-AT" sz="2400" spc="-1" strike="noStrike">
-              <a:latin typeface="Source Sans Pro"/>
-            </a:endParaRPr>
-          </a:p>
-        </p:txBody>
-      </p:sp>
-      <p:sp>
-        <p:nvSpPr>
-          <p:cNvPr id="60" name="PlaceHolder 4"/>
+            <a:endParaRPr b="0" lang="en-GB" sz="3200" spc="-1" strike="noStrike">
+              <a:latin typeface="Arial"/>
+            </a:endParaRPr>
+          </a:p>
+        </p:txBody>
+      </p:sp>
+      <p:sp>
+        <p:nvSpPr>
+          <p:cNvPr id="54" name="PlaceHolder 4"/>
           <p:cNvSpPr>
             <a:spLocks noGrp="1"/>
           </p:cNvSpPr>
@@ -1240,8 +1220,8 @@
             <a:normAutofit/>
           </a:bodyPr>
           <a:p>
-            <a:endParaRPr b="0" lang="de-AT" sz="2400" spc="-1" strike="noStrike">
-              <a:latin typeface="Source Sans Pro"/>
+            <a:endParaRPr b="0" lang="en-GB" sz="3200" spc="-1" strike="noStrike">
+              <a:latin typeface="Arial"/>
             </a:endParaRPr>
           </a:p>
         </p:txBody>
@@ -1270,7 +1250,7 @@
       </p:grpSpPr>
       <p:sp>
         <p:nvSpPr>
-          <p:cNvPr id="6" name="PlaceHolder 1"/>
+          <p:cNvPr id="3" name="PlaceHolder 1"/>
           <p:cNvSpPr>
             <a:spLocks noGrp="1"/>
           </p:cNvSpPr>
@@ -1281,44 +1261,7 @@
         <p:spPr>
           <a:xfrm>
             <a:off x="540000" y="90000"/>
-            <a:ext cx="9000000" cy="990000"/>
-          </a:xfrm>
-          <a:prstGeom prst="rect">
-            <a:avLst/>
-          </a:prstGeom>
-          <a:noFill/>
-          <a:ln w="0">
-            <a:noFill/>
-          </a:ln>
-        </p:spPr>
-        <p:txBody>
-          <a:bodyPr lIns="0" rIns="0" tIns="0" bIns="0" anchor="b">
-            <a:normAutofit/>
-          </a:bodyPr>
-          <a:p>
-            <a:endParaRPr b="0" lang="de-AT" sz="4500" spc="-1" strike="noStrike">
-              <a:solidFill>
-                <a:srgbClr val="ffffff"/>
-              </a:solidFill>
-              <a:latin typeface="Source Sans Pro Light"/>
-            </a:endParaRPr>
-          </a:p>
-        </p:txBody>
-      </p:sp>
-      <p:sp>
-        <p:nvSpPr>
-          <p:cNvPr id="7" name="PlaceHolder 2"/>
-          <p:cNvSpPr>
-            <a:spLocks noGrp="1"/>
-          </p:cNvSpPr>
-          <p:nvPr>
-            <p:ph type="subTitle"/>
-          </p:nvPr>
-        </p:nvSpPr>
-        <p:spPr>
-          <a:xfrm>
-            <a:off x="540000" y="1440000"/>
-            <a:ext cx="9000000" cy="3510000"/>
+            <a:ext cx="8999640" cy="989640"/>
           </a:xfrm>
           <a:prstGeom prst="rect">
             <a:avLst/>
@@ -1334,11 +1277,43 @@
           </a:bodyPr>
           <a:p>
             <a:pPr algn="ctr"/>
-            <a:endParaRPr b="1" lang="de-AT" sz="3200" spc="-1" strike="noStrike">
-              <a:solidFill>
-                <a:srgbClr val="3465a4"/>
-              </a:solidFill>
-              <a:latin typeface="Source Sans Pro"/>
+            <a:endParaRPr b="0" lang="en-GB" sz="4400" spc="-1" strike="noStrike">
+              <a:latin typeface="Arial"/>
+            </a:endParaRPr>
+          </a:p>
+        </p:txBody>
+      </p:sp>
+      <p:sp>
+        <p:nvSpPr>
+          <p:cNvPr id="4" name="PlaceHolder 2"/>
+          <p:cNvSpPr>
+            <a:spLocks noGrp="1"/>
+          </p:cNvSpPr>
+          <p:nvPr>
+            <p:ph type="subTitle"/>
+          </p:nvPr>
+        </p:nvSpPr>
+        <p:spPr>
+          <a:xfrm>
+            <a:off x="540000" y="1440000"/>
+            <a:ext cx="8999640" cy="3509640"/>
+          </a:xfrm>
+          <a:prstGeom prst="rect">
+            <a:avLst/>
+          </a:prstGeom>
+          <a:noFill/>
+          <a:ln w="0">
+            <a:noFill/>
+          </a:ln>
+        </p:spPr>
+        <p:txBody>
+          <a:bodyPr lIns="0" rIns="0" tIns="0" bIns="0" anchor="ctr">
+            <a:noAutofit/>
+          </a:bodyPr>
+          <a:p>
+            <a:pPr algn="ctr"/>
+            <a:endParaRPr b="0" lang="en-GB" sz="3200" spc="-1" strike="noStrike">
+              <a:latin typeface="Arial"/>
             </a:endParaRPr>
           </a:p>
         </p:txBody>
@@ -1367,7 +1342,7 @@
       </p:grpSpPr>
       <p:sp>
         <p:nvSpPr>
-          <p:cNvPr id="61" name="PlaceHolder 1"/>
+          <p:cNvPr id="55" name="PlaceHolder 1"/>
           <p:cNvSpPr>
             <a:spLocks noGrp="1"/>
           </p:cNvSpPr>
@@ -1378,33 +1353,31 @@
         <p:spPr>
           <a:xfrm>
             <a:off x="540000" y="90000"/>
-            <a:ext cx="9000000" cy="990000"/>
-          </a:xfrm>
-          <a:prstGeom prst="rect">
-            <a:avLst/>
-          </a:prstGeom>
-          <a:noFill/>
-          <a:ln w="0">
-            <a:noFill/>
-          </a:ln>
-        </p:spPr>
-        <p:txBody>
-          <a:bodyPr lIns="0" rIns="0" tIns="0" bIns="0" anchor="b">
-            <a:normAutofit/>
-          </a:bodyPr>
-          <a:p>
-            <a:endParaRPr b="0" lang="de-AT" sz="4500" spc="-1" strike="noStrike">
-              <a:solidFill>
-                <a:srgbClr val="ffffff"/>
-              </a:solidFill>
-              <a:latin typeface="Source Sans Pro Light"/>
-            </a:endParaRPr>
-          </a:p>
-        </p:txBody>
-      </p:sp>
-      <p:sp>
-        <p:nvSpPr>
-          <p:cNvPr id="62" name="PlaceHolder 2"/>
+            <a:ext cx="8999640" cy="989640"/>
+          </a:xfrm>
+          <a:prstGeom prst="rect">
+            <a:avLst/>
+          </a:prstGeom>
+          <a:noFill/>
+          <a:ln w="0">
+            <a:noFill/>
+          </a:ln>
+        </p:spPr>
+        <p:txBody>
+          <a:bodyPr lIns="0" rIns="0" tIns="0" bIns="0" anchor="ctr">
+            <a:noAutofit/>
+          </a:bodyPr>
+          <a:p>
+            <a:pPr algn="ctr"/>
+            <a:endParaRPr b="0" lang="en-GB" sz="4400" spc="-1" strike="noStrike">
+              <a:latin typeface="Arial"/>
+            </a:endParaRPr>
+          </a:p>
+        </p:txBody>
+      </p:sp>
+      <p:sp>
+        <p:nvSpPr>
+          <p:cNvPr id="56" name="PlaceHolder 2"/>
           <p:cNvSpPr>
             <a:spLocks noGrp="1"/>
           </p:cNvSpPr>
@@ -1415,7 +1388,7 @@
         <p:spPr>
           <a:xfrm>
             <a:off x="540000" y="1440000"/>
-            <a:ext cx="4391640" cy="3510000"/>
+            <a:ext cx="4391640" cy="3509640"/>
           </a:xfrm>
           <a:prstGeom prst="rect">
             <a:avLst/>
@@ -1430,15 +1403,15 @@
             <a:normAutofit/>
           </a:bodyPr>
           <a:p>
-            <a:endParaRPr b="0" lang="de-AT" sz="2400" spc="-1" strike="noStrike">
-              <a:latin typeface="Source Sans Pro"/>
-            </a:endParaRPr>
-          </a:p>
-        </p:txBody>
-      </p:sp>
-      <p:sp>
-        <p:nvSpPr>
-          <p:cNvPr id="63" name="PlaceHolder 3"/>
+            <a:endParaRPr b="0" lang="en-GB" sz="3200" spc="-1" strike="noStrike">
+              <a:latin typeface="Arial"/>
+            </a:endParaRPr>
+          </a:p>
+        </p:txBody>
+      </p:sp>
+      <p:sp>
+        <p:nvSpPr>
+          <p:cNvPr id="57" name="PlaceHolder 3"/>
           <p:cNvSpPr>
             <a:spLocks noGrp="1"/>
           </p:cNvSpPr>
@@ -1464,15 +1437,15 @@
             <a:normAutofit/>
           </a:bodyPr>
           <a:p>
-            <a:endParaRPr b="0" lang="de-AT" sz="2400" spc="-1" strike="noStrike">
-              <a:latin typeface="Source Sans Pro"/>
-            </a:endParaRPr>
-          </a:p>
-        </p:txBody>
-      </p:sp>
-      <p:sp>
-        <p:nvSpPr>
-          <p:cNvPr id="64" name="PlaceHolder 4"/>
+            <a:endParaRPr b="0" lang="en-GB" sz="3200" spc="-1" strike="noStrike">
+              <a:latin typeface="Arial"/>
+            </a:endParaRPr>
+          </a:p>
+        </p:txBody>
+      </p:sp>
+      <p:sp>
+        <p:nvSpPr>
+          <p:cNvPr id="58" name="PlaceHolder 4"/>
           <p:cNvSpPr>
             <a:spLocks noGrp="1"/>
           </p:cNvSpPr>
@@ -1498,8 +1471,8 @@
             <a:normAutofit/>
           </a:bodyPr>
           <a:p>
-            <a:endParaRPr b="0" lang="de-AT" sz="2400" spc="-1" strike="noStrike">
-              <a:latin typeface="Source Sans Pro"/>
+            <a:endParaRPr b="0" lang="en-GB" sz="3200" spc="-1" strike="noStrike">
+              <a:latin typeface="Arial"/>
             </a:endParaRPr>
           </a:p>
         </p:txBody>
@@ -1528,7 +1501,7 @@
       </p:grpSpPr>
       <p:sp>
         <p:nvSpPr>
-          <p:cNvPr id="65" name="PlaceHolder 1"/>
+          <p:cNvPr id="59" name="PlaceHolder 1"/>
           <p:cNvSpPr>
             <a:spLocks noGrp="1"/>
           </p:cNvSpPr>
@@ -1539,33 +1512,31 @@
         <p:spPr>
           <a:xfrm>
             <a:off x="540000" y="90000"/>
-            <a:ext cx="9000000" cy="990000"/>
-          </a:xfrm>
-          <a:prstGeom prst="rect">
-            <a:avLst/>
-          </a:prstGeom>
-          <a:noFill/>
-          <a:ln w="0">
-            <a:noFill/>
-          </a:ln>
-        </p:spPr>
-        <p:txBody>
-          <a:bodyPr lIns="0" rIns="0" tIns="0" bIns="0" anchor="b">
-            <a:normAutofit/>
-          </a:bodyPr>
-          <a:p>
-            <a:endParaRPr b="0" lang="de-AT" sz="4500" spc="-1" strike="noStrike">
-              <a:solidFill>
-                <a:srgbClr val="ffffff"/>
-              </a:solidFill>
-              <a:latin typeface="Source Sans Pro Light"/>
-            </a:endParaRPr>
-          </a:p>
-        </p:txBody>
-      </p:sp>
-      <p:sp>
-        <p:nvSpPr>
-          <p:cNvPr id="66" name="PlaceHolder 2"/>
+            <a:ext cx="8999640" cy="989640"/>
+          </a:xfrm>
+          <a:prstGeom prst="rect">
+            <a:avLst/>
+          </a:prstGeom>
+          <a:noFill/>
+          <a:ln w="0">
+            <a:noFill/>
+          </a:ln>
+        </p:spPr>
+        <p:txBody>
+          <a:bodyPr lIns="0" rIns="0" tIns="0" bIns="0" anchor="ctr">
+            <a:noAutofit/>
+          </a:bodyPr>
+          <a:p>
+            <a:pPr algn="ctr"/>
+            <a:endParaRPr b="0" lang="en-GB" sz="4400" spc="-1" strike="noStrike">
+              <a:latin typeface="Arial"/>
+            </a:endParaRPr>
+          </a:p>
+        </p:txBody>
+      </p:sp>
+      <p:sp>
+        <p:nvSpPr>
+          <p:cNvPr id="60" name="PlaceHolder 2"/>
           <p:cNvSpPr>
             <a:spLocks noGrp="1"/>
           </p:cNvSpPr>
@@ -1591,15 +1562,15 @@
             <a:normAutofit/>
           </a:bodyPr>
           <a:p>
-            <a:endParaRPr b="0" lang="de-AT" sz="2400" spc="-1" strike="noStrike">
-              <a:latin typeface="Source Sans Pro"/>
-            </a:endParaRPr>
-          </a:p>
-        </p:txBody>
-      </p:sp>
-      <p:sp>
-        <p:nvSpPr>
-          <p:cNvPr id="67" name="PlaceHolder 3"/>
+            <a:endParaRPr b="0" lang="en-GB" sz="3200" spc="-1" strike="noStrike">
+              <a:latin typeface="Arial"/>
+            </a:endParaRPr>
+          </a:p>
+        </p:txBody>
+      </p:sp>
+      <p:sp>
+        <p:nvSpPr>
+          <p:cNvPr id="61" name="PlaceHolder 3"/>
           <p:cNvSpPr>
             <a:spLocks noGrp="1"/>
           </p:cNvSpPr>
@@ -1625,15 +1596,15 @@
             <a:normAutofit/>
           </a:bodyPr>
           <a:p>
-            <a:endParaRPr b="0" lang="de-AT" sz="2400" spc="-1" strike="noStrike">
-              <a:latin typeface="Source Sans Pro"/>
-            </a:endParaRPr>
-          </a:p>
-        </p:txBody>
-      </p:sp>
-      <p:sp>
-        <p:nvSpPr>
-          <p:cNvPr id="68" name="PlaceHolder 4"/>
+            <a:endParaRPr b="0" lang="en-GB" sz="3200" spc="-1" strike="noStrike">
+              <a:latin typeface="Arial"/>
+            </a:endParaRPr>
+          </a:p>
+        </p:txBody>
+      </p:sp>
+      <p:sp>
+        <p:nvSpPr>
+          <p:cNvPr id="62" name="PlaceHolder 4"/>
           <p:cNvSpPr>
             <a:spLocks noGrp="1"/>
           </p:cNvSpPr>
@@ -1644,7 +1615,7 @@
         <p:spPr>
           <a:xfrm>
             <a:off x="540000" y="3273480"/>
-            <a:ext cx="9000000" cy="1674000"/>
+            <a:ext cx="8999640" cy="1674000"/>
           </a:xfrm>
           <a:prstGeom prst="rect">
             <a:avLst/>
@@ -1659,8 +1630,8 @@
             <a:normAutofit/>
           </a:bodyPr>
           <a:p>
-            <a:endParaRPr b="0" lang="de-AT" sz="2400" spc="-1" strike="noStrike">
-              <a:latin typeface="Source Sans Pro"/>
+            <a:endParaRPr b="0" lang="en-GB" sz="3200" spc="-1" strike="noStrike">
+              <a:latin typeface="Arial"/>
             </a:endParaRPr>
           </a:p>
         </p:txBody>
@@ -1689,7 +1660,7 @@
       </p:grpSpPr>
       <p:sp>
         <p:nvSpPr>
-          <p:cNvPr id="69" name="PlaceHolder 1"/>
+          <p:cNvPr id="63" name="PlaceHolder 1"/>
           <p:cNvSpPr>
             <a:spLocks noGrp="1"/>
           </p:cNvSpPr>
@@ -1700,33 +1671,31 @@
         <p:spPr>
           <a:xfrm>
             <a:off x="540000" y="90000"/>
-            <a:ext cx="9000000" cy="990000"/>
-          </a:xfrm>
-          <a:prstGeom prst="rect">
-            <a:avLst/>
-          </a:prstGeom>
-          <a:noFill/>
-          <a:ln w="0">
-            <a:noFill/>
-          </a:ln>
-        </p:spPr>
-        <p:txBody>
-          <a:bodyPr lIns="0" rIns="0" tIns="0" bIns="0" anchor="b">
-            <a:normAutofit/>
-          </a:bodyPr>
-          <a:p>
-            <a:endParaRPr b="0" lang="de-AT" sz="4500" spc="-1" strike="noStrike">
-              <a:solidFill>
-                <a:srgbClr val="ffffff"/>
-              </a:solidFill>
-              <a:latin typeface="Source Sans Pro Light"/>
-            </a:endParaRPr>
-          </a:p>
-        </p:txBody>
-      </p:sp>
-      <p:sp>
-        <p:nvSpPr>
-          <p:cNvPr id="70" name="PlaceHolder 2"/>
+            <a:ext cx="8999640" cy="989640"/>
+          </a:xfrm>
+          <a:prstGeom prst="rect">
+            <a:avLst/>
+          </a:prstGeom>
+          <a:noFill/>
+          <a:ln w="0">
+            <a:noFill/>
+          </a:ln>
+        </p:spPr>
+        <p:txBody>
+          <a:bodyPr lIns="0" rIns="0" tIns="0" bIns="0" anchor="ctr">
+            <a:noAutofit/>
+          </a:bodyPr>
+          <a:p>
+            <a:pPr algn="ctr"/>
+            <a:endParaRPr b="0" lang="en-GB" sz="4400" spc="-1" strike="noStrike">
+              <a:latin typeface="Arial"/>
+            </a:endParaRPr>
+          </a:p>
+        </p:txBody>
+      </p:sp>
+      <p:sp>
+        <p:nvSpPr>
+          <p:cNvPr id="64" name="PlaceHolder 2"/>
           <p:cNvSpPr>
             <a:spLocks noGrp="1"/>
           </p:cNvSpPr>
@@ -1737,7 +1706,7 @@
         <p:spPr>
           <a:xfrm>
             <a:off x="540000" y="1440000"/>
-            <a:ext cx="9000000" cy="1674000"/>
+            <a:ext cx="8999640" cy="1674000"/>
           </a:xfrm>
           <a:prstGeom prst="rect">
             <a:avLst/>
@@ -1752,15 +1721,15 @@
             <a:normAutofit/>
           </a:bodyPr>
           <a:p>
-            <a:endParaRPr b="0" lang="de-AT" sz="2400" spc="-1" strike="noStrike">
-              <a:latin typeface="Source Sans Pro"/>
-            </a:endParaRPr>
-          </a:p>
-        </p:txBody>
-      </p:sp>
-      <p:sp>
-        <p:nvSpPr>
-          <p:cNvPr id="71" name="PlaceHolder 3"/>
+            <a:endParaRPr b="0" lang="en-GB" sz="3200" spc="-1" strike="noStrike">
+              <a:latin typeface="Arial"/>
+            </a:endParaRPr>
+          </a:p>
+        </p:txBody>
+      </p:sp>
+      <p:sp>
+        <p:nvSpPr>
+          <p:cNvPr id="65" name="PlaceHolder 3"/>
           <p:cNvSpPr>
             <a:spLocks noGrp="1"/>
           </p:cNvSpPr>
@@ -1771,7 +1740,7 @@
         <p:spPr>
           <a:xfrm>
             <a:off x="540000" y="3273480"/>
-            <a:ext cx="9000000" cy="1674000"/>
+            <a:ext cx="8999640" cy="1674000"/>
           </a:xfrm>
           <a:prstGeom prst="rect">
             <a:avLst/>
@@ -1786,8 +1755,8 @@
             <a:normAutofit/>
           </a:bodyPr>
           <a:p>
-            <a:endParaRPr b="0" lang="de-AT" sz="2400" spc="-1" strike="noStrike">
-              <a:latin typeface="Source Sans Pro"/>
+            <a:endParaRPr b="0" lang="en-GB" sz="3200" spc="-1" strike="noStrike">
+              <a:latin typeface="Arial"/>
             </a:endParaRPr>
           </a:p>
         </p:txBody>
@@ -1816,7 +1785,7 @@
       </p:grpSpPr>
       <p:sp>
         <p:nvSpPr>
-          <p:cNvPr id="72" name="PlaceHolder 1"/>
+          <p:cNvPr id="66" name="PlaceHolder 1"/>
           <p:cNvSpPr>
             <a:spLocks noGrp="1"/>
           </p:cNvSpPr>
@@ -1827,33 +1796,31 @@
         <p:spPr>
           <a:xfrm>
             <a:off x="540000" y="90000"/>
-            <a:ext cx="9000000" cy="990000"/>
-          </a:xfrm>
-          <a:prstGeom prst="rect">
-            <a:avLst/>
-          </a:prstGeom>
-          <a:noFill/>
-          <a:ln w="0">
-            <a:noFill/>
-          </a:ln>
-        </p:spPr>
-        <p:txBody>
-          <a:bodyPr lIns="0" rIns="0" tIns="0" bIns="0" anchor="b">
-            <a:normAutofit/>
-          </a:bodyPr>
-          <a:p>
-            <a:endParaRPr b="0" lang="de-AT" sz="4500" spc="-1" strike="noStrike">
-              <a:solidFill>
-                <a:srgbClr val="ffffff"/>
-              </a:solidFill>
-              <a:latin typeface="Source Sans Pro Light"/>
-            </a:endParaRPr>
-          </a:p>
-        </p:txBody>
-      </p:sp>
-      <p:sp>
-        <p:nvSpPr>
-          <p:cNvPr id="73" name="PlaceHolder 2"/>
+            <a:ext cx="8999640" cy="989640"/>
+          </a:xfrm>
+          <a:prstGeom prst="rect">
+            <a:avLst/>
+          </a:prstGeom>
+          <a:noFill/>
+          <a:ln w="0">
+            <a:noFill/>
+          </a:ln>
+        </p:spPr>
+        <p:txBody>
+          <a:bodyPr lIns="0" rIns="0" tIns="0" bIns="0" anchor="ctr">
+            <a:noAutofit/>
+          </a:bodyPr>
+          <a:p>
+            <a:pPr algn="ctr"/>
+            <a:endParaRPr b="0" lang="en-GB" sz="4400" spc="-1" strike="noStrike">
+              <a:latin typeface="Arial"/>
+            </a:endParaRPr>
+          </a:p>
+        </p:txBody>
+      </p:sp>
+      <p:sp>
+        <p:nvSpPr>
+          <p:cNvPr id="67" name="PlaceHolder 2"/>
           <p:cNvSpPr>
             <a:spLocks noGrp="1"/>
           </p:cNvSpPr>
@@ -1879,15 +1846,15 @@
             <a:normAutofit/>
           </a:bodyPr>
           <a:p>
-            <a:endParaRPr b="0" lang="de-AT" sz="2400" spc="-1" strike="noStrike">
-              <a:latin typeface="Source Sans Pro"/>
-            </a:endParaRPr>
-          </a:p>
-        </p:txBody>
-      </p:sp>
-      <p:sp>
-        <p:nvSpPr>
-          <p:cNvPr id="74" name="PlaceHolder 3"/>
+            <a:endParaRPr b="0" lang="en-GB" sz="3200" spc="-1" strike="noStrike">
+              <a:latin typeface="Arial"/>
+            </a:endParaRPr>
+          </a:p>
+        </p:txBody>
+      </p:sp>
+      <p:sp>
+        <p:nvSpPr>
+          <p:cNvPr id="68" name="PlaceHolder 3"/>
           <p:cNvSpPr>
             <a:spLocks noGrp="1"/>
           </p:cNvSpPr>
@@ -1913,15 +1880,15 @@
             <a:normAutofit/>
           </a:bodyPr>
           <a:p>
-            <a:endParaRPr b="0" lang="de-AT" sz="2400" spc="-1" strike="noStrike">
-              <a:latin typeface="Source Sans Pro"/>
-            </a:endParaRPr>
-          </a:p>
-        </p:txBody>
-      </p:sp>
-      <p:sp>
-        <p:nvSpPr>
-          <p:cNvPr id="75" name="PlaceHolder 4"/>
+            <a:endParaRPr b="0" lang="en-GB" sz="3200" spc="-1" strike="noStrike">
+              <a:latin typeface="Arial"/>
+            </a:endParaRPr>
+          </a:p>
+        </p:txBody>
+      </p:sp>
+      <p:sp>
+        <p:nvSpPr>
+          <p:cNvPr id="69" name="PlaceHolder 4"/>
           <p:cNvSpPr>
             <a:spLocks noGrp="1"/>
           </p:cNvSpPr>
@@ -1947,15 +1914,15 @@
             <a:normAutofit/>
           </a:bodyPr>
           <a:p>
-            <a:endParaRPr b="0" lang="de-AT" sz="2400" spc="-1" strike="noStrike">
-              <a:latin typeface="Source Sans Pro"/>
-            </a:endParaRPr>
-          </a:p>
-        </p:txBody>
-      </p:sp>
-      <p:sp>
-        <p:nvSpPr>
-          <p:cNvPr id="76" name="PlaceHolder 5"/>
+            <a:endParaRPr b="0" lang="en-GB" sz="3200" spc="-1" strike="noStrike">
+              <a:latin typeface="Arial"/>
+            </a:endParaRPr>
+          </a:p>
+        </p:txBody>
+      </p:sp>
+      <p:sp>
+        <p:nvSpPr>
+          <p:cNvPr id="70" name="PlaceHolder 5"/>
           <p:cNvSpPr>
             <a:spLocks noGrp="1"/>
           </p:cNvSpPr>
@@ -1981,8 +1948,8 @@
             <a:normAutofit/>
           </a:bodyPr>
           <a:p>
-            <a:endParaRPr b="0" lang="de-AT" sz="2400" spc="-1" strike="noStrike">
-              <a:latin typeface="Source Sans Pro"/>
+            <a:endParaRPr b="0" lang="en-GB" sz="3200" spc="-1" strike="noStrike">
+              <a:latin typeface="Arial"/>
             </a:endParaRPr>
           </a:p>
         </p:txBody>
@@ -2011,7 +1978,7 @@
       </p:grpSpPr>
       <p:sp>
         <p:nvSpPr>
-          <p:cNvPr id="77" name="PlaceHolder 1"/>
+          <p:cNvPr id="71" name="PlaceHolder 1"/>
           <p:cNvSpPr>
             <a:spLocks noGrp="1"/>
           </p:cNvSpPr>
@@ -2022,33 +1989,31 @@
         <p:spPr>
           <a:xfrm>
             <a:off x="540000" y="90000"/>
-            <a:ext cx="9000000" cy="990000"/>
-          </a:xfrm>
-          <a:prstGeom prst="rect">
-            <a:avLst/>
-          </a:prstGeom>
-          <a:noFill/>
-          <a:ln w="0">
-            <a:noFill/>
-          </a:ln>
-        </p:spPr>
-        <p:txBody>
-          <a:bodyPr lIns="0" rIns="0" tIns="0" bIns="0" anchor="b">
-            <a:normAutofit/>
-          </a:bodyPr>
-          <a:p>
-            <a:endParaRPr b="0" lang="de-AT" sz="4500" spc="-1" strike="noStrike">
-              <a:solidFill>
-                <a:srgbClr val="ffffff"/>
-              </a:solidFill>
-              <a:latin typeface="Source Sans Pro Light"/>
-            </a:endParaRPr>
-          </a:p>
-        </p:txBody>
-      </p:sp>
-      <p:sp>
-        <p:nvSpPr>
-          <p:cNvPr id="78" name="PlaceHolder 2"/>
+            <a:ext cx="8999640" cy="989640"/>
+          </a:xfrm>
+          <a:prstGeom prst="rect">
+            <a:avLst/>
+          </a:prstGeom>
+          <a:noFill/>
+          <a:ln w="0">
+            <a:noFill/>
+          </a:ln>
+        </p:spPr>
+        <p:txBody>
+          <a:bodyPr lIns="0" rIns="0" tIns="0" bIns="0" anchor="ctr">
+            <a:noAutofit/>
+          </a:bodyPr>
+          <a:p>
+            <a:pPr algn="ctr"/>
+            <a:endParaRPr b="0" lang="en-GB" sz="4400" spc="-1" strike="noStrike">
+              <a:latin typeface="Arial"/>
+            </a:endParaRPr>
+          </a:p>
+        </p:txBody>
+      </p:sp>
+      <p:sp>
+        <p:nvSpPr>
+          <p:cNvPr id="72" name="PlaceHolder 2"/>
           <p:cNvSpPr>
             <a:spLocks noGrp="1"/>
           </p:cNvSpPr>
@@ -2074,15 +2039,15 @@
             <a:normAutofit/>
           </a:bodyPr>
           <a:p>
-            <a:endParaRPr b="0" lang="de-AT" sz="2400" spc="-1" strike="noStrike">
-              <a:latin typeface="Source Sans Pro"/>
-            </a:endParaRPr>
-          </a:p>
-        </p:txBody>
-      </p:sp>
-      <p:sp>
-        <p:nvSpPr>
-          <p:cNvPr id="79" name="PlaceHolder 3"/>
+            <a:endParaRPr b="0" lang="en-GB" sz="3200" spc="-1" strike="noStrike">
+              <a:latin typeface="Arial"/>
+            </a:endParaRPr>
+          </a:p>
+        </p:txBody>
+      </p:sp>
+      <p:sp>
+        <p:nvSpPr>
+          <p:cNvPr id="73" name="PlaceHolder 3"/>
           <p:cNvSpPr>
             <a:spLocks noGrp="1"/>
           </p:cNvSpPr>
@@ -2108,15 +2073,15 @@
             <a:normAutofit/>
           </a:bodyPr>
           <a:p>
-            <a:endParaRPr b="0" lang="de-AT" sz="2400" spc="-1" strike="noStrike">
-              <a:latin typeface="Source Sans Pro"/>
-            </a:endParaRPr>
-          </a:p>
-        </p:txBody>
-      </p:sp>
-      <p:sp>
-        <p:nvSpPr>
-          <p:cNvPr id="80" name="PlaceHolder 4"/>
+            <a:endParaRPr b="0" lang="en-GB" sz="3200" spc="-1" strike="noStrike">
+              <a:latin typeface="Arial"/>
+            </a:endParaRPr>
+          </a:p>
+        </p:txBody>
+      </p:sp>
+      <p:sp>
+        <p:nvSpPr>
+          <p:cNvPr id="74" name="PlaceHolder 4"/>
           <p:cNvSpPr>
             <a:spLocks noGrp="1"/>
           </p:cNvSpPr>
@@ -2142,15 +2107,15 @@
             <a:normAutofit/>
           </a:bodyPr>
           <a:p>
-            <a:endParaRPr b="0" lang="de-AT" sz="2400" spc="-1" strike="noStrike">
-              <a:latin typeface="Source Sans Pro"/>
-            </a:endParaRPr>
-          </a:p>
-        </p:txBody>
-      </p:sp>
-      <p:sp>
-        <p:nvSpPr>
-          <p:cNvPr id="81" name="PlaceHolder 5"/>
+            <a:endParaRPr b="0" lang="en-GB" sz="3200" spc="-1" strike="noStrike">
+              <a:latin typeface="Arial"/>
+            </a:endParaRPr>
+          </a:p>
+        </p:txBody>
+      </p:sp>
+      <p:sp>
+        <p:nvSpPr>
+          <p:cNvPr id="75" name="PlaceHolder 5"/>
           <p:cNvSpPr>
             <a:spLocks noGrp="1"/>
           </p:cNvSpPr>
@@ -2176,15 +2141,15 @@
             <a:normAutofit/>
           </a:bodyPr>
           <a:p>
-            <a:endParaRPr b="0" lang="de-AT" sz="2400" spc="-1" strike="noStrike">
-              <a:latin typeface="Source Sans Pro"/>
-            </a:endParaRPr>
-          </a:p>
-        </p:txBody>
-      </p:sp>
-      <p:sp>
-        <p:nvSpPr>
-          <p:cNvPr id="82" name="PlaceHolder 6"/>
+            <a:endParaRPr b="0" lang="en-GB" sz="3200" spc="-1" strike="noStrike">
+              <a:latin typeface="Arial"/>
+            </a:endParaRPr>
+          </a:p>
+        </p:txBody>
+      </p:sp>
+      <p:sp>
+        <p:nvSpPr>
+          <p:cNvPr id="76" name="PlaceHolder 6"/>
           <p:cNvSpPr>
             <a:spLocks noGrp="1"/>
           </p:cNvSpPr>
@@ -2210,15 +2175,15 @@
             <a:normAutofit/>
           </a:bodyPr>
           <a:p>
-            <a:endParaRPr b="0" lang="de-AT" sz="2400" spc="-1" strike="noStrike">
-              <a:latin typeface="Source Sans Pro"/>
-            </a:endParaRPr>
-          </a:p>
-        </p:txBody>
-      </p:sp>
-      <p:sp>
-        <p:nvSpPr>
-          <p:cNvPr id="83" name="PlaceHolder 7"/>
+            <a:endParaRPr b="0" lang="en-GB" sz="3200" spc="-1" strike="noStrike">
+              <a:latin typeface="Arial"/>
+            </a:endParaRPr>
+          </a:p>
+        </p:txBody>
+      </p:sp>
+      <p:sp>
+        <p:nvSpPr>
+          <p:cNvPr id="77" name="PlaceHolder 7"/>
           <p:cNvSpPr>
             <a:spLocks noGrp="1"/>
           </p:cNvSpPr>
@@ -2244,8 +2209,8 @@
             <a:normAutofit/>
           </a:bodyPr>
           <a:p>
-            <a:endParaRPr b="0" lang="de-AT" sz="2400" spc="-1" strike="noStrike">
-              <a:latin typeface="Source Sans Pro"/>
+            <a:endParaRPr b="0" lang="en-GB" sz="3200" spc="-1" strike="noStrike">
+              <a:latin typeface="Arial"/>
             </a:endParaRPr>
           </a:p>
         </p:txBody>
@@ -2296,7 +2261,7 @@
       </p:grpSpPr>
       <p:sp>
         <p:nvSpPr>
-          <p:cNvPr id="91" name="PlaceHolder 1"/>
+          <p:cNvPr id="82" name="PlaceHolder 1"/>
           <p:cNvSpPr>
             <a:spLocks noGrp="1"/>
           </p:cNvSpPr>
@@ -2307,44 +2272,7 @@
         <p:spPr>
           <a:xfrm>
             <a:off x="540000" y="90000"/>
-            <a:ext cx="9000000" cy="990000"/>
-          </a:xfrm>
-          <a:prstGeom prst="rect">
-            <a:avLst/>
-          </a:prstGeom>
-          <a:noFill/>
-          <a:ln w="0">
-            <a:noFill/>
-          </a:ln>
-        </p:spPr>
-        <p:txBody>
-          <a:bodyPr lIns="0" rIns="0" tIns="0" bIns="0" anchor="b">
-            <a:normAutofit/>
-          </a:bodyPr>
-          <a:p>
-            <a:endParaRPr b="0" lang="de-AT" sz="4500" spc="-1" strike="noStrike">
-              <a:solidFill>
-                <a:srgbClr val="ffffff"/>
-              </a:solidFill>
-              <a:latin typeface="Source Sans Pro Light"/>
-            </a:endParaRPr>
-          </a:p>
-        </p:txBody>
-      </p:sp>
-      <p:sp>
-        <p:nvSpPr>
-          <p:cNvPr id="92" name="PlaceHolder 2"/>
-          <p:cNvSpPr>
-            <a:spLocks noGrp="1"/>
-          </p:cNvSpPr>
-          <p:nvPr>
-            <p:ph type="subTitle"/>
-          </p:nvPr>
-        </p:nvSpPr>
-        <p:spPr>
-          <a:xfrm>
-            <a:off x="540000" y="1440000"/>
-            <a:ext cx="9000000" cy="3510000"/>
+            <a:ext cx="8999640" cy="989640"/>
           </a:xfrm>
           <a:prstGeom prst="rect">
             <a:avLst/>
@@ -2360,11 +2288,43 @@
           </a:bodyPr>
           <a:p>
             <a:pPr algn="ctr"/>
-            <a:endParaRPr b="1" lang="de-AT" sz="3200" spc="-1" strike="noStrike">
-              <a:solidFill>
-                <a:srgbClr val="3465a4"/>
-              </a:solidFill>
-              <a:latin typeface="Source Sans Pro"/>
+            <a:endParaRPr b="0" lang="en-GB" sz="4400" spc="-1" strike="noStrike">
+              <a:latin typeface="Arial"/>
+            </a:endParaRPr>
+          </a:p>
+        </p:txBody>
+      </p:sp>
+      <p:sp>
+        <p:nvSpPr>
+          <p:cNvPr id="83" name="PlaceHolder 2"/>
+          <p:cNvSpPr>
+            <a:spLocks noGrp="1"/>
+          </p:cNvSpPr>
+          <p:nvPr>
+            <p:ph type="subTitle"/>
+          </p:nvPr>
+        </p:nvSpPr>
+        <p:spPr>
+          <a:xfrm>
+            <a:off x="540000" y="1440000"/>
+            <a:ext cx="8999640" cy="3509640"/>
+          </a:xfrm>
+          <a:prstGeom prst="rect">
+            <a:avLst/>
+          </a:prstGeom>
+          <a:noFill/>
+          <a:ln w="0">
+            <a:noFill/>
+          </a:ln>
+        </p:spPr>
+        <p:txBody>
+          <a:bodyPr lIns="0" rIns="0" tIns="0" bIns="0" anchor="ctr">
+            <a:noAutofit/>
+          </a:bodyPr>
+          <a:p>
+            <a:pPr algn="ctr"/>
+            <a:endParaRPr b="0" lang="en-GB" sz="3200" spc="-1" strike="noStrike">
+              <a:latin typeface="Arial"/>
             </a:endParaRPr>
           </a:p>
         </p:txBody>
@@ -2393,7 +2353,7 @@
       </p:grpSpPr>
       <p:sp>
         <p:nvSpPr>
-          <p:cNvPr id="93" name="PlaceHolder 1"/>
+          <p:cNvPr id="84" name="PlaceHolder 1"/>
           <p:cNvSpPr>
             <a:spLocks noGrp="1"/>
           </p:cNvSpPr>
@@ -2404,33 +2364,31 @@
         <p:spPr>
           <a:xfrm>
             <a:off x="540000" y="90000"/>
-            <a:ext cx="9000000" cy="990000"/>
-          </a:xfrm>
-          <a:prstGeom prst="rect">
-            <a:avLst/>
-          </a:prstGeom>
-          <a:noFill/>
-          <a:ln w="0">
-            <a:noFill/>
-          </a:ln>
-        </p:spPr>
-        <p:txBody>
-          <a:bodyPr lIns="0" rIns="0" tIns="0" bIns="0" anchor="b">
-            <a:normAutofit/>
-          </a:bodyPr>
-          <a:p>
-            <a:endParaRPr b="0" lang="de-AT" sz="4500" spc="-1" strike="noStrike">
-              <a:solidFill>
-                <a:srgbClr val="ffffff"/>
-              </a:solidFill>
-              <a:latin typeface="Source Sans Pro Light"/>
-            </a:endParaRPr>
-          </a:p>
-        </p:txBody>
-      </p:sp>
-      <p:sp>
-        <p:nvSpPr>
-          <p:cNvPr id="94" name="PlaceHolder 2"/>
+            <a:ext cx="8999640" cy="989640"/>
+          </a:xfrm>
+          <a:prstGeom prst="rect">
+            <a:avLst/>
+          </a:prstGeom>
+          <a:noFill/>
+          <a:ln w="0">
+            <a:noFill/>
+          </a:ln>
+        </p:spPr>
+        <p:txBody>
+          <a:bodyPr lIns="0" rIns="0" tIns="0" bIns="0" anchor="ctr">
+            <a:noAutofit/>
+          </a:bodyPr>
+          <a:p>
+            <a:pPr algn="ctr"/>
+            <a:endParaRPr b="0" lang="en-GB" sz="4400" spc="-1" strike="noStrike">
+              <a:latin typeface="Arial"/>
+            </a:endParaRPr>
+          </a:p>
+        </p:txBody>
+      </p:sp>
+      <p:sp>
+        <p:nvSpPr>
+          <p:cNvPr id="85" name="PlaceHolder 2"/>
           <p:cNvSpPr>
             <a:spLocks noGrp="1"/>
           </p:cNvSpPr>
@@ -2441,7 +2399,7 @@
         <p:spPr>
           <a:xfrm>
             <a:off x="540000" y="1440000"/>
-            <a:ext cx="9000000" cy="3510000"/>
+            <a:ext cx="8999640" cy="3509640"/>
           </a:xfrm>
           <a:prstGeom prst="rect">
             <a:avLst/>
@@ -2456,8 +2414,8 @@
             <a:normAutofit/>
           </a:bodyPr>
           <a:p>
-            <a:endParaRPr b="0" lang="de-AT" sz="2400" spc="-1" strike="noStrike">
-              <a:latin typeface="Source Sans Pro"/>
+            <a:endParaRPr b="0" lang="en-GB" sz="3200" spc="-1" strike="noStrike">
+              <a:latin typeface="Arial"/>
             </a:endParaRPr>
           </a:p>
         </p:txBody>
@@ -2486,7 +2444,7 @@
       </p:grpSpPr>
       <p:sp>
         <p:nvSpPr>
-          <p:cNvPr id="95" name="PlaceHolder 1"/>
+          <p:cNvPr id="86" name="PlaceHolder 1"/>
           <p:cNvSpPr>
             <a:spLocks noGrp="1"/>
           </p:cNvSpPr>
@@ -2497,33 +2455,31 @@
         <p:spPr>
           <a:xfrm>
             <a:off x="540000" y="90000"/>
-            <a:ext cx="9000000" cy="990000"/>
-          </a:xfrm>
-          <a:prstGeom prst="rect">
-            <a:avLst/>
-          </a:prstGeom>
-          <a:noFill/>
-          <a:ln w="0">
-            <a:noFill/>
-          </a:ln>
-        </p:spPr>
-        <p:txBody>
-          <a:bodyPr lIns="0" rIns="0" tIns="0" bIns="0" anchor="b">
-            <a:normAutofit/>
-          </a:bodyPr>
-          <a:p>
-            <a:endParaRPr b="0" lang="de-AT" sz="4500" spc="-1" strike="noStrike">
-              <a:solidFill>
-                <a:srgbClr val="ffffff"/>
-              </a:solidFill>
-              <a:latin typeface="Source Sans Pro Light"/>
-            </a:endParaRPr>
-          </a:p>
-        </p:txBody>
-      </p:sp>
-      <p:sp>
-        <p:nvSpPr>
-          <p:cNvPr id="96" name="PlaceHolder 2"/>
+            <a:ext cx="8999640" cy="989640"/>
+          </a:xfrm>
+          <a:prstGeom prst="rect">
+            <a:avLst/>
+          </a:prstGeom>
+          <a:noFill/>
+          <a:ln w="0">
+            <a:noFill/>
+          </a:ln>
+        </p:spPr>
+        <p:txBody>
+          <a:bodyPr lIns="0" rIns="0" tIns="0" bIns="0" anchor="ctr">
+            <a:noAutofit/>
+          </a:bodyPr>
+          <a:p>
+            <a:pPr algn="ctr"/>
+            <a:endParaRPr b="0" lang="en-GB" sz="4400" spc="-1" strike="noStrike">
+              <a:latin typeface="Arial"/>
+            </a:endParaRPr>
+          </a:p>
+        </p:txBody>
+      </p:sp>
+      <p:sp>
+        <p:nvSpPr>
+          <p:cNvPr id="87" name="PlaceHolder 2"/>
           <p:cNvSpPr>
             <a:spLocks noGrp="1"/>
           </p:cNvSpPr>
@@ -2534,7 +2490,7 @@
         <p:spPr>
           <a:xfrm>
             <a:off x="540000" y="1440000"/>
-            <a:ext cx="4391640" cy="3510000"/>
+            <a:ext cx="4391640" cy="3509640"/>
           </a:xfrm>
           <a:prstGeom prst="rect">
             <a:avLst/>
@@ -2549,15 +2505,15 @@
             <a:normAutofit/>
           </a:bodyPr>
           <a:p>
-            <a:endParaRPr b="0" lang="de-AT" sz="2400" spc="-1" strike="noStrike">
-              <a:latin typeface="Source Sans Pro"/>
-            </a:endParaRPr>
-          </a:p>
-        </p:txBody>
-      </p:sp>
-      <p:sp>
-        <p:nvSpPr>
-          <p:cNvPr id="97" name="PlaceHolder 3"/>
+            <a:endParaRPr b="0" lang="en-GB" sz="3200" spc="-1" strike="noStrike">
+              <a:latin typeface="Arial"/>
+            </a:endParaRPr>
+          </a:p>
+        </p:txBody>
+      </p:sp>
+      <p:sp>
+        <p:nvSpPr>
+          <p:cNvPr id="88" name="PlaceHolder 3"/>
           <p:cNvSpPr>
             <a:spLocks noGrp="1"/>
           </p:cNvSpPr>
@@ -2568,7 +2524,7 @@
         <p:spPr>
           <a:xfrm>
             <a:off x="5151600" y="1440000"/>
-            <a:ext cx="4391640" cy="3510000"/>
+            <a:ext cx="4391640" cy="3509640"/>
           </a:xfrm>
           <a:prstGeom prst="rect">
             <a:avLst/>
@@ -2583,8 +2539,8 @@
             <a:normAutofit/>
           </a:bodyPr>
           <a:p>
-            <a:endParaRPr b="0" lang="de-AT" sz="2400" spc="-1" strike="noStrike">
-              <a:latin typeface="Source Sans Pro"/>
+            <a:endParaRPr b="0" lang="en-GB" sz="3200" spc="-1" strike="noStrike">
+              <a:latin typeface="Arial"/>
             </a:endParaRPr>
           </a:p>
         </p:txBody>
@@ -2613,7 +2569,7 @@
       </p:grpSpPr>
       <p:sp>
         <p:nvSpPr>
-          <p:cNvPr id="98" name="PlaceHolder 1"/>
+          <p:cNvPr id="89" name="PlaceHolder 1"/>
           <p:cNvSpPr>
             <a:spLocks noGrp="1"/>
           </p:cNvSpPr>
@@ -2624,26 +2580,24 @@
         <p:spPr>
           <a:xfrm>
             <a:off x="540000" y="90000"/>
-            <a:ext cx="9000000" cy="990000"/>
-          </a:xfrm>
-          <a:prstGeom prst="rect">
-            <a:avLst/>
-          </a:prstGeom>
-          <a:noFill/>
-          <a:ln w="0">
-            <a:noFill/>
-          </a:ln>
-        </p:spPr>
-        <p:txBody>
-          <a:bodyPr lIns="0" rIns="0" tIns="0" bIns="0" anchor="b">
-            <a:normAutofit/>
-          </a:bodyPr>
-          <a:p>
-            <a:endParaRPr b="0" lang="de-AT" sz="4500" spc="-1" strike="noStrike">
-              <a:solidFill>
-                <a:srgbClr val="ffffff"/>
-              </a:solidFill>
-              <a:latin typeface="Source Sans Pro Light"/>
+            <a:ext cx="8999640" cy="989640"/>
+          </a:xfrm>
+          <a:prstGeom prst="rect">
+            <a:avLst/>
+          </a:prstGeom>
+          <a:noFill/>
+          <a:ln w="0">
+            <a:noFill/>
+          </a:ln>
+        </p:spPr>
+        <p:txBody>
+          <a:bodyPr lIns="0" rIns="0" tIns="0" bIns="0" anchor="ctr">
+            <a:noAutofit/>
+          </a:bodyPr>
+          <a:p>
+            <a:pPr algn="ctr"/>
+            <a:endParaRPr b="0" lang="en-GB" sz="4400" spc="-1" strike="noStrike">
+              <a:latin typeface="Arial"/>
             </a:endParaRPr>
           </a:p>
         </p:txBody>
@@ -2672,7 +2626,7 @@
       </p:grpSpPr>
       <p:sp>
         <p:nvSpPr>
-          <p:cNvPr id="8" name="PlaceHolder 1"/>
+          <p:cNvPr id="5" name="PlaceHolder 1"/>
           <p:cNvSpPr>
             <a:spLocks noGrp="1"/>
           </p:cNvSpPr>
@@ -2683,33 +2637,31 @@
         <p:spPr>
           <a:xfrm>
             <a:off x="540000" y="90000"/>
-            <a:ext cx="9000000" cy="990000"/>
-          </a:xfrm>
-          <a:prstGeom prst="rect">
-            <a:avLst/>
-          </a:prstGeom>
-          <a:noFill/>
-          <a:ln w="0">
-            <a:noFill/>
-          </a:ln>
-        </p:spPr>
-        <p:txBody>
-          <a:bodyPr lIns="0" rIns="0" tIns="0" bIns="0" anchor="b">
-            <a:normAutofit/>
-          </a:bodyPr>
-          <a:p>
-            <a:endParaRPr b="0" lang="de-AT" sz="4500" spc="-1" strike="noStrike">
-              <a:solidFill>
-                <a:srgbClr val="ffffff"/>
-              </a:solidFill>
-              <a:latin typeface="Source Sans Pro Light"/>
-            </a:endParaRPr>
-          </a:p>
-        </p:txBody>
-      </p:sp>
-      <p:sp>
-        <p:nvSpPr>
-          <p:cNvPr id="9" name="PlaceHolder 2"/>
+            <a:ext cx="8999640" cy="989640"/>
+          </a:xfrm>
+          <a:prstGeom prst="rect">
+            <a:avLst/>
+          </a:prstGeom>
+          <a:noFill/>
+          <a:ln w="0">
+            <a:noFill/>
+          </a:ln>
+        </p:spPr>
+        <p:txBody>
+          <a:bodyPr lIns="0" rIns="0" tIns="0" bIns="0" anchor="ctr">
+            <a:noAutofit/>
+          </a:bodyPr>
+          <a:p>
+            <a:pPr algn="ctr"/>
+            <a:endParaRPr b="0" lang="en-GB" sz="4400" spc="-1" strike="noStrike">
+              <a:latin typeface="Arial"/>
+            </a:endParaRPr>
+          </a:p>
+        </p:txBody>
+      </p:sp>
+      <p:sp>
+        <p:nvSpPr>
+          <p:cNvPr id="6" name="PlaceHolder 2"/>
           <p:cNvSpPr>
             <a:spLocks noGrp="1"/>
           </p:cNvSpPr>
@@ -2720,7 +2672,7 @@
         <p:spPr>
           <a:xfrm>
             <a:off x="540000" y="1440000"/>
-            <a:ext cx="9000000" cy="3510000"/>
+            <a:ext cx="8999640" cy="3509640"/>
           </a:xfrm>
           <a:prstGeom prst="rect">
             <a:avLst/>
@@ -2735,8 +2687,8 @@
             <a:normAutofit/>
           </a:bodyPr>
           <a:p>
-            <a:endParaRPr b="0" lang="de-AT" sz="2400" spc="-1" strike="noStrike">
-              <a:latin typeface="Source Sans Pro"/>
+            <a:endParaRPr b="0" lang="en-GB" sz="3200" spc="-1" strike="noStrike">
+              <a:latin typeface="Arial"/>
             </a:endParaRPr>
           </a:p>
         </p:txBody>
@@ -2765,7 +2717,7 @@
       </p:grpSpPr>
       <p:sp>
         <p:nvSpPr>
-          <p:cNvPr id="99" name="PlaceHolder 1"/>
+          <p:cNvPr id="90" name="PlaceHolder 1"/>
           <p:cNvSpPr>
             <a:spLocks noGrp="1"/>
           </p:cNvSpPr>
@@ -2776,7 +2728,7 @@
         <p:spPr>
           <a:xfrm>
             <a:off x="540000" y="90000"/>
-            <a:ext cx="9000000" cy="4590360"/>
+            <a:ext cx="8999640" cy="4588560"/>
           </a:xfrm>
           <a:prstGeom prst="rect">
             <a:avLst/>
@@ -2792,11 +2744,8 @@
           </a:bodyPr>
           <a:p>
             <a:pPr algn="ctr"/>
-            <a:endParaRPr b="1" lang="de-AT" sz="3200" spc="-1" strike="noStrike">
-              <a:solidFill>
-                <a:srgbClr val="3465a4"/>
-              </a:solidFill>
-              <a:latin typeface="Source Sans Pro"/>
+            <a:endParaRPr b="0" lang="en-GB" sz="3200" spc="-1" strike="noStrike">
+              <a:latin typeface="Arial"/>
             </a:endParaRPr>
           </a:p>
         </p:txBody>
@@ -2825,7 +2774,7 @@
       </p:grpSpPr>
       <p:sp>
         <p:nvSpPr>
-          <p:cNvPr id="100" name="PlaceHolder 1"/>
+          <p:cNvPr id="91" name="PlaceHolder 1"/>
           <p:cNvSpPr>
             <a:spLocks noGrp="1"/>
           </p:cNvSpPr>
@@ -2836,33 +2785,31 @@
         <p:spPr>
           <a:xfrm>
             <a:off x="540000" y="90000"/>
-            <a:ext cx="9000000" cy="990000"/>
-          </a:xfrm>
-          <a:prstGeom prst="rect">
-            <a:avLst/>
-          </a:prstGeom>
-          <a:noFill/>
-          <a:ln w="0">
-            <a:noFill/>
-          </a:ln>
-        </p:spPr>
-        <p:txBody>
-          <a:bodyPr lIns="0" rIns="0" tIns="0" bIns="0" anchor="b">
-            <a:normAutofit/>
-          </a:bodyPr>
-          <a:p>
-            <a:endParaRPr b="0" lang="de-AT" sz="4500" spc="-1" strike="noStrike">
-              <a:solidFill>
-                <a:srgbClr val="ffffff"/>
-              </a:solidFill>
-              <a:latin typeface="Source Sans Pro Light"/>
-            </a:endParaRPr>
-          </a:p>
-        </p:txBody>
-      </p:sp>
-      <p:sp>
-        <p:nvSpPr>
-          <p:cNvPr id="101" name="PlaceHolder 2"/>
+            <a:ext cx="8999640" cy="989640"/>
+          </a:xfrm>
+          <a:prstGeom prst="rect">
+            <a:avLst/>
+          </a:prstGeom>
+          <a:noFill/>
+          <a:ln w="0">
+            <a:noFill/>
+          </a:ln>
+        </p:spPr>
+        <p:txBody>
+          <a:bodyPr lIns="0" rIns="0" tIns="0" bIns="0" anchor="ctr">
+            <a:noAutofit/>
+          </a:bodyPr>
+          <a:p>
+            <a:pPr algn="ctr"/>
+            <a:endParaRPr b="0" lang="en-GB" sz="4400" spc="-1" strike="noStrike">
+              <a:latin typeface="Arial"/>
+            </a:endParaRPr>
+          </a:p>
+        </p:txBody>
+      </p:sp>
+      <p:sp>
+        <p:nvSpPr>
+          <p:cNvPr id="92" name="PlaceHolder 2"/>
           <p:cNvSpPr>
             <a:spLocks noGrp="1"/>
           </p:cNvSpPr>
@@ -2888,15 +2835,15 @@
             <a:normAutofit/>
           </a:bodyPr>
           <a:p>
-            <a:endParaRPr b="0" lang="de-AT" sz="2400" spc="-1" strike="noStrike">
-              <a:latin typeface="Source Sans Pro"/>
-            </a:endParaRPr>
-          </a:p>
-        </p:txBody>
-      </p:sp>
-      <p:sp>
-        <p:nvSpPr>
-          <p:cNvPr id="102" name="PlaceHolder 3"/>
+            <a:endParaRPr b="0" lang="en-GB" sz="3200" spc="-1" strike="noStrike">
+              <a:latin typeface="Arial"/>
+            </a:endParaRPr>
+          </a:p>
+        </p:txBody>
+      </p:sp>
+      <p:sp>
+        <p:nvSpPr>
+          <p:cNvPr id="93" name="PlaceHolder 3"/>
           <p:cNvSpPr>
             <a:spLocks noGrp="1"/>
           </p:cNvSpPr>
@@ -2907,7 +2854,7 @@
         <p:spPr>
           <a:xfrm>
             <a:off x="5151600" y="1440000"/>
-            <a:ext cx="4391640" cy="3510000"/>
+            <a:ext cx="4391640" cy="3509640"/>
           </a:xfrm>
           <a:prstGeom prst="rect">
             <a:avLst/>
@@ -2922,15 +2869,15 @@
             <a:normAutofit/>
           </a:bodyPr>
           <a:p>
-            <a:endParaRPr b="0" lang="de-AT" sz="2400" spc="-1" strike="noStrike">
-              <a:latin typeface="Source Sans Pro"/>
-            </a:endParaRPr>
-          </a:p>
-        </p:txBody>
-      </p:sp>
-      <p:sp>
-        <p:nvSpPr>
-          <p:cNvPr id="103" name="PlaceHolder 4"/>
+            <a:endParaRPr b="0" lang="en-GB" sz="3200" spc="-1" strike="noStrike">
+              <a:latin typeface="Arial"/>
+            </a:endParaRPr>
+          </a:p>
+        </p:txBody>
+      </p:sp>
+      <p:sp>
+        <p:nvSpPr>
+          <p:cNvPr id="94" name="PlaceHolder 4"/>
           <p:cNvSpPr>
             <a:spLocks noGrp="1"/>
           </p:cNvSpPr>
@@ -2956,8 +2903,8 @@
             <a:normAutofit/>
           </a:bodyPr>
           <a:p>
-            <a:endParaRPr b="0" lang="de-AT" sz="2400" spc="-1" strike="noStrike">
-              <a:latin typeface="Source Sans Pro"/>
+            <a:endParaRPr b="0" lang="en-GB" sz="3200" spc="-1" strike="noStrike">
+              <a:latin typeface="Arial"/>
             </a:endParaRPr>
           </a:p>
         </p:txBody>
@@ -2986,7 +2933,7 @@
       </p:grpSpPr>
       <p:sp>
         <p:nvSpPr>
-          <p:cNvPr id="104" name="PlaceHolder 1"/>
+          <p:cNvPr id="95" name="PlaceHolder 1"/>
           <p:cNvSpPr>
             <a:spLocks noGrp="1"/>
           </p:cNvSpPr>
@@ -2997,33 +2944,31 @@
         <p:spPr>
           <a:xfrm>
             <a:off x="540000" y="90000"/>
-            <a:ext cx="9000000" cy="990000"/>
-          </a:xfrm>
-          <a:prstGeom prst="rect">
-            <a:avLst/>
-          </a:prstGeom>
-          <a:noFill/>
-          <a:ln w="0">
-            <a:noFill/>
-          </a:ln>
-        </p:spPr>
-        <p:txBody>
-          <a:bodyPr lIns="0" rIns="0" tIns="0" bIns="0" anchor="b">
-            <a:normAutofit/>
-          </a:bodyPr>
-          <a:p>
-            <a:endParaRPr b="0" lang="de-AT" sz="4500" spc="-1" strike="noStrike">
-              <a:solidFill>
-                <a:srgbClr val="ffffff"/>
-              </a:solidFill>
-              <a:latin typeface="Source Sans Pro Light"/>
-            </a:endParaRPr>
-          </a:p>
-        </p:txBody>
-      </p:sp>
-      <p:sp>
-        <p:nvSpPr>
-          <p:cNvPr id="105" name="PlaceHolder 2"/>
+            <a:ext cx="8999640" cy="989640"/>
+          </a:xfrm>
+          <a:prstGeom prst="rect">
+            <a:avLst/>
+          </a:prstGeom>
+          <a:noFill/>
+          <a:ln w="0">
+            <a:noFill/>
+          </a:ln>
+        </p:spPr>
+        <p:txBody>
+          <a:bodyPr lIns="0" rIns="0" tIns="0" bIns="0" anchor="ctr">
+            <a:noAutofit/>
+          </a:bodyPr>
+          <a:p>
+            <a:pPr algn="ctr"/>
+            <a:endParaRPr b="0" lang="en-GB" sz="4400" spc="-1" strike="noStrike">
+              <a:latin typeface="Arial"/>
+            </a:endParaRPr>
+          </a:p>
+        </p:txBody>
+      </p:sp>
+      <p:sp>
+        <p:nvSpPr>
+          <p:cNvPr id="96" name="PlaceHolder 2"/>
           <p:cNvSpPr>
             <a:spLocks noGrp="1"/>
           </p:cNvSpPr>
@@ -3034,7 +2979,7 @@
         <p:spPr>
           <a:xfrm>
             <a:off x="540000" y="1440000"/>
-            <a:ext cx="4391640" cy="3510000"/>
+            <a:ext cx="4391640" cy="3509640"/>
           </a:xfrm>
           <a:prstGeom prst="rect">
             <a:avLst/>
@@ -3049,15 +2994,15 @@
             <a:normAutofit/>
           </a:bodyPr>
           <a:p>
-            <a:endParaRPr b="0" lang="de-AT" sz="2400" spc="-1" strike="noStrike">
-              <a:latin typeface="Source Sans Pro"/>
-            </a:endParaRPr>
-          </a:p>
-        </p:txBody>
-      </p:sp>
-      <p:sp>
-        <p:nvSpPr>
-          <p:cNvPr id="106" name="PlaceHolder 3"/>
+            <a:endParaRPr b="0" lang="en-GB" sz="3200" spc="-1" strike="noStrike">
+              <a:latin typeface="Arial"/>
+            </a:endParaRPr>
+          </a:p>
+        </p:txBody>
+      </p:sp>
+      <p:sp>
+        <p:nvSpPr>
+          <p:cNvPr id="97" name="PlaceHolder 3"/>
           <p:cNvSpPr>
             <a:spLocks noGrp="1"/>
           </p:cNvSpPr>
@@ -3083,15 +3028,15 @@
             <a:normAutofit/>
           </a:bodyPr>
           <a:p>
-            <a:endParaRPr b="0" lang="de-AT" sz="2400" spc="-1" strike="noStrike">
-              <a:latin typeface="Source Sans Pro"/>
-            </a:endParaRPr>
-          </a:p>
-        </p:txBody>
-      </p:sp>
-      <p:sp>
-        <p:nvSpPr>
-          <p:cNvPr id="107" name="PlaceHolder 4"/>
+            <a:endParaRPr b="0" lang="en-GB" sz="3200" spc="-1" strike="noStrike">
+              <a:latin typeface="Arial"/>
+            </a:endParaRPr>
+          </a:p>
+        </p:txBody>
+      </p:sp>
+      <p:sp>
+        <p:nvSpPr>
+          <p:cNvPr id="98" name="PlaceHolder 4"/>
           <p:cNvSpPr>
             <a:spLocks noGrp="1"/>
           </p:cNvSpPr>
@@ -3117,8 +3062,8 @@
             <a:normAutofit/>
           </a:bodyPr>
           <a:p>
-            <a:endParaRPr b="0" lang="de-AT" sz="2400" spc="-1" strike="noStrike">
-              <a:latin typeface="Source Sans Pro"/>
+            <a:endParaRPr b="0" lang="en-GB" sz="3200" spc="-1" strike="noStrike">
+              <a:latin typeface="Arial"/>
             </a:endParaRPr>
           </a:p>
         </p:txBody>
@@ -3147,7 +3092,7 @@
       </p:grpSpPr>
       <p:sp>
         <p:nvSpPr>
-          <p:cNvPr id="108" name="PlaceHolder 1"/>
+          <p:cNvPr id="99" name="PlaceHolder 1"/>
           <p:cNvSpPr>
             <a:spLocks noGrp="1"/>
           </p:cNvSpPr>
@@ -3158,33 +3103,31 @@
         <p:spPr>
           <a:xfrm>
             <a:off x="540000" y="90000"/>
-            <a:ext cx="9000000" cy="990000"/>
-          </a:xfrm>
-          <a:prstGeom prst="rect">
-            <a:avLst/>
-          </a:prstGeom>
-          <a:noFill/>
-          <a:ln w="0">
-            <a:noFill/>
-          </a:ln>
-        </p:spPr>
-        <p:txBody>
-          <a:bodyPr lIns="0" rIns="0" tIns="0" bIns="0" anchor="b">
-            <a:normAutofit/>
-          </a:bodyPr>
-          <a:p>
-            <a:endParaRPr b="0" lang="de-AT" sz="4500" spc="-1" strike="noStrike">
-              <a:solidFill>
-                <a:srgbClr val="ffffff"/>
-              </a:solidFill>
-              <a:latin typeface="Source Sans Pro Light"/>
-            </a:endParaRPr>
-          </a:p>
-        </p:txBody>
-      </p:sp>
-      <p:sp>
-        <p:nvSpPr>
-          <p:cNvPr id="109" name="PlaceHolder 2"/>
+            <a:ext cx="8999640" cy="989640"/>
+          </a:xfrm>
+          <a:prstGeom prst="rect">
+            <a:avLst/>
+          </a:prstGeom>
+          <a:noFill/>
+          <a:ln w="0">
+            <a:noFill/>
+          </a:ln>
+        </p:spPr>
+        <p:txBody>
+          <a:bodyPr lIns="0" rIns="0" tIns="0" bIns="0" anchor="ctr">
+            <a:noAutofit/>
+          </a:bodyPr>
+          <a:p>
+            <a:pPr algn="ctr"/>
+            <a:endParaRPr b="0" lang="en-GB" sz="4400" spc="-1" strike="noStrike">
+              <a:latin typeface="Arial"/>
+            </a:endParaRPr>
+          </a:p>
+        </p:txBody>
+      </p:sp>
+      <p:sp>
+        <p:nvSpPr>
+          <p:cNvPr id="100" name="PlaceHolder 2"/>
           <p:cNvSpPr>
             <a:spLocks noGrp="1"/>
           </p:cNvSpPr>
@@ -3210,15 +3153,15 @@
             <a:normAutofit/>
           </a:bodyPr>
           <a:p>
-            <a:endParaRPr b="0" lang="de-AT" sz="2400" spc="-1" strike="noStrike">
-              <a:latin typeface="Source Sans Pro"/>
-            </a:endParaRPr>
-          </a:p>
-        </p:txBody>
-      </p:sp>
-      <p:sp>
-        <p:nvSpPr>
-          <p:cNvPr id="110" name="PlaceHolder 3"/>
+            <a:endParaRPr b="0" lang="en-GB" sz="3200" spc="-1" strike="noStrike">
+              <a:latin typeface="Arial"/>
+            </a:endParaRPr>
+          </a:p>
+        </p:txBody>
+      </p:sp>
+      <p:sp>
+        <p:nvSpPr>
+          <p:cNvPr id="101" name="PlaceHolder 3"/>
           <p:cNvSpPr>
             <a:spLocks noGrp="1"/>
           </p:cNvSpPr>
@@ -3244,15 +3187,15 @@
             <a:normAutofit/>
           </a:bodyPr>
           <a:p>
-            <a:endParaRPr b="0" lang="de-AT" sz="2400" spc="-1" strike="noStrike">
-              <a:latin typeface="Source Sans Pro"/>
-            </a:endParaRPr>
-          </a:p>
-        </p:txBody>
-      </p:sp>
-      <p:sp>
-        <p:nvSpPr>
-          <p:cNvPr id="111" name="PlaceHolder 4"/>
+            <a:endParaRPr b="0" lang="en-GB" sz="3200" spc="-1" strike="noStrike">
+              <a:latin typeface="Arial"/>
+            </a:endParaRPr>
+          </a:p>
+        </p:txBody>
+      </p:sp>
+      <p:sp>
+        <p:nvSpPr>
+          <p:cNvPr id="102" name="PlaceHolder 4"/>
           <p:cNvSpPr>
             <a:spLocks noGrp="1"/>
           </p:cNvSpPr>
@@ -3263,7 +3206,7 @@
         <p:spPr>
           <a:xfrm>
             <a:off x="540000" y="3273480"/>
-            <a:ext cx="9000000" cy="1674000"/>
+            <a:ext cx="8999640" cy="1674000"/>
           </a:xfrm>
           <a:prstGeom prst="rect">
             <a:avLst/>
@@ -3278,8 +3221,8 @@
             <a:normAutofit/>
           </a:bodyPr>
           <a:p>
-            <a:endParaRPr b="0" lang="de-AT" sz="2400" spc="-1" strike="noStrike">
-              <a:latin typeface="Source Sans Pro"/>
+            <a:endParaRPr b="0" lang="en-GB" sz="3200" spc="-1" strike="noStrike">
+              <a:latin typeface="Arial"/>
             </a:endParaRPr>
           </a:p>
         </p:txBody>
@@ -3308,7 +3251,7 @@
       </p:grpSpPr>
       <p:sp>
         <p:nvSpPr>
-          <p:cNvPr id="112" name="PlaceHolder 1"/>
+          <p:cNvPr id="103" name="PlaceHolder 1"/>
           <p:cNvSpPr>
             <a:spLocks noGrp="1"/>
           </p:cNvSpPr>
@@ -3319,33 +3262,31 @@
         <p:spPr>
           <a:xfrm>
             <a:off x="540000" y="90000"/>
-            <a:ext cx="9000000" cy="990000"/>
-          </a:xfrm>
-          <a:prstGeom prst="rect">
-            <a:avLst/>
-          </a:prstGeom>
-          <a:noFill/>
-          <a:ln w="0">
-            <a:noFill/>
-          </a:ln>
-        </p:spPr>
-        <p:txBody>
-          <a:bodyPr lIns="0" rIns="0" tIns="0" bIns="0" anchor="b">
-            <a:normAutofit/>
-          </a:bodyPr>
-          <a:p>
-            <a:endParaRPr b="0" lang="de-AT" sz="4500" spc="-1" strike="noStrike">
-              <a:solidFill>
-                <a:srgbClr val="ffffff"/>
-              </a:solidFill>
-              <a:latin typeface="Source Sans Pro Light"/>
-            </a:endParaRPr>
-          </a:p>
-        </p:txBody>
-      </p:sp>
-      <p:sp>
-        <p:nvSpPr>
-          <p:cNvPr id="113" name="PlaceHolder 2"/>
+            <a:ext cx="8999640" cy="989640"/>
+          </a:xfrm>
+          <a:prstGeom prst="rect">
+            <a:avLst/>
+          </a:prstGeom>
+          <a:noFill/>
+          <a:ln w="0">
+            <a:noFill/>
+          </a:ln>
+        </p:spPr>
+        <p:txBody>
+          <a:bodyPr lIns="0" rIns="0" tIns="0" bIns="0" anchor="ctr">
+            <a:noAutofit/>
+          </a:bodyPr>
+          <a:p>
+            <a:pPr algn="ctr"/>
+            <a:endParaRPr b="0" lang="en-GB" sz="4400" spc="-1" strike="noStrike">
+              <a:latin typeface="Arial"/>
+            </a:endParaRPr>
+          </a:p>
+        </p:txBody>
+      </p:sp>
+      <p:sp>
+        <p:nvSpPr>
+          <p:cNvPr id="104" name="PlaceHolder 2"/>
           <p:cNvSpPr>
             <a:spLocks noGrp="1"/>
           </p:cNvSpPr>
@@ -3356,7 +3297,7 @@
         <p:spPr>
           <a:xfrm>
             <a:off x="540000" y="1440000"/>
-            <a:ext cx="9000000" cy="1674000"/>
+            <a:ext cx="8999640" cy="1674000"/>
           </a:xfrm>
           <a:prstGeom prst="rect">
             <a:avLst/>
@@ -3371,15 +3312,15 @@
             <a:normAutofit/>
           </a:bodyPr>
           <a:p>
-            <a:endParaRPr b="0" lang="de-AT" sz="2400" spc="-1" strike="noStrike">
-              <a:latin typeface="Source Sans Pro"/>
-            </a:endParaRPr>
-          </a:p>
-        </p:txBody>
-      </p:sp>
-      <p:sp>
-        <p:nvSpPr>
-          <p:cNvPr id="114" name="PlaceHolder 3"/>
+            <a:endParaRPr b="0" lang="en-GB" sz="3200" spc="-1" strike="noStrike">
+              <a:latin typeface="Arial"/>
+            </a:endParaRPr>
+          </a:p>
+        </p:txBody>
+      </p:sp>
+      <p:sp>
+        <p:nvSpPr>
+          <p:cNvPr id="105" name="PlaceHolder 3"/>
           <p:cNvSpPr>
             <a:spLocks noGrp="1"/>
           </p:cNvSpPr>
@@ -3390,7 +3331,7 @@
         <p:spPr>
           <a:xfrm>
             <a:off x="540000" y="3273480"/>
-            <a:ext cx="9000000" cy="1674000"/>
+            <a:ext cx="8999640" cy="1674000"/>
           </a:xfrm>
           <a:prstGeom prst="rect">
             <a:avLst/>
@@ -3405,8 +3346,8 @@
             <a:normAutofit/>
           </a:bodyPr>
           <a:p>
-            <a:endParaRPr b="0" lang="de-AT" sz="2400" spc="-1" strike="noStrike">
-              <a:latin typeface="Source Sans Pro"/>
+            <a:endParaRPr b="0" lang="en-GB" sz="3200" spc="-1" strike="noStrike">
+              <a:latin typeface="Arial"/>
             </a:endParaRPr>
           </a:p>
         </p:txBody>
@@ -3435,7 +3376,7 @@
       </p:grpSpPr>
       <p:sp>
         <p:nvSpPr>
-          <p:cNvPr id="115" name="PlaceHolder 1"/>
+          <p:cNvPr id="106" name="PlaceHolder 1"/>
           <p:cNvSpPr>
             <a:spLocks noGrp="1"/>
           </p:cNvSpPr>
@@ -3446,33 +3387,31 @@
         <p:spPr>
           <a:xfrm>
             <a:off x="540000" y="90000"/>
-            <a:ext cx="9000000" cy="990000"/>
-          </a:xfrm>
-          <a:prstGeom prst="rect">
-            <a:avLst/>
-          </a:prstGeom>
-          <a:noFill/>
-          <a:ln w="0">
-            <a:noFill/>
-          </a:ln>
-        </p:spPr>
-        <p:txBody>
-          <a:bodyPr lIns="0" rIns="0" tIns="0" bIns="0" anchor="b">
-            <a:normAutofit/>
-          </a:bodyPr>
-          <a:p>
-            <a:endParaRPr b="0" lang="de-AT" sz="4500" spc="-1" strike="noStrike">
-              <a:solidFill>
-                <a:srgbClr val="ffffff"/>
-              </a:solidFill>
-              <a:latin typeface="Source Sans Pro Light"/>
-            </a:endParaRPr>
-          </a:p>
-        </p:txBody>
-      </p:sp>
-      <p:sp>
-        <p:nvSpPr>
-          <p:cNvPr id="116" name="PlaceHolder 2"/>
+            <a:ext cx="8999640" cy="989640"/>
+          </a:xfrm>
+          <a:prstGeom prst="rect">
+            <a:avLst/>
+          </a:prstGeom>
+          <a:noFill/>
+          <a:ln w="0">
+            <a:noFill/>
+          </a:ln>
+        </p:spPr>
+        <p:txBody>
+          <a:bodyPr lIns="0" rIns="0" tIns="0" bIns="0" anchor="ctr">
+            <a:noAutofit/>
+          </a:bodyPr>
+          <a:p>
+            <a:pPr algn="ctr"/>
+            <a:endParaRPr b="0" lang="en-GB" sz="4400" spc="-1" strike="noStrike">
+              <a:latin typeface="Arial"/>
+            </a:endParaRPr>
+          </a:p>
+        </p:txBody>
+      </p:sp>
+      <p:sp>
+        <p:nvSpPr>
+          <p:cNvPr id="107" name="PlaceHolder 2"/>
           <p:cNvSpPr>
             <a:spLocks noGrp="1"/>
           </p:cNvSpPr>
@@ -3498,15 +3437,15 @@
             <a:normAutofit/>
           </a:bodyPr>
           <a:p>
-            <a:endParaRPr b="0" lang="de-AT" sz="2400" spc="-1" strike="noStrike">
-              <a:latin typeface="Source Sans Pro"/>
-            </a:endParaRPr>
-          </a:p>
-        </p:txBody>
-      </p:sp>
-      <p:sp>
-        <p:nvSpPr>
-          <p:cNvPr id="117" name="PlaceHolder 3"/>
+            <a:endParaRPr b="0" lang="en-GB" sz="3200" spc="-1" strike="noStrike">
+              <a:latin typeface="Arial"/>
+            </a:endParaRPr>
+          </a:p>
+        </p:txBody>
+      </p:sp>
+      <p:sp>
+        <p:nvSpPr>
+          <p:cNvPr id="108" name="PlaceHolder 3"/>
           <p:cNvSpPr>
             <a:spLocks noGrp="1"/>
           </p:cNvSpPr>
@@ -3532,15 +3471,15 @@
             <a:normAutofit/>
           </a:bodyPr>
           <a:p>
-            <a:endParaRPr b="0" lang="de-AT" sz="2400" spc="-1" strike="noStrike">
-              <a:latin typeface="Source Sans Pro"/>
-            </a:endParaRPr>
-          </a:p>
-        </p:txBody>
-      </p:sp>
-      <p:sp>
-        <p:nvSpPr>
-          <p:cNvPr id="118" name="PlaceHolder 4"/>
+            <a:endParaRPr b="0" lang="en-GB" sz="3200" spc="-1" strike="noStrike">
+              <a:latin typeface="Arial"/>
+            </a:endParaRPr>
+          </a:p>
+        </p:txBody>
+      </p:sp>
+      <p:sp>
+        <p:nvSpPr>
+          <p:cNvPr id="109" name="PlaceHolder 4"/>
           <p:cNvSpPr>
             <a:spLocks noGrp="1"/>
           </p:cNvSpPr>
@@ -3566,15 +3505,15 @@
             <a:normAutofit/>
           </a:bodyPr>
           <a:p>
-            <a:endParaRPr b="0" lang="de-AT" sz="2400" spc="-1" strike="noStrike">
-              <a:latin typeface="Source Sans Pro"/>
-            </a:endParaRPr>
-          </a:p>
-        </p:txBody>
-      </p:sp>
-      <p:sp>
-        <p:nvSpPr>
-          <p:cNvPr id="119" name="PlaceHolder 5"/>
+            <a:endParaRPr b="0" lang="en-GB" sz="3200" spc="-1" strike="noStrike">
+              <a:latin typeface="Arial"/>
+            </a:endParaRPr>
+          </a:p>
+        </p:txBody>
+      </p:sp>
+      <p:sp>
+        <p:nvSpPr>
+          <p:cNvPr id="110" name="PlaceHolder 5"/>
           <p:cNvSpPr>
             <a:spLocks noGrp="1"/>
           </p:cNvSpPr>
@@ -3600,8 +3539,8 @@
             <a:normAutofit/>
           </a:bodyPr>
           <a:p>
-            <a:endParaRPr b="0" lang="de-AT" sz="2400" spc="-1" strike="noStrike">
-              <a:latin typeface="Source Sans Pro"/>
+            <a:endParaRPr b="0" lang="en-GB" sz="3200" spc="-1" strike="noStrike">
+              <a:latin typeface="Arial"/>
             </a:endParaRPr>
           </a:p>
         </p:txBody>
@@ -3630,7 +3569,7 @@
       </p:grpSpPr>
       <p:sp>
         <p:nvSpPr>
-          <p:cNvPr id="120" name="PlaceHolder 1"/>
+          <p:cNvPr id="111" name="PlaceHolder 1"/>
           <p:cNvSpPr>
             <a:spLocks noGrp="1"/>
           </p:cNvSpPr>
@@ -3641,33 +3580,31 @@
         <p:spPr>
           <a:xfrm>
             <a:off x="540000" y="90000"/>
-            <a:ext cx="9000000" cy="990000"/>
-          </a:xfrm>
-          <a:prstGeom prst="rect">
-            <a:avLst/>
-          </a:prstGeom>
-          <a:noFill/>
-          <a:ln w="0">
-            <a:noFill/>
-          </a:ln>
-        </p:spPr>
-        <p:txBody>
-          <a:bodyPr lIns="0" rIns="0" tIns="0" bIns="0" anchor="b">
-            <a:normAutofit/>
-          </a:bodyPr>
-          <a:p>
-            <a:endParaRPr b="0" lang="de-AT" sz="4500" spc="-1" strike="noStrike">
-              <a:solidFill>
-                <a:srgbClr val="ffffff"/>
-              </a:solidFill>
-              <a:latin typeface="Source Sans Pro Light"/>
-            </a:endParaRPr>
-          </a:p>
-        </p:txBody>
-      </p:sp>
-      <p:sp>
-        <p:nvSpPr>
-          <p:cNvPr id="121" name="PlaceHolder 2"/>
+            <a:ext cx="8999640" cy="989640"/>
+          </a:xfrm>
+          <a:prstGeom prst="rect">
+            <a:avLst/>
+          </a:prstGeom>
+          <a:noFill/>
+          <a:ln w="0">
+            <a:noFill/>
+          </a:ln>
+        </p:spPr>
+        <p:txBody>
+          <a:bodyPr lIns="0" rIns="0" tIns="0" bIns="0" anchor="ctr">
+            <a:noAutofit/>
+          </a:bodyPr>
+          <a:p>
+            <a:pPr algn="ctr"/>
+            <a:endParaRPr b="0" lang="en-GB" sz="4400" spc="-1" strike="noStrike">
+              <a:latin typeface="Arial"/>
+            </a:endParaRPr>
+          </a:p>
+        </p:txBody>
+      </p:sp>
+      <p:sp>
+        <p:nvSpPr>
+          <p:cNvPr id="112" name="PlaceHolder 2"/>
           <p:cNvSpPr>
             <a:spLocks noGrp="1"/>
           </p:cNvSpPr>
@@ -3693,15 +3630,15 @@
             <a:normAutofit/>
           </a:bodyPr>
           <a:p>
-            <a:endParaRPr b="0" lang="de-AT" sz="2400" spc="-1" strike="noStrike">
-              <a:latin typeface="Source Sans Pro"/>
-            </a:endParaRPr>
-          </a:p>
-        </p:txBody>
-      </p:sp>
-      <p:sp>
-        <p:nvSpPr>
-          <p:cNvPr id="122" name="PlaceHolder 3"/>
+            <a:endParaRPr b="0" lang="en-GB" sz="3200" spc="-1" strike="noStrike">
+              <a:latin typeface="Arial"/>
+            </a:endParaRPr>
+          </a:p>
+        </p:txBody>
+      </p:sp>
+      <p:sp>
+        <p:nvSpPr>
+          <p:cNvPr id="113" name="PlaceHolder 3"/>
           <p:cNvSpPr>
             <a:spLocks noGrp="1"/>
           </p:cNvSpPr>
@@ -3727,15 +3664,15 @@
             <a:normAutofit/>
           </a:bodyPr>
           <a:p>
-            <a:endParaRPr b="0" lang="de-AT" sz="2400" spc="-1" strike="noStrike">
-              <a:latin typeface="Source Sans Pro"/>
-            </a:endParaRPr>
-          </a:p>
-        </p:txBody>
-      </p:sp>
-      <p:sp>
-        <p:nvSpPr>
-          <p:cNvPr id="123" name="PlaceHolder 4"/>
+            <a:endParaRPr b="0" lang="en-GB" sz="3200" spc="-1" strike="noStrike">
+              <a:latin typeface="Arial"/>
+            </a:endParaRPr>
+          </a:p>
+        </p:txBody>
+      </p:sp>
+      <p:sp>
+        <p:nvSpPr>
+          <p:cNvPr id="114" name="PlaceHolder 4"/>
           <p:cNvSpPr>
             <a:spLocks noGrp="1"/>
           </p:cNvSpPr>
@@ -3761,15 +3698,15 @@
             <a:normAutofit/>
           </a:bodyPr>
           <a:p>
-            <a:endParaRPr b="0" lang="de-AT" sz="2400" spc="-1" strike="noStrike">
-              <a:latin typeface="Source Sans Pro"/>
-            </a:endParaRPr>
-          </a:p>
-        </p:txBody>
-      </p:sp>
-      <p:sp>
-        <p:nvSpPr>
-          <p:cNvPr id="124" name="PlaceHolder 5"/>
+            <a:endParaRPr b="0" lang="en-GB" sz="3200" spc="-1" strike="noStrike">
+              <a:latin typeface="Arial"/>
+            </a:endParaRPr>
+          </a:p>
+        </p:txBody>
+      </p:sp>
+      <p:sp>
+        <p:nvSpPr>
+          <p:cNvPr id="115" name="PlaceHolder 5"/>
           <p:cNvSpPr>
             <a:spLocks noGrp="1"/>
           </p:cNvSpPr>
@@ -3795,15 +3732,15 @@
             <a:normAutofit/>
           </a:bodyPr>
           <a:p>
-            <a:endParaRPr b="0" lang="de-AT" sz="2400" spc="-1" strike="noStrike">
-              <a:latin typeface="Source Sans Pro"/>
-            </a:endParaRPr>
-          </a:p>
-        </p:txBody>
-      </p:sp>
-      <p:sp>
-        <p:nvSpPr>
-          <p:cNvPr id="125" name="PlaceHolder 6"/>
+            <a:endParaRPr b="0" lang="en-GB" sz="3200" spc="-1" strike="noStrike">
+              <a:latin typeface="Arial"/>
+            </a:endParaRPr>
+          </a:p>
+        </p:txBody>
+      </p:sp>
+      <p:sp>
+        <p:nvSpPr>
+          <p:cNvPr id="116" name="PlaceHolder 6"/>
           <p:cNvSpPr>
             <a:spLocks noGrp="1"/>
           </p:cNvSpPr>
@@ -3829,15 +3766,15 @@
             <a:normAutofit/>
           </a:bodyPr>
           <a:p>
-            <a:endParaRPr b="0" lang="de-AT" sz="2400" spc="-1" strike="noStrike">
-              <a:latin typeface="Source Sans Pro"/>
-            </a:endParaRPr>
-          </a:p>
-        </p:txBody>
-      </p:sp>
-      <p:sp>
-        <p:nvSpPr>
-          <p:cNvPr id="126" name="PlaceHolder 7"/>
+            <a:endParaRPr b="0" lang="en-GB" sz="3200" spc="-1" strike="noStrike">
+              <a:latin typeface="Arial"/>
+            </a:endParaRPr>
+          </a:p>
+        </p:txBody>
+      </p:sp>
+      <p:sp>
+        <p:nvSpPr>
+          <p:cNvPr id="117" name="PlaceHolder 7"/>
           <p:cNvSpPr>
             <a:spLocks noGrp="1"/>
           </p:cNvSpPr>
@@ -3863,8 +3800,8 @@
             <a:normAutofit/>
           </a:bodyPr>
           <a:p>
-            <a:endParaRPr b="0" lang="de-AT" sz="2400" spc="-1" strike="noStrike">
-              <a:latin typeface="Source Sans Pro"/>
+            <a:endParaRPr b="0" lang="en-GB" sz="3200" spc="-1" strike="noStrike">
+              <a:latin typeface="Arial"/>
             </a:endParaRPr>
           </a:p>
         </p:txBody>
@@ -3893,7 +3830,7 @@
       </p:grpSpPr>
       <p:sp>
         <p:nvSpPr>
-          <p:cNvPr id="10" name="PlaceHolder 1"/>
+          <p:cNvPr id="7" name="PlaceHolder 1"/>
           <p:cNvSpPr>
             <a:spLocks noGrp="1"/>
           </p:cNvSpPr>
@@ -3904,33 +3841,31 @@
         <p:spPr>
           <a:xfrm>
             <a:off x="540000" y="90000"/>
-            <a:ext cx="9000000" cy="990000"/>
-          </a:xfrm>
-          <a:prstGeom prst="rect">
-            <a:avLst/>
-          </a:prstGeom>
-          <a:noFill/>
-          <a:ln w="0">
-            <a:noFill/>
-          </a:ln>
-        </p:spPr>
-        <p:txBody>
-          <a:bodyPr lIns="0" rIns="0" tIns="0" bIns="0" anchor="b">
-            <a:normAutofit/>
-          </a:bodyPr>
-          <a:p>
-            <a:endParaRPr b="0" lang="de-AT" sz="4500" spc="-1" strike="noStrike">
-              <a:solidFill>
-                <a:srgbClr val="ffffff"/>
-              </a:solidFill>
-              <a:latin typeface="Source Sans Pro Light"/>
-            </a:endParaRPr>
-          </a:p>
-        </p:txBody>
-      </p:sp>
-      <p:sp>
-        <p:nvSpPr>
-          <p:cNvPr id="11" name="PlaceHolder 2"/>
+            <a:ext cx="8999640" cy="989640"/>
+          </a:xfrm>
+          <a:prstGeom prst="rect">
+            <a:avLst/>
+          </a:prstGeom>
+          <a:noFill/>
+          <a:ln w="0">
+            <a:noFill/>
+          </a:ln>
+        </p:spPr>
+        <p:txBody>
+          <a:bodyPr lIns="0" rIns="0" tIns="0" bIns="0" anchor="ctr">
+            <a:noAutofit/>
+          </a:bodyPr>
+          <a:p>
+            <a:pPr algn="ctr"/>
+            <a:endParaRPr b="0" lang="en-GB" sz="4400" spc="-1" strike="noStrike">
+              <a:latin typeface="Arial"/>
+            </a:endParaRPr>
+          </a:p>
+        </p:txBody>
+      </p:sp>
+      <p:sp>
+        <p:nvSpPr>
+          <p:cNvPr id="8" name="PlaceHolder 2"/>
           <p:cNvSpPr>
             <a:spLocks noGrp="1"/>
           </p:cNvSpPr>
@@ -3941,7 +3876,7 @@
         <p:spPr>
           <a:xfrm>
             <a:off x="540000" y="1440000"/>
-            <a:ext cx="4391640" cy="3510000"/>
+            <a:ext cx="4391640" cy="3509640"/>
           </a:xfrm>
           <a:prstGeom prst="rect">
             <a:avLst/>
@@ -3956,15 +3891,15 @@
             <a:normAutofit/>
           </a:bodyPr>
           <a:p>
-            <a:endParaRPr b="0" lang="de-AT" sz="2400" spc="-1" strike="noStrike">
-              <a:latin typeface="Source Sans Pro"/>
-            </a:endParaRPr>
-          </a:p>
-        </p:txBody>
-      </p:sp>
-      <p:sp>
-        <p:nvSpPr>
-          <p:cNvPr id="12" name="PlaceHolder 3"/>
+            <a:endParaRPr b="0" lang="en-GB" sz="3200" spc="-1" strike="noStrike">
+              <a:latin typeface="Arial"/>
+            </a:endParaRPr>
+          </a:p>
+        </p:txBody>
+      </p:sp>
+      <p:sp>
+        <p:nvSpPr>
+          <p:cNvPr id="9" name="PlaceHolder 3"/>
           <p:cNvSpPr>
             <a:spLocks noGrp="1"/>
           </p:cNvSpPr>
@@ -3975,7 +3910,7 @@
         <p:spPr>
           <a:xfrm>
             <a:off x="5151600" y="1440000"/>
-            <a:ext cx="4391640" cy="3510000"/>
+            <a:ext cx="4391640" cy="3509640"/>
           </a:xfrm>
           <a:prstGeom prst="rect">
             <a:avLst/>
@@ -3990,8 +3925,8 @@
             <a:normAutofit/>
           </a:bodyPr>
           <a:p>
-            <a:endParaRPr b="0" lang="de-AT" sz="2400" spc="-1" strike="noStrike">
-              <a:latin typeface="Source Sans Pro"/>
+            <a:endParaRPr b="0" lang="en-GB" sz="3200" spc="-1" strike="noStrike">
+              <a:latin typeface="Arial"/>
             </a:endParaRPr>
           </a:p>
         </p:txBody>
@@ -4020,7 +3955,7 @@
       </p:grpSpPr>
       <p:sp>
         <p:nvSpPr>
-          <p:cNvPr id="13" name="PlaceHolder 1"/>
+          <p:cNvPr id="10" name="PlaceHolder 1"/>
           <p:cNvSpPr>
             <a:spLocks noGrp="1"/>
           </p:cNvSpPr>
@@ -4031,26 +3966,24 @@
         <p:spPr>
           <a:xfrm>
             <a:off x="540000" y="90000"/>
-            <a:ext cx="9000000" cy="990000"/>
-          </a:xfrm>
-          <a:prstGeom prst="rect">
-            <a:avLst/>
-          </a:prstGeom>
-          <a:noFill/>
-          <a:ln w="0">
-            <a:noFill/>
-          </a:ln>
-        </p:spPr>
-        <p:txBody>
-          <a:bodyPr lIns="0" rIns="0" tIns="0" bIns="0" anchor="b">
-            <a:normAutofit/>
-          </a:bodyPr>
-          <a:p>
-            <a:endParaRPr b="0" lang="de-AT" sz="4500" spc="-1" strike="noStrike">
-              <a:solidFill>
-                <a:srgbClr val="ffffff"/>
-              </a:solidFill>
-              <a:latin typeface="Source Sans Pro Light"/>
+            <a:ext cx="8999640" cy="989640"/>
+          </a:xfrm>
+          <a:prstGeom prst="rect">
+            <a:avLst/>
+          </a:prstGeom>
+          <a:noFill/>
+          <a:ln w="0">
+            <a:noFill/>
+          </a:ln>
+        </p:spPr>
+        <p:txBody>
+          <a:bodyPr lIns="0" rIns="0" tIns="0" bIns="0" anchor="ctr">
+            <a:noAutofit/>
+          </a:bodyPr>
+          <a:p>
+            <a:pPr algn="ctr"/>
+            <a:endParaRPr b="0" lang="en-GB" sz="4400" spc="-1" strike="noStrike">
+              <a:latin typeface="Arial"/>
             </a:endParaRPr>
           </a:p>
         </p:txBody>
@@ -4079,7 +4012,7 @@
       </p:grpSpPr>
       <p:sp>
         <p:nvSpPr>
-          <p:cNvPr id="14" name="PlaceHolder 1"/>
+          <p:cNvPr id="11" name="PlaceHolder 1"/>
           <p:cNvSpPr>
             <a:spLocks noGrp="1"/>
           </p:cNvSpPr>
@@ -4090,7 +4023,7 @@
         <p:spPr>
           <a:xfrm>
             <a:off x="540000" y="90000"/>
-            <a:ext cx="9000000" cy="4590360"/>
+            <a:ext cx="8999640" cy="4588560"/>
           </a:xfrm>
           <a:prstGeom prst="rect">
             <a:avLst/>
@@ -4106,11 +4039,8 @@
           </a:bodyPr>
           <a:p>
             <a:pPr algn="ctr"/>
-            <a:endParaRPr b="1" lang="de-AT" sz="3200" spc="-1" strike="noStrike">
-              <a:solidFill>
-                <a:srgbClr val="3465a4"/>
-              </a:solidFill>
-              <a:latin typeface="Source Sans Pro"/>
+            <a:endParaRPr b="0" lang="en-GB" sz="3200" spc="-1" strike="noStrike">
+              <a:latin typeface="Arial"/>
             </a:endParaRPr>
           </a:p>
         </p:txBody>
@@ -4139,7 +4069,7 @@
       </p:grpSpPr>
       <p:sp>
         <p:nvSpPr>
-          <p:cNvPr id="15" name="PlaceHolder 1"/>
+          <p:cNvPr id="12" name="PlaceHolder 1"/>
           <p:cNvSpPr>
             <a:spLocks noGrp="1"/>
           </p:cNvSpPr>
@@ -4150,33 +4080,31 @@
         <p:spPr>
           <a:xfrm>
             <a:off x="540000" y="90000"/>
-            <a:ext cx="9000000" cy="990000"/>
-          </a:xfrm>
-          <a:prstGeom prst="rect">
-            <a:avLst/>
-          </a:prstGeom>
-          <a:noFill/>
-          <a:ln w="0">
-            <a:noFill/>
-          </a:ln>
-        </p:spPr>
-        <p:txBody>
-          <a:bodyPr lIns="0" rIns="0" tIns="0" bIns="0" anchor="b">
-            <a:normAutofit/>
-          </a:bodyPr>
-          <a:p>
-            <a:endParaRPr b="0" lang="de-AT" sz="4500" spc="-1" strike="noStrike">
-              <a:solidFill>
-                <a:srgbClr val="ffffff"/>
-              </a:solidFill>
-              <a:latin typeface="Source Sans Pro Light"/>
-            </a:endParaRPr>
-          </a:p>
-        </p:txBody>
-      </p:sp>
-      <p:sp>
-        <p:nvSpPr>
-          <p:cNvPr id="16" name="PlaceHolder 2"/>
+            <a:ext cx="8999640" cy="989640"/>
+          </a:xfrm>
+          <a:prstGeom prst="rect">
+            <a:avLst/>
+          </a:prstGeom>
+          <a:noFill/>
+          <a:ln w="0">
+            <a:noFill/>
+          </a:ln>
+        </p:spPr>
+        <p:txBody>
+          <a:bodyPr lIns="0" rIns="0" tIns="0" bIns="0" anchor="ctr">
+            <a:noAutofit/>
+          </a:bodyPr>
+          <a:p>
+            <a:pPr algn="ctr"/>
+            <a:endParaRPr b="0" lang="en-GB" sz="4400" spc="-1" strike="noStrike">
+              <a:latin typeface="Arial"/>
+            </a:endParaRPr>
+          </a:p>
+        </p:txBody>
+      </p:sp>
+      <p:sp>
+        <p:nvSpPr>
+          <p:cNvPr id="13" name="PlaceHolder 2"/>
           <p:cNvSpPr>
             <a:spLocks noGrp="1"/>
           </p:cNvSpPr>
@@ -4202,15 +4130,15 @@
             <a:normAutofit/>
           </a:bodyPr>
           <a:p>
-            <a:endParaRPr b="0" lang="de-AT" sz="2400" spc="-1" strike="noStrike">
-              <a:latin typeface="Source Sans Pro"/>
-            </a:endParaRPr>
-          </a:p>
-        </p:txBody>
-      </p:sp>
-      <p:sp>
-        <p:nvSpPr>
-          <p:cNvPr id="17" name="PlaceHolder 3"/>
+            <a:endParaRPr b="0" lang="en-GB" sz="3200" spc="-1" strike="noStrike">
+              <a:latin typeface="Arial"/>
+            </a:endParaRPr>
+          </a:p>
+        </p:txBody>
+      </p:sp>
+      <p:sp>
+        <p:nvSpPr>
+          <p:cNvPr id="14" name="PlaceHolder 3"/>
           <p:cNvSpPr>
             <a:spLocks noGrp="1"/>
           </p:cNvSpPr>
@@ -4221,7 +4149,7 @@
         <p:spPr>
           <a:xfrm>
             <a:off x="5151600" y="1440000"/>
-            <a:ext cx="4391640" cy="3510000"/>
+            <a:ext cx="4391640" cy="3509640"/>
           </a:xfrm>
           <a:prstGeom prst="rect">
             <a:avLst/>
@@ -4236,15 +4164,15 @@
             <a:normAutofit/>
           </a:bodyPr>
           <a:p>
-            <a:endParaRPr b="0" lang="de-AT" sz="2400" spc="-1" strike="noStrike">
-              <a:latin typeface="Source Sans Pro"/>
-            </a:endParaRPr>
-          </a:p>
-        </p:txBody>
-      </p:sp>
-      <p:sp>
-        <p:nvSpPr>
-          <p:cNvPr id="18" name="PlaceHolder 4"/>
+            <a:endParaRPr b="0" lang="en-GB" sz="3200" spc="-1" strike="noStrike">
+              <a:latin typeface="Arial"/>
+            </a:endParaRPr>
+          </a:p>
+        </p:txBody>
+      </p:sp>
+      <p:sp>
+        <p:nvSpPr>
+          <p:cNvPr id="15" name="PlaceHolder 4"/>
           <p:cNvSpPr>
             <a:spLocks noGrp="1"/>
           </p:cNvSpPr>
@@ -4270,8 +4198,8 @@
             <a:normAutofit/>
           </a:bodyPr>
           <a:p>
-            <a:endParaRPr b="0" lang="de-AT" sz="2400" spc="-1" strike="noStrike">
-              <a:latin typeface="Source Sans Pro"/>
+            <a:endParaRPr b="0" lang="en-GB" sz="3200" spc="-1" strike="noStrike">
+              <a:latin typeface="Arial"/>
             </a:endParaRPr>
           </a:p>
         </p:txBody>
@@ -4300,7 +4228,7 @@
       </p:grpSpPr>
       <p:sp>
         <p:nvSpPr>
-          <p:cNvPr id="19" name="PlaceHolder 1"/>
+          <p:cNvPr id="16" name="PlaceHolder 1"/>
           <p:cNvSpPr>
             <a:spLocks noGrp="1"/>
           </p:cNvSpPr>
@@ -4311,33 +4239,31 @@
         <p:spPr>
           <a:xfrm>
             <a:off x="540000" y="90000"/>
-            <a:ext cx="9000000" cy="990000"/>
-          </a:xfrm>
-          <a:prstGeom prst="rect">
-            <a:avLst/>
-          </a:prstGeom>
-          <a:noFill/>
-          <a:ln w="0">
-            <a:noFill/>
-          </a:ln>
-        </p:spPr>
-        <p:txBody>
-          <a:bodyPr lIns="0" rIns="0" tIns="0" bIns="0" anchor="b">
-            <a:normAutofit/>
-          </a:bodyPr>
-          <a:p>
-            <a:endParaRPr b="0" lang="de-AT" sz="4500" spc="-1" strike="noStrike">
-              <a:solidFill>
-                <a:srgbClr val="ffffff"/>
-              </a:solidFill>
-              <a:latin typeface="Source Sans Pro Light"/>
-            </a:endParaRPr>
-          </a:p>
-        </p:txBody>
-      </p:sp>
-      <p:sp>
-        <p:nvSpPr>
-          <p:cNvPr id="20" name="PlaceHolder 2"/>
+            <a:ext cx="8999640" cy="989640"/>
+          </a:xfrm>
+          <a:prstGeom prst="rect">
+            <a:avLst/>
+          </a:prstGeom>
+          <a:noFill/>
+          <a:ln w="0">
+            <a:noFill/>
+          </a:ln>
+        </p:spPr>
+        <p:txBody>
+          <a:bodyPr lIns="0" rIns="0" tIns="0" bIns="0" anchor="ctr">
+            <a:noAutofit/>
+          </a:bodyPr>
+          <a:p>
+            <a:pPr algn="ctr"/>
+            <a:endParaRPr b="0" lang="en-GB" sz="4400" spc="-1" strike="noStrike">
+              <a:latin typeface="Arial"/>
+            </a:endParaRPr>
+          </a:p>
+        </p:txBody>
+      </p:sp>
+      <p:sp>
+        <p:nvSpPr>
+          <p:cNvPr id="17" name="PlaceHolder 2"/>
           <p:cNvSpPr>
             <a:spLocks noGrp="1"/>
           </p:cNvSpPr>
@@ -4348,7 +4274,7 @@
         <p:spPr>
           <a:xfrm>
             <a:off x="540000" y="1440000"/>
-            <a:ext cx="4391640" cy="3510000"/>
+            <a:ext cx="4391640" cy="3509640"/>
           </a:xfrm>
           <a:prstGeom prst="rect">
             <a:avLst/>
@@ -4363,15 +4289,15 @@
             <a:normAutofit/>
           </a:bodyPr>
           <a:p>
-            <a:endParaRPr b="0" lang="de-AT" sz="2400" spc="-1" strike="noStrike">
-              <a:latin typeface="Source Sans Pro"/>
-            </a:endParaRPr>
-          </a:p>
-        </p:txBody>
-      </p:sp>
-      <p:sp>
-        <p:nvSpPr>
-          <p:cNvPr id="21" name="PlaceHolder 3"/>
+            <a:endParaRPr b="0" lang="en-GB" sz="3200" spc="-1" strike="noStrike">
+              <a:latin typeface="Arial"/>
+            </a:endParaRPr>
+          </a:p>
+        </p:txBody>
+      </p:sp>
+      <p:sp>
+        <p:nvSpPr>
+          <p:cNvPr id="18" name="PlaceHolder 3"/>
           <p:cNvSpPr>
             <a:spLocks noGrp="1"/>
           </p:cNvSpPr>
@@ -4397,15 +4323,15 @@
             <a:normAutofit/>
           </a:bodyPr>
           <a:p>
-            <a:endParaRPr b="0" lang="de-AT" sz="2400" spc="-1" strike="noStrike">
-              <a:latin typeface="Source Sans Pro"/>
-            </a:endParaRPr>
-          </a:p>
-        </p:txBody>
-      </p:sp>
-      <p:sp>
-        <p:nvSpPr>
-          <p:cNvPr id="22" name="PlaceHolder 4"/>
+            <a:endParaRPr b="0" lang="en-GB" sz="3200" spc="-1" strike="noStrike">
+              <a:latin typeface="Arial"/>
+            </a:endParaRPr>
+          </a:p>
+        </p:txBody>
+      </p:sp>
+      <p:sp>
+        <p:nvSpPr>
+          <p:cNvPr id="19" name="PlaceHolder 4"/>
           <p:cNvSpPr>
             <a:spLocks noGrp="1"/>
           </p:cNvSpPr>
@@ -4431,8 +4357,8 @@
             <a:normAutofit/>
           </a:bodyPr>
           <a:p>
-            <a:endParaRPr b="0" lang="de-AT" sz="2400" spc="-1" strike="noStrike">
-              <a:latin typeface="Source Sans Pro"/>
+            <a:endParaRPr b="0" lang="en-GB" sz="3200" spc="-1" strike="noStrike">
+              <a:latin typeface="Arial"/>
             </a:endParaRPr>
           </a:p>
         </p:txBody>
@@ -4461,7 +4387,7 @@
       </p:grpSpPr>
       <p:sp>
         <p:nvSpPr>
-          <p:cNvPr id="23" name="PlaceHolder 1"/>
+          <p:cNvPr id="20" name="PlaceHolder 1"/>
           <p:cNvSpPr>
             <a:spLocks noGrp="1"/>
           </p:cNvSpPr>
@@ -4472,33 +4398,31 @@
         <p:spPr>
           <a:xfrm>
             <a:off x="540000" y="90000"/>
-            <a:ext cx="9000000" cy="990000"/>
-          </a:xfrm>
-          <a:prstGeom prst="rect">
-            <a:avLst/>
-          </a:prstGeom>
-          <a:noFill/>
-          <a:ln w="0">
-            <a:noFill/>
-          </a:ln>
-        </p:spPr>
-        <p:txBody>
-          <a:bodyPr lIns="0" rIns="0" tIns="0" bIns="0" anchor="b">
-            <a:normAutofit/>
-          </a:bodyPr>
-          <a:p>
-            <a:endParaRPr b="0" lang="de-AT" sz="4500" spc="-1" strike="noStrike">
-              <a:solidFill>
-                <a:srgbClr val="ffffff"/>
-              </a:solidFill>
-              <a:latin typeface="Source Sans Pro Light"/>
-            </a:endParaRPr>
-          </a:p>
-        </p:txBody>
-      </p:sp>
-      <p:sp>
-        <p:nvSpPr>
-          <p:cNvPr id="24" name="PlaceHolder 2"/>
+            <a:ext cx="8999640" cy="989640"/>
+          </a:xfrm>
+          <a:prstGeom prst="rect">
+            <a:avLst/>
+          </a:prstGeom>
+          <a:noFill/>
+          <a:ln w="0">
+            <a:noFill/>
+          </a:ln>
+        </p:spPr>
+        <p:txBody>
+          <a:bodyPr lIns="0" rIns="0" tIns="0" bIns="0" anchor="ctr">
+            <a:noAutofit/>
+          </a:bodyPr>
+          <a:p>
+            <a:pPr algn="ctr"/>
+            <a:endParaRPr b="0" lang="en-GB" sz="4400" spc="-1" strike="noStrike">
+              <a:latin typeface="Arial"/>
+            </a:endParaRPr>
+          </a:p>
+        </p:txBody>
+      </p:sp>
+      <p:sp>
+        <p:nvSpPr>
+          <p:cNvPr id="21" name="PlaceHolder 2"/>
           <p:cNvSpPr>
             <a:spLocks noGrp="1"/>
           </p:cNvSpPr>
@@ -4524,15 +4448,15 @@
             <a:normAutofit/>
           </a:bodyPr>
           <a:p>
-            <a:endParaRPr b="0" lang="de-AT" sz="2400" spc="-1" strike="noStrike">
-              <a:latin typeface="Source Sans Pro"/>
-            </a:endParaRPr>
-          </a:p>
-        </p:txBody>
-      </p:sp>
-      <p:sp>
-        <p:nvSpPr>
-          <p:cNvPr id="25" name="PlaceHolder 3"/>
+            <a:endParaRPr b="0" lang="en-GB" sz="3200" spc="-1" strike="noStrike">
+              <a:latin typeface="Arial"/>
+            </a:endParaRPr>
+          </a:p>
+        </p:txBody>
+      </p:sp>
+      <p:sp>
+        <p:nvSpPr>
+          <p:cNvPr id="22" name="PlaceHolder 3"/>
           <p:cNvSpPr>
             <a:spLocks noGrp="1"/>
           </p:cNvSpPr>
@@ -4558,15 +4482,15 @@
             <a:normAutofit/>
           </a:bodyPr>
           <a:p>
-            <a:endParaRPr b="0" lang="de-AT" sz="2400" spc="-1" strike="noStrike">
-              <a:latin typeface="Source Sans Pro"/>
-            </a:endParaRPr>
-          </a:p>
-        </p:txBody>
-      </p:sp>
-      <p:sp>
-        <p:nvSpPr>
-          <p:cNvPr id="26" name="PlaceHolder 4"/>
+            <a:endParaRPr b="0" lang="en-GB" sz="3200" spc="-1" strike="noStrike">
+              <a:latin typeface="Arial"/>
+            </a:endParaRPr>
+          </a:p>
+        </p:txBody>
+      </p:sp>
+      <p:sp>
+        <p:nvSpPr>
+          <p:cNvPr id="23" name="PlaceHolder 4"/>
           <p:cNvSpPr>
             <a:spLocks noGrp="1"/>
           </p:cNvSpPr>
@@ -4577,7 +4501,7 @@
         <p:spPr>
           <a:xfrm>
             <a:off x="540000" y="3273480"/>
-            <a:ext cx="9000000" cy="1674000"/>
+            <a:ext cx="8999640" cy="1674000"/>
           </a:xfrm>
           <a:prstGeom prst="rect">
             <a:avLst/>
@@ -4592,8 +4516,8 @@
             <a:normAutofit/>
           </a:bodyPr>
           <a:p>
-            <a:endParaRPr b="0" lang="de-AT" sz="2400" spc="-1" strike="noStrike">
-              <a:latin typeface="Source Sans Pro"/>
+            <a:endParaRPr b="0" lang="en-GB" sz="3200" spc="-1" strike="noStrike">
+              <a:latin typeface="Arial"/>
             </a:endParaRPr>
           </a:p>
         </p:txBody>
@@ -4629,7 +4553,7 @@
         <p:spPr>
           <a:xfrm>
             <a:off x="0" y="3780000"/>
-            <a:ext cx="10080000" cy="1890000"/>
+            <a:ext cx="10079640" cy="1889640"/>
           </a:xfrm>
           <a:prstGeom prst="rect">
             <a:avLst/>
@@ -4646,7 +4570,7 @@
             <a:noFill/>
           </a:ln>
           <a:effectLst>
-            <a:outerShdw dist="18000" dir="16200000" blurRad="0" rotWithShape="0">
+            <a:outerShdw blurRad="0" dir="16200000" dist="18000" rotWithShape="0">
               <a:srgbClr val="f49100"/>
             </a:outerShdw>
           </a:effectLst>
@@ -4665,439 +4589,218 @@
             <a:spLocks noGrp="1"/>
           </p:cNvSpPr>
           <p:nvPr>
-            <p:ph type="dt"/>
-          </p:nvPr>
-        </p:nvSpPr>
-        <p:spPr>
-          <a:xfrm>
-            <a:off x="450000" y="5130000"/>
-            <a:ext cx="2340000" cy="450000"/>
-          </a:xfrm>
-          <a:prstGeom prst="rect">
-            <a:avLst/>
-          </a:prstGeom>
-          <a:noFill/>
-          <a:ln w="0">
-            <a:solidFill>
-              <a:srgbClr val="808080"/>
-            </a:solidFill>
+            <p:ph type="title"/>
+          </p:nvPr>
+        </p:nvSpPr>
+        <p:spPr>
+          <a:xfrm>
+            <a:off x="540000" y="90000"/>
+            <a:ext cx="8999640" cy="989640"/>
+          </a:xfrm>
+          <a:prstGeom prst="rect">
+            <a:avLst/>
+          </a:prstGeom>
+          <a:noFill/>
+          <a:ln w="0">
+            <a:noFill/>
+          </a:ln>
+        </p:spPr>
+        <p:txBody>
+          <a:bodyPr lIns="0" rIns="0" tIns="0" bIns="0" anchor="b">
+            <a:normAutofit/>
+          </a:bodyPr>
+          <a:p>
+            <a:r>
+              <a:rPr b="0" lang="en-GB" sz="1800" spc="-1" strike="noStrike">
+                <a:latin typeface="Arial"/>
+              </a:rPr>
+              <a:t>Click to edit the title text format</a:t>
+            </a:r>
+            <a:endParaRPr b="0" lang="en-GB" sz="1800" spc="-1" strike="noStrike">
+              <a:latin typeface="Arial"/>
+            </a:endParaRPr>
+          </a:p>
+        </p:txBody>
+      </p:sp>
+      <p:sp>
+        <p:nvSpPr>
+          <p:cNvPr id="2" name="PlaceHolder 2"/>
+          <p:cNvSpPr>
+            <a:spLocks noGrp="1"/>
+          </p:cNvSpPr>
+          <p:nvPr>
+            <p:ph type="body"/>
+          </p:nvPr>
+        </p:nvSpPr>
+        <p:spPr>
+          <a:xfrm>
+            <a:off x="504000" y="1326600"/>
+            <a:ext cx="9072000" cy="3288600"/>
+          </a:xfrm>
+          <a:prstGeom prst="rect">
+            <a:avLst/>
+          </a:prstGeom>
+          <a:noFill/>
+          <a:ln w="0">
+            <a:noFill/>
           </a:ln>
         </p:spPr>
         <p:txBody>
           <a:bodyPr lIns="0" rIns="0" tIns="0" bIns="0" anchor="t">
-            <a:noAutofit/>
-          </a:bodyPr>
-          <a:p>
-            <a:r>
-              <a:rPr b="0" lang="de-AT" sz="2400" spc="-1" strike="noStrike">
-                <a:solidFill>
-                  <a:srgbClr val="dbf5f9"/>
-                </a:solidFill>
-                <a:latin typeface="Source Sans Pro"/>
-              </a:rPr>
-              <a:t>&lt;date/time&gt;</a:t>
-            </a:r>
-            <a:r>
-              <a:rPr b="0" lang="de-AT" sz="2400" spc="-1" strike="noStrike">
-                <a:solidFill>
-                  <a:srgbClr val="dbf5f9"/>
-                </a:solidFill>
-                <a:latin typeface="Source Sans Pro"/>
-              </a:rPr>
-              <a:t> </a:t>
-            </a:r>
-            <a:endParaRPr b="0" lang="de-AT" sz="2400" spc="-1" strike="noStrike">
-              <a:solidFill>
-                <a:srgbClr val="dbf5f9"/>
-              </a:solidFill>
-              <a:latin typeface="Source Sans Pro"/>
-            </a:endParaRPr>
-          </a:p>
-        </p:txBody>
-      </p:sp>
-      <p:sp>
-        <p:nvSpPr>
-          <p:cNvPr id="2" name="PlaceHolder 2"/>
-          <p:cNvSpPr>
-            <a:spLocks noGrp="1"/>
-          </p:cNvSpPr>
-          <p:nvPr>
-            <p:ph type="ftr"/>
-          </p:nvPr>
-        </p:nvSpPr>
-        <p:spPr>
-          <a:xfrm>
-            <a:off x="3420000" y="5130000"/>
-            <a:ext cx="3240000" cy="450000"/>
-          </a:xfrm>
-          <a:prstGeom prst="rect">
-            <a:avLst/>
-          </a:prstGeom>
-          <a:noFill/>
-          <a:ln w="0">
-            <a:solidFill>
-              <a:srgbClr val="808080"/>
-            </a:solidFill>
-          </a:ln>
-        </p:spPr>
-        <p:txBody>
-          <a:bodyPr lIns="0" rIns="0" tIns="0" bIns="0" anchor="t">
-            <a:noAutofit/>
-          </a:bodyPr>
-          <a:p>
-            <a:pPr algn="ctr"/>
-            <a:r>
-              <a:rPr b="0" lang="de-AT" sz="2400" spc="-1" strike="noStrike">
-                <a:solidFill>
-                  <a:srgbClr val="dbf5f9"/>
-                </a:solidFill>
-                <a:latin typeface="Source Sans Pro"/>
-              </a:rPr>
-              <a:t>&lt;footer&gt;</a:t>
-            </a:r>
-            <a:r>
-              <a:rPr b="0" lang="de-AT" sz="2400" spc="-1" strike="noStrike">
-                <a:solidFill>
-                  <a:srgbClr val="dbf5f9"/>
-                </a:solidFill>
-                <a:latin typeface="Source Sans Pro"/>
-              </a:rPr>
-              <a:t> </a:t>
-            </a:r>
-            <a:endParaRPr b="0" lang="de-AT" sz="2400" spc="-1" strike="noStrike">
-              <a:solidFill>
-                <a:srgbClr val="dbf5f9"/>
-              </a:solidFill>
-              <a:latin typeface="Source Sans Pro"/>
-            </a:endParaRPr>
-          </a:p>
-        </p:txBody>
-      </p:sp>
-      <p:sp>
-        <p:nvSpPr>
-          <p:cNvPr id="3" name="PlaceHolder 3"/>
-          <p:cNvSpPr>
-            <a:spLocks noGrp="1"/>
-          </p:cNvSpPr>
-          <p:nvPr>
-            <p:ph type="sldNum"/>
-          </p:nvPr>
-        </p:nvSpPr>
-        <p:spPr>
-          <a:xfrm>
-            <a:off x="7200000" y="5130000"/>
-            <a:ext cx="2340000" cy="450000"/>
-          </a:xfrm>
-          <a:prstGeom prst="rect">
-            <a:avLst/>
-          </a:prstGeom>
-          <a:noFill/>
-          <a:ln w="0">
-            <a:solidFill>
-              <a:srgbClr val="808080"/>
-            </a:solidFill>
-          </a:ln>
-        </p:spPr>
-        <p:txBody>
-          <a:bodyPr lIns="0" rIns="0" tIns="0" bIns="0" anchor="t">
-            <a:noAutofit/>
-          </a:bodyPr>
-          <a:p>
-            <a:pPr algn="r"/>
-            <a:fld id="{3C5F3C25-0B15-4DE5-9835-9A188F4EB986}" type="slidenum">
-              <a:rPr b="0" lang="de-AT" sz="2400" spc="-1" strike="noStrike">
-                <a:solidFill>
-                  <a:srgbClr val="dbf5f9"/>
-                </a:solidFill>
-                <a:latin typeface="Source Sans Pro"/>
-              </a:rPr>
-              <a:t>&lt;number&gt;</a:t>
-            </a:fld>
-            <a:r>
-              <a:rPr b="0" lang="de-AT" sz="2400" spc="-1" strike="noStrike">
-                <a:solidFill>
-                  <a:srgbClr val="dbf5f9"/>
-                </a:solidFill>
-                <a:latin typeface="Source Sans Pro"/>
-              </a:rPr>
-              <a:t> </a:t>
-            </a:r>
-            <a:endParaRPr b="0" lang="de-AT" sz="2400" spc="-1" strike="noStrike">
-              <a:solidFill>
-                <a:srgbClr val="dbf5f9"/>
-              </a:solidFill>
-              <a:latin typeface="Source Sans Pro"/>
-            </a:endParaRPr>
-          </a:p>
-        </p:txBody>
-      </p:sp>
-      <p:sp>
-        <p:nvSpPr>
-          <p:cNvPr id="4" name="PlaceHolder 4"/>
-          <p:cNvSpPr>
-            <a:spLocks noGrp="1"/>
-          </p:cNvSpPr>
-          <p:nvPr>
-            <p:ph type="title"/>
-          </p:nvPr>
-        </p:nvSpPr>
-        <p:spPr>
-          <a:xfrm>
-            <a:off x="450000" y="270000"/>
-            <a:ext cx="9000000" cy="3240000"/>
-          </a:xfrm>
-          <a:prstGeom prst="rect">
-            <a:avLst/>
-          </a:prstGeom>
-          <a:noFill/>
-          <a:ln w="0">
-            <a:noFill/>
-          </a:ln>
-        </p:spPr>
-        <p:txBody>
-          <a:bodyPr lIns="0" rIns="0" tIns="0" bIns="0" anchor="b">
-            <a:normAutofit/>
-          </a:bodyPr>
-          <a:p>
-            <a:r>
-              <a:rPr b="0" lang="de-AT" sz="6000" spc="-1" strike="noStrike">
-                <a:solidFill>
-                  <a:srgbClr val="04617b"/>
-                </a:solidFill>
-                <a:latin typeface="Source Sans Pro Light"/>
-              </a:rPr>
-              <a:t>Click to edit the title text format</a:t>
-            </a:r>
-            <a:endParaRPr b="0" lang="de-AT" sz="6000" spc="-1" strike="noStrike">
-              <a:solidFill>
-                <a:srgbClr val="04617b"/>
-              </a:solidFill>
-              <a:latin typeface="Source Sans Pro Light"/>
-            </a:endParaRPr>
-          </a:p>
-        </p:txBody>
-      </p:sp>
-      <p:sp>
-        <p:nvSpPr>
-          <p:cNvPr id="5" name="PlaceHolder 5"/>
-          <p:cNvSpPr>
-            <a:spLocks noGrp="1"/>
-          </p:cNvSpPr>
-          <p:nvPr>
-            <p:ph type="body"/>
-          </p:nvPr>
-        </p:nvSpPr>
-        <p:spPr>
-          <a:xfrm>
-            <a:off x="450000" y="3870000"/>
-            <a:ext cx="9000000" cy="1170000"/>
-          </a:xfrm>
-          <a:prstGeom prst="rect">
-            <a:avLst/>
-          </a:prstGeom>
-          <a:noFill/>
-          <a:ln w="0">
-            <a:noFill/>
-          </a:ln>
-        </p:spPr>
-        <p:txBody>
-          <a:bodyPr lIns="0" rIns="0" tIns="0" bIns="0" anchor="t">
-            <a:normAutofit fontScale="51000"/>
+            <a:normAutofit/>
           </a:bodyPr>
           <a:p>
             <a:pPr marL="432000" indent="-324000">
-              <a:spcAft>
-                <a:spcPts val="924"/>
-              </a:spcAft>
+              <a:spcBef>
+                <a:spcPts val="1417"/>
+              </a:spcBef>
               <a:buClr>
-                <a:srgbClr val="f49100"/>
+                <a:srgbClr val="000000"/>
               </a:buClr>
               <a:buSzPct val="45000"/>
               <a:buFont typeface="Wingdings" charset="2"/>
               <a:buChar char=""/>
             </a:pPr>
             <a:r>
-              <a:rPr b="0" lang="de-AT" sz="2100" spc="-1" strike="noStrike">
-                <a:solidFill>
-                  <a:srgbClr val="dbf5f9"/>
-                </a:solidFill>
-                <a:latin typeface="Source Sans Pro"/>
+              <a:rPr b="0" lang="en-GB" sz="3200" spc="-1" strike="noStrike">
+                <a:latin typeface="Arial"/>
               </a:rPr>
               <a:t>Click to edit the outline text format</a:t>
             </a:r>
-            <a:endParaRPr b="0" lang="de-AT" sz="2100" spc="-1" strike="noStrike">
-              <a:solidFill>
-                <a:srgbClr val="dbf5f9"/>
-              </a:solidFill>
-              <a:latin typeface="Source Sans Pro"/>
+            <a:endParaRPr b="0" lang="en-GB" sz="3200" spc="-1" strike="noStrike">
+              <a:latin typeface="Arial"/>
             </a:endParaRPr>
           </a:p>
           <a:p>
             <a:pPr lvl="1" marL="864000" indent="-324000">
-              <a:spcAft>
-                <a:spcPts val="842"/>
-              </a:spcAft>
+              <a:spcBef>
+                <a:spcPts val="1134"/>
+              </a:spcBef>
               <a:buClr>
-                <a:srgbClr val="f49100"/>
+                <a:srgbClr val="000000"/>
               </a:buClr>
               <a:buSzPct val="75000"/>
               <a:buFont typeface="Symbol" charset="2"/>
               <a:buChar char=""/>
             </a:pPr>
             <a:r>
-              <a:rPr b="0" lang="de-AT" sz="1650" spc="-1" strike="noStrike">
-                <a:solidFill>
-                  <a:srgbClr val="dbf5f9"/>
-                </a:solidFill>
-                <a:latin typeface="Source Sans Pro"/>
+              <a:rPr b="0" lang="en-GB" sz="2800" spc="-1" strike="noStrike">
+                <a:latin typeface="Arial"/>
               </a:rPr>
               <a:t>Second Outline Level</a:t>
             </a:r>
-            <a:endParaRPr b="0" lang="de-AT" sz="1650" spc="-1" strike="noStrike">
-              <a:solidFill>
-                <a:srgbClr val="dbf5f9"/>
-              </a:solidFill>
-              <a:latin typeface="Source Sans Pro"/>
+            <a:endParaRPr b="0" lang="en-GB" sz="2800" spc="-1" strike="noStrike">
+              <a:latin typeface="Arial"/>
             </a:endParaRPr>
           </a:p>
           <a:p>
             <a:pPr lvl="2" marL="1296000" indent="-288000">
-              <a:spcAft>
-                <a:spcPts val="635"/>
-              </a:spcAft>
+              <a:spcBef>
+                <a:spcPts val="850"/>
+              </a:spcBef>
               <a:buClr>
-                <a:srgbClr val="f49100"/>
+                <a:srgbClr val="000000"/>
               </a:buClr>
               <a:buSzPct val="45000"/>
               <a:buFont typeface="Wingdings" charset="2"/>
               <a:buChar char=""/>
             </a:pPr>
             <a:r>
-              <a:rPr b="0" lang="de-AT" sz="1800" spc="-1" strike="noStrike">
-                <a:solidFill>
-                  <a:srgbClr val="dbf5f9"/>
-                </a:solidFill>
-                <a:latin typeface="Source Sans Pro"/>
+              <a:rPr b="0" lang="en-GB" sz="2400" spc="-1" strike="noStrike">
+                <a:latin typeface="Arial"/>
               </a:rPr>
               <a:t>Third Outline Level</a:t>
             </a:r>
-            <a:endParaRPr b="0" lang="de-AT" sz="1800" spc="-1" strike="noStrike">
-              <a:solidFill>
-                <a:srgbClr val="dbf5f9"/>
-              </a:solidFill>
-              <a:latin typeface="Source Sans Pro"/>
+            <a:endParaRPr b="0" lang="en-GB" sz="2400" spc="-1" strike="noStrike">
+              <a:latin typeface="Arial"/>
             </a:endParaRPr>
           </a:p>
           <a:p>
             <a:pPr lvl="3" marL="1728000" indent="-216000">
-              <a:spcAft>
-                <a:spcPts val="422"/>
-              </a:spcAft>
+              <a:spcBef>
+                <a:spcPts val="567"/>
+              </a:spcBef>
               <a:buClr>
-                <a:srgbClr val="f49100"/>
+                <a:srgbClr val="000000"/>
               </a:buClr>
               <a:buSzPct val="75000"/>
               <a:buFont typeface="Symbol" charset="2"/>
               <a:buChar char=""/>
             </a:pPr>
             <a:r>
-              <a:rPr b="0" lang="de-AT" sz="1500" spc="-1" strike="noStrike">
-                <a:solidFill>
-                  <a:srgbClr val="dbf5f9"/>
-                </a:solidFill>
-                <a:latin typeface="Source Sans Pro"/>
+              <a:rPr b="0" lang="en-GB" sz="2000" spc="-1" strike="noStrike">
+                <a:latin typeface="Arial"/>
               </a:rPr>
               <a:t>Fourth Outline Level</a:t>
             </a:r>
-            <a:endParaRPr b="0" lang="de-AT" sz="1500" spc="-1" strike="noStrike">
-              <a:solidFill>
-                <a:srgbClr val="dbf5f9"/>
-              </a:solidFill>
-              <a:latin typeface="Source Sans Pro"/>
+            <a:endParaRPr b="0" lang="en-GB" sz="2000" spc="-1" strike="noStrike">
+              <a:latin typeface="Arial"/>
             </a:endParaRPr>
           </a:p>
           <a:p>
             <a:pPr lvl="4" marL="2160000" indent="-216000">
-              <a:spcAft>
-                <a:spcPts val="210"/>
-              </a:spcAft>
+              <a:spcBef>
+                <a:spcPts val="283"/>
+              </a:spcBef>
               <a:buClr>
-                <a:srgbClr val="f49100"/>
+                <a:srgbClr val="000000"/>
               </a:buClr>
               <a:buSzPct val="45000"/>
               <a:buFont typeface="Wingdings" charset="2"/>
               <a:buChar char=""/>
             </a:pPr>
             <a:r>
-              <a:rPr b="0" lang="de-AT" sz="1500" spc="-1" strike="noStrike">
-                <a:solidFill>
-                  <a:srgbClr val="dbf5f9"/>
-                </a:solidFill>
-                <a:latin typeface="Source Sans Pro"/>
+              <a:rPr b="0" lang="en-GB" sz="2000" spc="-1" strike="noStrike">
+                <a:latin typeface="Arial"/>
               </a:rPr>
               <a:t>Fifth Outline Level</a:t>
             </a:r>
-            <a:endParaRPr b="0" lang="de-AT" sz="1500" spc="-1" strike="noStrike">
-              <a:solidFill>
-                <a:srgbClr val="dbf5f9"/>
-              </a:solidFill>
-              <a:latin typeface="Source Sans Pro"/>
+            <a:endParaRPr b="0" lang="en-GB" sz="2000" spc="-1" strike="noStrike">
+              <a:latin typeface="Arial"/>
             </a:endParaRPr>
           </a:p>
           <a:p>
             <a:pPr lvl="5" marL="2592000" indent="-216000">
-              <a:spcAft>
-                <a:spcPts val="210"/>
-              </a:spcAft>
+              <a:spcBef>
+                <a:spcPts val="283"/>
+              </a:spcBef>
               <a:buClr>
-                <a:srgbClr val="f49100"/>
+                <a:srgbClr val="000000"/>
               </a:buClr>
               <a:buSzPct val="45000"/>
               <a:buFont typeface="Wingdings" charset="2"/>
               <a:buChar char=""/>
             </a:pPr>
             <a:r>
-              <a:rPr b="0" lang="de-AT" sz="1500" spc="-1" strike="noStrike">
-                <a:solidFill>
-                  <a:srgbClr val="dbf5f9"/>
-                </a:solidFill>
-                <a:latin typeface="Source Sans Pro"/>
+              <a:rPr b="0" lang="en-GB" sz="2000" spc="-1" strike="noStrike">
+                <a:latin typeface="Arial"/>
               </a:rPr>
               <a:t>Sixth Outline Level</a:t>
             </a:r>
-            <a:endParaRPr b="0" lang="de-AT" sz="1500" spc="-1" strike="noStrike">
-              <a:solidFill>
-                <a:srgbClr val="dbf5f9"/>
-              </a:solidFill>
-              <a:latin typeface="Source Sans Pro"/>
+            <a:endParaRPr b="0" lang="en-GB" sz="2000" spc="-1" strike="noStrike">
+              <a:latin typeface="Arial"/>
             </a:endParaRPr>
           </a:p>
           <a:p>
             <a:pPr lvl="6" marL="3024000" indent="-216000">
-              <a:spcAft>
-                <a:spcPts val="210"/>
-              </a:spcAft>
+              <a:spcBef>
+                <a:spcPts val="283"/>
+              </a:spcBef>
               <a:buClr>
-                <a:srgbClr val="f49100"/>
+                <a:srgbClr val="000000"/>
               </a:buClr>
               <a:buSzPct val="45000"/>
               <a:buFont typeface="Wingdings" charset="2"/>
               <a:buChar char=""/>
             </a:pPr>
             <a:r>
-              <a:rPr b="0" lang="de-AT" sz="1500" spc="-1" strike="noStrike">
-                <a:solidFill>
-                  <a:srgbClr val="dbf5f9"/>
-                </a:solidFill>
-                <a:latin typeface="Source Sans Pro"/>
+              <a:rPr b="0" lang="en-GB" sz="2000" spc="-1" strike="noStrike">
+                <a:latin typeface="Arial"/>
               </a:rPr>
               <a:t>Seventh Outline Level</a:t>
             </a:r>
-            <a:endParaRPr b="0" lang="de-AT" sz="1500" spc="-1" strike="noStrike">
-              <a:solidFill>
-                <a:srgbClr val="dbf5f9"/>
-              </a:solidFill>
-              <a:latin typeface="Source Sans Pro"/>
+            <a:endParaRPr b="0" lang="en-GB" sz="2000" spc="-1" strike="noStrike">
+              <a:latin typeface="Arial"/>
             </a:endParaRPr>
           </a:p>
         </p:txBody>
@@ -5149,14 +4852,14 @@
       </p:grpSpPr>
       <p:sp>
         <p:nvSpPr>
-          <p:cNvPr id="42" name=""/>
+          <p:cNvPr id="39" name=""/>
           <p:cNvSpPr/>
           <p:nvPr/>
         </p:nvSpPr>
         <p:spPr>
           <a:xfrm flipV="1">
-            <a:off x="0" y="0"/>
-            <a:ext cx="10080000" cy="1080000"/>
+            <a:off x="0" y="-720"/>
+            <a:ext cx="10079640" cy="1079640"/>
           </a:xfrm>
           <a:prstGeom prst="rect">
             <a:avLst/>
@@ -5173,7 +4876,7 @@
             <a:noFill/>
           </a:ln>
           <a:effectLst>
-            <a:outerShdw dist="10800" dir="5400000" blurRad="0" rotWithShape="0">
+            <a:outerShdw blurRad="0" dir="5400000" dist="10800" rotWithShape="0">
               <a:srgbClr val="f49100"/>
             </a:outerShdw>
           </a:effectLst>
@@ -5187,7 +4890,7 @@
       </p:sp>
       <p:sp>
         <p:nvSpPr>
-          <p:cNvPr id="43" name="PlaceHolder 1"/>
+          <p:cNvPr id="40" name="PlaceHolder 1"/>
           <p:cNvSpPr>
             <a:spLocks noGrp="1"/>
           </p:cNvSpPr>
@@ -5198,7 +4901,7 @@
         <p:spPr>
           <a:xfrm>
             <a:off x="540000" y="90000"/>
-            <a:ext cx="9000000" cy="990000"/>
+            <a:ext cx="8999640" cy="989640"/>
           </a:xfrm>
           <a:prstGeom prst="rect">
             <a:avLst/>
@@ -5214,26 +4917,20 @@
           </a:bodyPr>
           <a:p>
             <a:r>
-              <a:rPr b="0" lang="de-AT" sz="4500" spc="-1" strike="noStrike">
-                <a:solidFill>
-                  <a:srgbClr val="ffffff"/>
-                </a:solidFill>
-                <a:latin typeface="Source Sans Pro Light"/>
+              <a:rPr b="0" lang="en-GB" sz="1800" spc="-1" strike="noStrike">
+                <a:latin typeface="Arial"/>
               </a:rPr>
               <a:t>Click to edit the title text format</a:t>
             </a:r>
-            <a:endParaRPr b="0" lang="de-AT" sz="4500" spc="-1" strike="noStrike">
-              <a:solidFill>
-                <a:srgbClr val="ffffff"/>
-              </a:solidFill>
-              <a:latin typeface="Source Sans Pro Light"/>
-            </a:endParaRPr>
-          </a:p>
-        </p:txBody>
-      </p:sp>
-      <p:sp>
-        <p:nvSpPr>
-          <p:cNvPr id="44" name="PlaceHolder 2"/>
+            <a:endParaRPr b="0" lang="en-GB" sz="1800" spc="-1" strike="noStrike">
+              <a:latin typeface="Arial"/>
+            </a:endParaRPr>
+          </a:p>
+        </p:txBody>
+      </p:sp>
+      <p:sp>
+        <p:nvSpPr>
+          <p:cNvPr id="41" name="PlaceHolder 2"/>
           <p:cNvSpPr>
             <a:spLocks noGrp="1"/>
           </p:cNvSpPr>
@@ -5244,7 +4941,7 @@
         <p:spPr>
           <a:xfrm>
             <a:off x="540000" y="1440000"/>
-            <a:ext cx="9000000" cy="3510000"/>
+            <a:ext cx="8999640" cy="3509640"/>
           </a:xfrm>
           <a:prstGeom prst="rect">
             <a:avLst/>
@@ -5260,323 +4957,156 @@
           </a:bodyPr>
           <a:p>
             <a:pPr marL="432000" indent="-324000">
-              <a:spcAft>
-                <a:spcPts val="1054"/>
-              </a:spcAft>
+              <a:spcBef>
+                <a:spcPts val="1417"/>
+              </a:spcBef>
               <a:buClr>
-                <a:srgbClr val="009eda"/>
+                <a:srgbClr val="000000"/>
               </a:buClr>
               <a:buSzPct val="45000"/>
               <a:buFont typeface="Wingdings" charset="2"/>
               <a:buChar char=""/>
             </a:pPr>
             <a:r>
-              <a:rPr b="0" lang="de-AT" sz="2400" spc="-1" strike="noStrike">
-                <a:latin typeface="Source Sans Pro"/>
+              <a:rPr b="0" lang="en-GB" sz="1800" spc="-1" strike="noStrike">
+                <a:latin typeface="Arial"/>
               </a:rPr>
               <a:t>Click to edit the outline text format</a:t>
             </a:r>
-            <a:endParaRPr b="0" lang="de-AT" sz="2400" spc="-1" strike="noStrike">
-              <a:latin typeface="Source Sans Pro"/>
+            <a:endParaRPr b="0" lang="en-GB" sz="1800" spc="-1" strike="noStrike">
+              <a:latin typeface="Arial"/>
             </a:endParaRPr>
           </a:p>
           <a:p>
             <a:pPr lvl="1" marL="864000" indent="-324000">
-              <a:spcAft>
-                <a:spcPts val="842"/>
-              </a:spcAft>
+              <a:spcBef>
+                <a:spcPts val="1134"/>
+              </a:spcBef>
               <a:buClr>
-                <a:srgbClr val="009eda"/>
+                <a:srgbClr val="000000"/>
+              </a:buClr>
+              <a:buSzPct val="75000"/>
+              <a:buFont typeface="Symbol" charset="2"/>
+              <a:buChar char=""/>
+            </a:pPr>
+            <a:r>
+              <a:rPr b="0" lang="en-GB" sz="1800" spc="-1" strike="noStrike">
+                <a:latin typeface="Arial"/>
+              </a:rPr>
+              <a:t>Second Outline Level</a:t>
+            </a:r>
+            <a:endParaRPr b="0" lang="en-GB" sz="1800" spc="-1" strike="noStrike">
+              <a:latin typeface="Arial"/>
+            </a:endParaRPr>
+          </a:p>
+          <a:p>
+            <a:pPr lvl="2" marL="1296000" indent="-288000">
+              <a:spcBef>
+                <a:spcPts val="850"/>
+              </a:spcBef>
+              <a:buClr>
+                <a:srgbClr val="000000"/>
               </a:buClr>
               <a:buSzPct val="45000"/>
               <a:buFont typeface="Wingdings" charset="2"/>
               <a:buChar char=""/>
             </a:pPr>
             <a:r>
-              <a:rPr b="0" lang="de-AT" sz="2100" spc="-1" strike="noStrike">
-                <a:latin typeface="Source Sans Pro"/>
-              </a:rPr>
-              <a:t>Second Outline Level</a:t>
-            </a:r>
-            <a:endParaRPr b="0" lang="de-AT" sz="2100" spc="-1" strike="noStrike">
-              <a:latin typeface="Source Sans Pro"/>
-            </a:endParaRPr>
-          </a:p>
-          <a:p>
-            <a:pPr lvl="2" marL="1296000" indent="-288000">
-              <a:spcAft>
-                <a:spcPts val="635"/>
-              </a:spcAft>
+              <a:rPr b="0" lang="en-GB" sz="1800" spc="-1" strike="noStrike">
+                <a:latin typeface="Arial"/>
+              </a:rPr>
+              <a:t>Third Outline Level</a:t>
+            </a:r>
+            <a:endParaRPr b="0" lang="en-GB" sz="1800" spc="-1" strike="noStrike">
+              <a:latin typeface="Arial"/>
+            </a:endParaRPr>
+          </a:p>
+          <a:p>
+            <a:pPr lvl="3" marL="1728000" indent="-216000">
+              <a:spcBef>
+                <a:spcPts val="567"/>
+              </a:spcBef>
               <a:buClr>
-                <a:srgbClr val="009eda"/>
+                <a:srgbClr val="000000"/>
+              </a:buClr>
+              <a:buSzPct val="75000"/>
+              <a:buFont typeface="Symbol" charset="2"/>
+              <a:buChar char=""/>
+            </a:pPr>
+            <a:r>
+              <a:rPr b="0" lang="en-GB" sz="1800" spc="-1" strike="noStrike">
+                <a:latin typeface="Arial"/>
+              </a:rPr>
+              <a:t>Fourth Outline Level</a:t>
+            </a:r>
+            <a:endParaRPr b="0" lang="en-GB" sz="1800" spc="-1" strike="noStrike">
+              <a:latin typeface="Arial"/>
+            </a:endParaRPr>
+          </a:p>
+          <a:p>
+            <a:pPr lvl="4" marL="2160000" indent="-216000">
+              <a:spcBef>
+                <a:spcPts val="283"/>
+              </a:spcBef>
+              <a:buClr>
+                <a:srgbClr val="000000"/>
               </a:buClr>
               <a:buSzPct val="45000"/>
               <a:buFont typeface="Wingdings" charset="2"/>
               <a:buChar char=""/>
             </a:pPr>
             <a:r>
-              <a:rPr b="0" lang="de-AT" sz="1800" spc="-1" strike="noStrike">
-                <a:latin typeface="Source Sans Pro"/>
-              </a:rPr>
-              <a:t>Third Outline Level</a:t>
-            </a:r>
-            <a:endParaRPr b="0" lang="de-AT" sz="1800" spc="-1" strike="noStrike">
-              <a:latin typeface="Source Sans Pro"/>
-            </a:endParaRPr>
-          </a:p>
-          <a:p>
-            <a:pPr lvl="3" marL="1728000" indent="-216000">
-              <a:spcAft>
-                <a:spcPts val="422"/>
-              </a:spcAft>
+              <a:rPr b="0" lang="en-GB" sz="1800" spc="-1" strike="noStrike">
+                <a:latin typeface="Arial"/>
+              </a:rPr>
+              <a:t>Fifth Outline Level</a:t>
+            </a:r>
+            <a:endParaRPr b="0" lang="en-GB" sz="1800" spc="-1" strike="noStrike">
+              <a:latin typeface="Arial"/>
+            </a:endParaRPr>
+          </a:p>
+          <a:p>
+            <a:pPr lvl="5" marL="2592000" indent="-216000">
+              <a:spcBef>
+                <a:spcPts val="283"/>
+              </a:spcBef>
               <a:buClr>
-                <a:srgbClr val="009eda"/>
+                <a:srgbClr val="000000"/>
               </a:buClr>
               <a:buSzPct val="45000"/>
               <a:buFont typeface="Wingdings" charset="2"/>
               <a:buChar char=""/>
             </a:pPr>
             <a:r>
-              <a:rPr b="0" lang="de-AT" sz="1800" spc="-1" strike="noStrike">
-                <a:latin typeface="Source Sans Pro"/>
-              </a:rPr>
-              <a:t>Fourth Outline Level</a:t>
-            </a:r>
-            <a:endParaRPr b="0" lang="de-AT" sz="1800" spc="-1" strike="noStrike">
-              <a:latin typeface="Source Sans Pro"/>
-            </a:endParaRPr>
-          </a:p>
-          <a:p>
-            <a:pPr lvl="4" marL="2160000" indent="-216000">
-              <a:spcAft>
-                <a:spcPts val="210"/>
-              </a:spcAft>
+              <a:rPr b="0" lang="en-GB" sz="1800" spc="-1" strike="noStrike">
+                <a:latin typeface="Arial"/>
+              </a:rPr>
+              <a:t>Sixth Outline Level</a:t>
+            </a:r>
+            <a:endParaRPr b="0" lang="en-GB" sz="1800" spc="-1" strike="noStrike">
+              <a:latin typeface="Arial"/>
+            </a:endParaRPr>
+          </a:p>
+          <a:p>
+            <a:pPr lvl="6" marL="3024000" indent="-216000">
+              <a:spcBef>
+                <a:spcPts val="283"/>
+              </a:spcBef>
               <a:buClr>
-                <a:srgbClr val="009eda"/>
+                <a:srgbClr val="000000"/>
               </a:buClr>
               <a:buSzPct val="45000"/>
               <a:buFont typeface="Wingdings" charset="2"/>
               <a:buChar char=""/>
             </a:pPr>
             <a:r>
-              <a:rPr b="0" lang="de-AT" sz="1800" spc="-1" strike="noStrike">
-                <a:latin typeface="Source Sans Pro"/>
-              </a:rPr>
-              <a:t>Fifth Outline Level</a:t>
-            </a:r>
-            <a:endParaRPr b="0" lang="de-AT" sz="1800" spc="-1" strike="noStrike">
-              <a:latin typeface="Source Sans Pro"/>
-            </a:endParaRPr>
-          </a:p>
-          <a:p>
-            <a:pPr lvl="5" marL="2592000" indent="-216000">
-              <a:spcAft>
-                <a:spcPts val="210"/>
-              </a:spcAft>
-              <a:buClr>
-                <a:srgbClr val="009eda"/>
-              </a:buClr>
-              <a:buSzPct val="45000"/>
-              <a:buFont typeface="Wingdings" charset="2"/>
-              <a:buChar char=""/>
-            </a:pPr>
-            <a:r>
-              <a:rPr b="0" lang="de-AT" sz="1800" spc="-1" strike="noStrike">
-                <a:latin typeface="Source Sans Pro"/>
-              </a:rPr>
-              <a:t>Sixth Outline Level</a:t>
-            </a:r>
-            <a:endParaRPr b="0" lang="de-AT" sz="1800" spc="-1" strike="noStrike">
-              <a:latin typeface="Source Sans Pro"/>
-            </a:endParaRPr>
-          </a:p>
-          <a:p>
-            <a:pPr lvl="6" marL="3024000" indent="-216000">
-              <a:spcAft>
-                <a:spcPts val="210"/>
-              </a:spcAft>
-              <a:buClr>
-                <a:srgbClr val="009eda"/>
-              </a:buClr>
-              <a:buSzPct val="45000"/>
-              <a:buFont typeface="Wingdings" charset="2"/>
-              <a:buChar char=""/>
-            </a:pPr>
-            <a:r>
-              <a:rPr b="0" lang="de-AT" sz="1800" spc="-1" strike="noStrike">
-                <a:latin typeface="Source Sans Pro"/>
+              <a:rPr b="0" lang="en-GB" sz="1800" spc="-1" strike="noStrike">
+                <a:latin typeface="Arial"/>
               </a:rPr>
               <a:t>Seventh Outline Level</a:t>
             </a:r>
-            <a:endParaRPr b="0" lang="de-AT" sz="1800" spc="-1" strike="noStrike">
-              <a:latin typeface="Source Sans Pro"/>
-            </a:endParaRPr>
-          </a:p>
-        </p:txBody>
-      </p:sp>
-      <p:sp>
-        <p:nvSpPr>
-          <p:cNvPr id="45" name="PlaceHolder 3"/>
-          <p:cNvSpPr>
-            <a:spLocks noGrp="1"/>
-          </p:cNvSpPr>
-          <p:nvPr>
-            <p:ph type="dt"/>
-          </p:nvPr>
-        </p:nvSpPr>
-        <p:spPr>
-          <a:xfrm>
-            <a:off x="540000" y="5130000"/>
-            <a:ext cx="2340000" cy="450000"/>
-          </a:xfrm>
-          <a:prstGeom prst="rect">
-            <a:avLst/>
-          </a:prstGeom>
-          <a:noFill/>
-          <a:ln w="0">
-            <a:noFill/>
-          </a:ln>
-        </p:spPr>
-        <p:txBody>
-          <a:bodyPr lIns="0" rIns="0" tIns="0" bIns="0" anchor="t">
-            <a:noAutofit/>
-          </a:bodyPr>
-          <a:p>
-            <a:r>
-              <a:rPr b="0" lang="de-AT" sz="2400" spc="-1" strike="noStrike">
-                <a:solidFill>
-                  <a:srgbClr val="484848"/>
-                </a:solidFill>
-                <a:latin typeface="Source Sans Pro"/>
-              </a:rPr>
-              <a:t>&lt;date/time&gt;</a:t>
-            </a:r>
-            <a:r>
-              <a:rPr b="0" lang="de-AT" sz="2400" spc="-1" strike="noStrike">
-                <a:solidFill>
-                  <a:srgbClr val="484848"/>
-                </a:solidFill>
-                <a:latin typeface="Source Sans Pro"/>
-              </a:rPr>
-              <a:t> </a:t>
-            </a:r>
-            <a:endParaRPr b="0" lang="de-AT" sz="2400" spc="-1" strike="noStrike">
-              <a:solidFill>
-                <a:srgbClr val="484848"/>
-              </a:solidFill>
-              <a:latin typeface="Source Sans Pro"/>
-            </a:endParaRPr>
-          </a:p>
-        </p:txBody>
-      </p:sp>
-      <p:sp>
-        <p:nvSpPr>
-          <p:cNvPr id="46" name="PlaceHolder 4"/>
-          <p:cNvSpPr>
-            <a:spLocks noGrp="1"/>
-          </p:cNvSpPr>
-          <p:nvPr>
-            <p:ph type="ftr"/>
-          </p:nvPr>
-        </p:nvSpPr>
-        <p:spPr>
-          <a:xfrm>
-            <a:off x="3420000" y="5130000"/>
-            <a:ext cx="3240000" cy="450000"/>
-          </a:xfrm>
-          <a:prstGeom prst="rect">
-            <a:avLst/>
-          </a:prstGeom>
-          <a:noFill/>
-          <a:ln w="0">
-            <a:noFill/>
-          </a:ln>
-        </p:spPr>
-        <p:txBody>
-          <a:bodyPr lIns="0" rIns="0" tIns="0" bIns="0" anchor="t">
-            <a:noAutofit/>
-          </a:bodyPr>
-          <a:p>
-            <a:pPr algn="ctr"/>
-            <a:r>
-              <a:rPr b="0" lang="de-AT" sz="2400" spc="-1" strike="noStrike">
-                <a:solidFill>
-                  <a:srgbClr val="484848"/>
-                </a:solidFill>
-                <a:latin typeface="Source Sans Pro"/>
-              </a:rPr>
-              <a:t>&lt;footer&gt;</a:t>
-            </a:r>
-            <a:r>
-              <a:rPr b="0" lang="de-AT" sz="2400" spc="-1" strike="noStrike">
-                <a:solidFill>
-                  <a:srgbClr val="484848"/>
-                </a:solidFill>
-                <a:latin typeface="Source Sans Pro"/>
-              </a:rPr>
-              <a:t> </a:t>
-            </a:r>
-            <a:endParaRPr b="0" lang="de-AT" sz="2400" spc="-1" strike="noStrike">
-              <a:solidFill>
-                <a:srgbClr val="484848"/>
-              </a:solidFill>
-              <a:latin typeface="Source Sans Pro"/>
-            </a:endParaRPr>
-          </a:p>
-        </p:txBody>
-      </p:sp>
-      <p:sp>
-        <p:nvSpPr>
-          <p:cNvPr id="47" name="PlaceHolder 5"/>
-          <p:cNvSpPr>
-            <a:spLocks noGrp="1"/>
-          </p:cNvSpPr>
-          <p:nvPr>
-            <p:ph type="sldNum"/>
-          </p:nvPr>
-        </p:nvSpPr>
-        <p:spPr>
-          <a:xfrm>
-            <a:off x="7200000" y="5130000"/>
-            <a:ext cx="2340000" cy="450000"/>
-          </a:xfrm>
-          <a:prstGeom prst="rect">
-            <a:avLst/>
-          </a:prstGeom>
-          <a:noFill/>
-          <a:ln w="0">
-            <a:noFill/>
-          </a:ln>
-        </p:spPr>
-        <p:txBody>
-          <a:bodyPr lIns="0" rIns="0" tIns="0" bIns="0" anchor="t">
-            <a:noAutofit/>
-          </a:bodyPr>
-          <a:p>
-            <a:pPr algn="r"/>
-            <a:fld id="{6F45F3FB-0B20-4C80-AC2C-66E4359125D7}" type="slidenum">
-              <a:rPr b="0" lang="de-AT" sz="2400" spc="-1" strike="noStrike">
-                <a:solidFill>
-                  <a:srgbClr val="484848"/>
-                </a:solidFill>
-                <a:latin typeface="Source Sans Pro"/>
-              </a:rPr>
-              <a:t>&lt;number&gt;</a:t>
-            </a:fld>
-            <a:r>
-              <a:rPr b="0" lang="de-AT" sz="2400" spc="-1" strike="noStrike">
-                <a:solidFill>
-                  <a:srgbClr val="484848"/>
-                </a:solidFill>
-                <a:latin typeface="Source Sans Pro"/>
-              </a:rPr>
-              <a:t> </a:t>
-            </a:r>
-            <a:endParaRPr b="0" lang="de-AT" sz="2400" spc="-1" strike="noStrike">
-              <a:solidFill>
-                <a:srgbClr val="484848"/>
-              </a:solidFill>
-              <a:latin typeface="Source Sans Pro"/>
+            <a:endParaRPr b="0" lang="en-GB" sz="1800" spc="-1" strike="noStrike">
+              <a:latin typeface="Arial"/>
             </a:endParaRPr>
           </a:p>
         </p:txBody>
@@ -5620,14 +5150,14 @@
       </p:grpSpPr>
       <p:sp>
         <p:nvSpPr>
-          <p:cNvPr id="84" name=""/>
+          <p:cNvPr id="78" name=""/>
           <p:cNvSpPr/>
           <p:nvPr/>
         </p:nvSpPr>
         <p:spPr>
           <a:xfrm flipV="1">
-            <a:off x="0" y="0"/>
-            <a:ext cx="10080000" cy="180000"/>
+            <a:off x="0" y="-720"/>
+            <a:ext cx="10079640" cy="179640"/>
           </a:xfrm>
           <a:prstGeom prst="rect">
             <a:avLst/>
@@ -5644,7 +5174,7 @@
             <a:noFill/>
           </a:ln>
           <a:effectLst>
-            <a:outerShdw dist="10800" dir="5400000" blurRad="0" rotWithShape="0">
+            <a:outerShdw blurRad="0" dir="5400000" dist="10800" rotWithShape="0">
               <a:srgbClr val="f49100"/>
             </a:outerShdw>
           </a:effectLst>
@@ -5658,410 +5188,14 @@
       </p:sp>
       <p:sp>
         <p:nvSpPr>
-          <p:cNvPr id="85" name="PlaceHolder 1"/>
-          <p:cNvSpPr>
-            <a:spLocks noGrp="1"/>
-          </p:cNvSpPr>
-          <p:nvPr>
-            <p:ph type="title"/>
-          </p:nvPr>
-        </p:nvSpPr>
-        <p:spPr>
-          <a:xfrm>
-            <a:off x="540000" y="270000"/>
-            <a:ext cx="9000000" cy="990000"/>
-          </a:xfrm>
-          <a:prstGeom prst="rect">
-            <a:avLst/>
-          </a:prstGeom>
-          <a:noFill/>
-          <a:ln w="0">
-            <a:noFill/>
-          </a:ln>
-        </p:spPr>
-        <p:txBody>
-          <a:bodyPr lIns="0" rIns="0" tIns="0" bIns="0" anchor="ctr">
-            <a:normAutofit/>
-          </a:bodyPr>
-          <a:p>
-            <a:r>
-              <a:rPr b="0" lang="de-AT" sz="4500" spc="-1" strike="noStrike">
-                <a:solidFill>
-                  <a:srgbClr val="04617b"/>
-                </a:solidFill>
-                <a:latin typeface="Source Sans Pro Light"/>
-              </a:rPr>
-              <a:t>Click to edit the title text format</a:t>
-            </a:r>
-            <a:endParaRPr b="0" lang="de-AT" sz="4500" spc="-1" strike="noStrike">
-              <a:solidFill>
-                <a:srgbClr val="04617b"/>
-              </a:solidFill>
-              <a:latin typeface="Source Sans Pro Light"/>
-            </a:endParaRPr>
-          </a:p>
-        </p:txBody>
-      </p:sp>
-      <p:sp>
-        <p:nvSpPr>
-          <p:cNvPr id="86" name="PlaceHolder 2"/>
-          <p:cNvSpPr>
-            <a:spLocks noGrp="1"/>
-          </p:cNvSpPr>
-          <p:nvPr>
-            <p:ph type="body"/>
-          </p:nvPr>
-        </p:nvSpPr>
-        <p:spPr>
-          <a:xfrm>
-            <a:off x="540000" y="1440000"/>
-            <a:ext cx="9000000" cy="4050000"/>
-          </a:xfrm>
-          <a:prstGeom prst="rect">
-            <a:avLst/>
-          </a:prstGeom>
-          <a:noFill/>
-          <a:ln w="0">
-            <a:noFill/>
-          </a:ln>
-        </p:spPr>
-        <p:txBody>
-          <a:bodyPr lIns="0" rIns="0" tIns="0" bIns="0" anchor="t">
-            <a:normAutofit/>
-          </a:bodyPr>
-          <a:p>
-            <a:pPr marL="432000" indent="-324000">
-              <a:spcAft>
-                <a:spcPts val="1057"/>
-              </a:spcAft>
-              <a:buClr>
-                <a:srgbClr val="04617b"/>
-              </a:buClr>
-              <a:buSzPct val="45000"/>
-              <a:buFont typeface="Wingdings" charset="2"/>
-              <a:buChar char=""/>
-            </a:pPr>
-            <a:r>
-              <a:rPr b="0" lang="de-AT" sz="2400" spc="-1" strike="noStrike">
-                <a:latin typeface="Source Sans Pro"/>
-              </a:rPr>
-              <a:t>Click to edit the outline text format</a:t>
-            </a:r>
-            <a:endParaRPr b="0" lang="de-AT" sz="2400" spc="-1" strike="noStrike">
-              <a:latin typeface="Source Sans Pro"/>
-            </a:endParaRPr>
-          </a:p>
-          <a:p>
-            <a:pPr lvl="1" marL="864000" indent="-324000">
-              <a:spcAft>
-                <a:spcPts val="842"/>
-              </a:spcAft>
-              <a:buClr>
-                <a:srgbClr val="04617b"/>
-              </a:buClr>
-              <a:buSzPct val="75000"/>
-              <a:buFont typeface="Symbol" charset="2"/>
-              <a:buChar char=""/>
-            </a:pPr>
-            <a:r>
-              <a:rPr b="0" lang="de-AT" sz="2100" spc="-1" strike="noStrike">
-                <a:latin typeface="Source Sans Pro"/>
-              </a:rPr>
-              <a:t>Second Outline Level</a:t>
-            </a:r>
-            <a:endParaRPr b="0" lang="de-AT" sz="2100" spc="-1" strike="noStrike">
-              <a:latin typeface="Source Sans Pro"/>
-            </a:endParaRPr>
-          </a:p>
-          <a:p>
-            <a:pPr lvl="2" marL="1296000" indent="-288000">
-              <a:spcAft>
-                <a:spcPts val="635"/>
-              </a:spcAft>
-              <a:buClr>
-                <a:srgbClr val="04617b"/>
-              </a:buClr>
-              <a:buSzPct val="45000"/>
-              <a:buFont typeface="Wingdings" charset="2"/>
-              <a:buChar char=""/>
-            </a:pPr>
-            <a:r>
-              <a:rPr b="0" lang="de-AT" sz="1800" spc="-1" strike="noStrike">
-                <a:latin typeface="Source Sans Pro"/>
-              </a:rPr>
-              <a:t>Third Outline Level</a:t>
-            </a:r>
-            <a:endParaRPr b="0" lang="de-AT" sz="1800" spc="-1" strike="noStrike">
-              <a:latin typeface="Source Sans Pro"/>
-            </a:endParaRPr>
-          </a:p>
-          <a:p>
-            <a:pPr lvl="3" marL="1728000" indent="-216000">
-              <a:spcAft>
-                <a:spcPts val="422"/>
-              </a:spcAft>
-              <a:buClr>
-                <a:srgbClr val="04617b"/>
-              </a:buClr>
-              <a:buSzPct val="75000"/>
-              <a:buFont typeface="Symbol" charset="2"/>
-              <a:buChar char=""/>
-            </a:pPr>
-            <a:r>
-              <a:rPr b="0" lang="de-AT" sz="1800" spc="-1" strike="noStrike">
-                <a:latin typeface="Source Sans Pro"/>
-              </a:rPr>
-              <a:t>Fourth Outline Level</a:t>
-            </a:r>
-            <a:endParaRPr b="0" lang="de-AT" sz="1800" spc="-1" strike="noStrike">
-              <a:latin typeface="Source Sans Pro"/>
-            </a:endParaRPr>
-          </a:p>
-          <a:p>
-            <a:pPr lvl="4" marL="2160000" indent="-216000">
-              <a:spcAft>
-                <a:spcPts val="210"/>
-              </a:spcAft>
-              <a:buClr>
-                <a:srgbClr val="04617b"/>
-              </a:buClr>
-              <a:buSzPct val="45000"/>
-              <a:buFont typeface="Wingdings" charset="2"/>
-              <a:buChar char=""/>
-            </a:pPr>
-            <a:r>
-              <a:rPr b="0" lang="de-AT" sz="1800" spc="-1" strike="noStrike">
-                <a:latin typeface="Source Sans Pro"/>
-              </a:rPr>
-              <a:t>Fifth Outline Level</a:t>
-            </a:r>
-            <a:endParaRPr b="0" lang="de-AT" sz="1800" spc="-1" strike="noStrike">
-              <a:latin typeface="Source Sans Pro"/>
-            </a:endParaRPr>
-          </a:p>
-          <a:p>
-            <a:pPr lvl="5" marL="2592000" indent="-216000">
-              <a:spcAft>
-                <a:spcPts val="210"/>
-              </a:spcAft>
-              <a:buClr>
-                <a:srgbClr val="04617b"/>
-              </a:buClr>
-              <a:buSzPct val="45000"/>
-              <a:buFont typeface="Wingdings" charset="2"/>
-              <a:buChar char=""/>
-            </a:pPr>
-            <a:r>
-              <a:rPr b="0" lang="de-AT" sz="1800" spc="-1" strike="noStrike">
-                <a:latin typeface="Source Sans Pro"/>
-              </a:rPr>
-              <a:t>Sixth Outline Level</a:t>
-            </a:r>
-            <a:endParaRPr b="0" lang="de-AT" sz="1800" spc="-1" strike="noStrike">
-              <a:latin typeface="Source Sans Pro"/>
-            </a:endParaRPr>
-          </a:p>
-          <a:p>
-            <a:pPr lvl="6" marL="3024000" indent="-216000">
-              <a:spcAft>
-                <a:spcPts val="210"/>
-              </a:spcAft>
-              <a:buClr>
-                <a:srgbClr val="04617b"/>
-              </a:buClr>
-              <a:buSzPct val="45000"/>
-              <a:buFont typeface="Wingdings" charset="2"/>
-              <a:buChar char=""/>
-            </a:pPr>
-            <a:r>
-              <a:rPr b="0" lang="de-AT" sz="1800" spc="-1" strike="noStrike">
-                <a:latin typeface="Source Sans Pro"/>
-              </a:rPr>
-              <a:t>Seventh Outline Level</a:t>
-            </a:r>
-            <a:endParaRPr b="0" lang="de-AT" sz="1800" spc="-1" strike="noStrike">
-              <a:latin typeface="Source Sans Pro"/>
-            </a:endParaRPr>
-          </a:p>
-        </p:txBody>
-      </p:sp>
-      <p:sp>
-        <p:nvSpPr>
-          <p:cNvPr id="87" name="PlaceHolder 3"/>
-          <p:cNvSpPr>
-            <a:spLocks noGrp="1"/>
-          </p:cNvSpPr>
-          <p:nvPr>
-            <p:ph type="dt"/>
-          </p:nvPr>
-        </p:nvSpPr>
-        <p:spPr>
-          <a:xfrm>
-            <a:off x="540000" y="5130000"/>
-            <a:ext cx="2340000" cy="450000"/>
-          </a:xfrm>
-          <a:prstGeom prst="rect">
-            <a:avLst/>
-          </a:prstGeom>
-          <a:noFill/>
-          <a:ln w="0">
-            <a:noFill/>
-          </a:ln>
-        </p:spPr>
-        <p:txBody>
-          <a:bodyPr lIns="0" rIns="0" tIns="0" bIns="0" anchor="t">
-            <a:noAutofit/>
-          </a:bodyPr>
-          <a:p>
-            <a:r>
-              <a:rPr b="0" lang="de-AT" sz="2400" spc="-1" strike="noStrike">
-                <a:solidFill>
-                  <a:srgbClr val="484848"/>
-                </a:solidFill>
-                <a:latin typeface="Source Sans Pro"/>
-              </a:rPr>
-              <a:t>&lt;date/time&gt;</a:t>
-            </a:r>
-            <a:r>
-              <a:rPr b="0" lang="de-AT" sz="2400" spc="-1" strike="noStrike">
-                <a:solidFill>
-                  <a:srgbClr val="484848"/>
-                </a:solidFill>
-                <a:latin typeface="Source Sans Pro"/>
-              </a:rPr>
-              <a:t> </a:t>
-            </a:r>
-            <a:endParaRPr b="0" lang="de-AT" sz="2400" spc="-1" strike="noStrike">
-              <a:solidFill>
-                <a:srgbClr val="484848"/>
-              </a:solidFill>
-              <a:latin typeface="Source Sans Pro"/>
-            </a:endParaRPr>
-          </a:p>
-        </p:txBody>
-      </p:sp>
-      <p:sp>
-        <p:nvSpPr>
-          <p:cNvPr id="88" name="PlaceHolder 4"/>
-          <p:cNvSpPr>
-            <a:spLocks noGrp="1"/>
-          </p:cNvSpPr>
-          <p:nvPr>
-            <p:ph type="ftr"/>
-          </p:nvPr>
-        </p:nvSpPr>
-        <p:spPr>
-          <a:xfrm>
-            <a:off x="3420000" y="5119200"/>
-            <a:ext cx="3240000" cy="450000"/>
-          </a:xfrm>
-          <a:prstGeom prst="rect">
-            <a:avLst/>
-          </a:prstGeom>
-          <a:noFill/>
-          <a:ln w="0">
-            <a:noFill/>
-          </a:ln>
-        </p:spPr>
-        <p:txBody>
-          <a:bodyPr lIns="0" rIns="0" tIns="0" bIns="0" anchor="t">
-            <a:noAutofit/>
-          </a:bodyPr>
-          <a:p>
-            <a:pPr algn="ctr"/>
-            <a:r>
-              <a:rPr b="0" lang="de-AT" sz="2400" spc="-1" strike="noStrike">
-                <a:solidFill>
-                  <a:srgbClr val="484848"/>
-                </a:solidFill>
-                <a:latin typeface="Source Sans Pro"/>
-              </a:rPr>
-              <a:t>&lt;footer&gt;</a:t>
-            </a:r>
-            <a:r>
-              <a:rPr b="0" lang="de-AT" sz="2400" spc="-1" strike="noStrike">
-                <a:solidFill>
-                  <a:srgbClr val="484848"/>
-                </a:solidFill>
-                <a:latin typeface="Source Sans Pro"/>
-              </a:rPr>
-              <a:t> </a:t>
-            </a:r>
-            <a:endParaRPr b="0" lang="de-AT" sz="2400" spc="-1" strike="noStrike">
-              <a:solidFill>
-                <a:srgbClr val="484848"/>
-              </a:solidFill>
-              <a:latin typeface="Source Sans Pro"/>
-            </a:endParaRPr>
-          </a:p>
-        </p:txBody>
-      </p:sp>
-      <p:sp>
-        <p:nvSpPr>
-          <p:cNvPr id="89" name="PlaceHolder 5"/>
-          <p:cNvSpPr>
-            <a:spLocks noGrp="1"/>
-          </p:cNvSpPr>
-          <p:nvPr>
-            <p:ph type="sldNum"/>
-          </p:nvPr>
-        </p:nvSpPr>
-        <p:spPr>
-          <a:xfrm>
-            <a:off x="7650000" y="5130000"/>
-            <a:ext cx="1890000" cy="450000"/>
-          </a:xfrm>
-          <a:prstGeom prst="rect">
-            <a:avLst/>
-          </a:prstGeom>
-          <a:noFill/>
-          <a:ln w="0">
-            <a:noFill/>
-          </a:ln>
-        </p:spPr>
-        <p:txBody>
-          <a:bodyPr lIns="0" rIns="0" tIns="0" bIns="0" anchor="t">
-            <a:noAutofit/>
-          </a:bodyPr>
-          <a:p>
-            <a:pPr algn="r"/>
-            <a:fld id="{578DE39D-41B3-4F23-9926-0092CCA626D2}" type="slidenum">
-              <a:rPr b="0" lang="de-AT" sz="2400" spc="-1" strike="noStrike">
-                <a:solidFill>
-                  <a:srgbClr val="484848"/>
-                </a:solidFill>
-                <a:latin typeface="Source Sans Pro"/>
-              </a:rPr>
-              <a:t>&lt;number&gt;</a:t>
-            </a:fld>
-            <a:r>
-              <a:rPr b="0" lang="de-AT" sz="2400" spc="-1" strike="noStrike">
-                <a:solidFill>
-                  <a:srgbClr val="484848"/>
-                </a:solidFill>
-                <a:latin typeface="Source Sans Pro"/>
-              </a:rPr>
-              <a:t> </a:t>
-            </a:r>
-            <a:endParaRPr b="0" lang="de-AT" sz="2400" spc="-1" strike="noStrike">
-              <a:solidFill>
-                <a:srgbClr val="484848"/>
-              </a:solidFill>
-              <a:latin typeface="Source Sans Pro"/>
-            </a:endParaRPr>
-          </a:p>
-        </p:txBody>
-      </p:sp>
-      <p:sp>
-        <p:nvSpPr>
-          <p:cNvPr id="90" name=""/>
+          <p:cNvPr id="79" name=""/>
           <p:cNvSpPr/>
           <p:nvPr/>
         </p:nvSpPr>
         <p:spPr>
           <a:xfrm>
             <a:off x="0" y="5580000"/>
-            <a:ext cx="10080000" cy="90000"/>
+            <a:ext cx="10079640" cy="89640"/>
           </a:xfrm>
           <a:prstGeom prst="rect">
             <a:avLst/>
@@ -6078,7 +5212,7 @@
             <a:noFill/>
           </a:ln>
           <a:effectLst>
-            <a:outerShdw dist="10800" dir="16200000" blurRad="0" rotWithShape="0">
+            <a:outerShdw blurRad="0" dir="16200000" dist="10800" rotWithShape="0">
               <a:srgbClr val="f49100"/>
             </a:outerShdw>
           </a:effectLst>
@@ -6089,6 +5223,230 @@
           <a:effectRef idx="0"/>
           <a:fontRef idx="minor"/>
         </p:style>
+      </p:sp>
+      <p:sp>
+        <p:nvSpPr>
+          <p:cNvPr id="80" name="PlaceHolder 1"/>
+          <p:cNvSpPr>
+            <a:spLocks noGrp="1"/>
+          </p:cNvSpPr>
+          <p:nvPr>
+            <p:ph type="title"/>
+          </p:nvPr>
+        </p:nvSpPr>
+        <p:spPr>
+          <a:xfrm>
+            <a:off x="504000" y="226080"/>
+            <a:ext cx="9072000" cy="946440"/>
+          </a:xfrm>
+          <a:prstGeom prst="rect">
+            <a:avLst/>
+          </a:prstGeom>
+          <a:noFill/>
+          <a:ln w="0">
+            <a:noFill/>
+          </a:ln>
+        </p:spPr>
+        <p:txBody>
+          <a:bodyPr lIns="0" rIns="0" tIns="0" bIns="0" anchor="ctr">
+            <a:noAutofit/>
+          </a:bodyPr>
+          <a:p>
+            <a:pPr algn="ctr"/>
+            <a:r>
+              <a:rPr b="0" lang="en-GB" sz="4400" spc="-1" strike="noStrike">
+                <a:latin typeface="Arial"/>
+              </a:rPr>
+              <a:t>Click to edit the title text format</a:t>
+            </a:r>
+            <a:endParaRPr b="0" lang="en-GB" sz="4400" spc="-1" strike="noStrike">
+              <a:latin typeface="Arial"/>
+            </a:endParaRPr>
+          </a:p>
+        </p:txBody>
+      </p:sp>
+      <p:sp>
+        <p:nvSpPr>
+          <p:cNvPr id="81" name="PlaceHolder 2"/>
+          <p:cNvSpPr>
+            <a:spLocks noGrp="1"/>
+          </p:cNvSpPr>
+          <p:nvPr>
+            <p:ph type="body"/>
+          </p:nvPr>
+        </p:nvSpPr>
+        <p:spPr>
+          <a:xfrm>
+            <a:off x="504000" y="1326600"/>
+            <a:ext cx="9072000" cy="3288600"/>
+          </a:xfrm>
+          <a:prstGeom prst="rect">
+            <a:avLst/>
+          </a:prstGeom>
+          <a:noFill/>
+          <a:ln w="0">
+            <a:noFill/>
+          </a:ln>
+        </p:spPr>
+        <p:txBody>
+          <a:bodyPr lIns="0" rIns="0" tIns="0" bIns="0" anchor="t">
+            <a:normAutofit/>
+          </a:bodyPr>
+          <a:p>
+            <a:pPr marL="432000" indent="-324000">
+              <a:spcBef>
+                <a:spcPts val="1417"/>
+              </a:spcBef>
+              <a:buClr>
+                <a:srgbClr val="000000"/>
+              </a:buClr>
+              <a:buSzPct val="45000"/>
+              <a:buFont typeface="Wingdings" charset="2"/>
+              <a:buChar char=""/>
+            </a:pPr>
+            <a:r>
+              <a:rPr b="0" lang="en-GB" sz="3200" spc="-1" strike="noStrike">
+                <a:latin typeface="Arial"/>
+              </a:rPr>
+              <a:t>Click to edit the outline text format</a:t>
+            </a:r>
+            <a:endParaRPr b="0" lang="en-GB" sz="3200" spc="-1" strike="noStrike">
+              <a:latin typeface="Arial"/>
+            </a:endParaRPr>
+          </a:p>
+          <a:p>
+            <a:pPr lvl="1" marL="864000" indent="-324000">
+              <a:spcBef>
+                <a:spcPts val="1134"/>
+              </a:spcBef>
+              <a:buClr>
+                <a:srgbClr val="000000"/>
+              </a:buClr>
+              <a:buSzPct val="75000"/>
+              <a:buFont typeface="Symbol" charset="2"/>
+              <a:buChar char=""/>
+            </a:pPr>
+            <a:r>
+              <a:rPr b="0" lang="en-GB" sz="2800" spc="-1" strike="noStrike">
+                <a:latin typeface="Arial"/>
+              </a:rPr>
+              <a:t>Second Outline Level</a:t>
+            </a:r>
+            <a:endParaRPr b="0" lang="en-GB" sz="2800" spc="-1" strike="noStrike">
+              <a:latin typeface="Arial"/>
+            </a:endParaRPr>
+          </a:p>
+          <a:p>
+            <a:pPr lvl="2" marL="1296000" indent="-288000">
+              <a:spcBef>
+                <a:spcPts val="850"/>
+              </a:spcBef>
+              <a:buClr>
+                <a:srgbClr val="000000"/>
+              </a:buClr>
+              <a:buSzPct val="45000"/>
+              <a:buFont typeface="Wingdings" charset="2"/>
+              <a:buChar char=""/>
+            </a:pPr>
+            <a:r>
+              <a:rPr b="0" lang="en-GB" sz="2400" spc="-1" strike="noStrike">
+                <a:latin typeface="Arial"/>
+              </a:rPr>
+              <a:t>Third Outline Level</a:t>
+            </a:r>
+            <a:endParaRPr b="0" lang="en-GB" sz="2400" spc="-1" strike="noStrike">
+              <a:latin typeface="Arial"/>
+            </a:endParaRPr>
+          </a:p>
+          <a:p>
+            <a:pPr lvl="3" marL="1728000" indent="-216000">
+              <a:spcBef>
+                <a:spcPts val="567"/>
+              </a:spcBef>
+              <a:buClr>
+                <a:srgbClr val="000000"/>
+              </a:buClr>
+              <a:buSzPct val="75000"/>
+              <a:buFont typeface="Symbol" charset="2"/>
+              <a:buChar char=""/>
+            </a:pPr>
+            <a:r>
+              <a:rPr b="0" lang="en-GB" sz="2000" spc="-1" strike="noStrike">
+                <a:latin typeface="Arial"/>
+              </a:rPr>
+              <a:t>Fourth Outline Level</a:t>
+            </a:r>
+            <a:endParaRPr b="0" lang="en-GB" sz="2000" spc="-1" strike="noStrike">
+              <a:latin typeface="Arial"/>
+            </a:endParaRPr>
+          </a:p>
+          <a:p>
+            <a:pPr lvl="4" marL="2160000" indent="-216000">
+              <a:spcBef>
+                <a:spcPts val="283"/>
+              </a:spcBef>
+              <a:buClr>
+                <a:srgbClr val="000000"/>
+              </a:buClr>
+              <a:buSzPct val="45000"/>
+              <a:buFont typeface="Wingdings" charset="2"/>
+              <a:buChar char=""/>
+            </a:pPr>
+            <a:r>
+              <a:rPr b="0" lang="en-GB" sz="2000" spc="-1" strike="noStrike">
+                <a:latin typeface="Arial"/>
+              </a:rPr>
+              <a:t>Fifth Outline Level</a:t>
+            </a:r>
+            <a:endParaRPr b="0" lang="en-GB" sz="2000" spc="-1" strike="noStrike">
+              <a:latin typeface="Arial"/>
+            </a:endParaRPr>
+          </a:p>
+          <a:p>
+            <a:pPr lvl="5" marL="2592000" indent="-216000">
+              <a:spcBef>
+                <a:spcPts val="283"/>
+              </a:spcBef>
+              <a:buClr>
+                <a:srgbClr val="000000"/>
+              </a:buClr>
+              <a:buSzPct val="45000"/>
+              <a:buFont typeface="Wingdings" charset="2"/>
+              <a:buChar char=""/>
+            </a:pPr>
+            <a:r>
+              <a:rPr b="0" lang="en-GB" sz="2000" spc="-1" strike="noStrike">
+                <a:latin typeface="Arial"/>
+              </a:rPr>
+              <a:t>Sixth Outline Level</a:t>
+            </a:r>
+            <a:endParaRPr b="0" lang="en-GB" sz="2000" spc="-1" strike="noStrike">
+              <a:latin typeface="Arial"/>
+            </a:endParaRPr>
+          </a:p>
+          <a:p>
+            <a:pPr lvl="6" marL="3024000" indent="-216000">
+              <a:spcBef>
+                <a:spcPts val="283"/>
+              </a:spcBef>
+              <a:buClr>
+                <a:srgbClr val="000000"/>
+              </a:buClr>
+              <a:buSzPct val="45000"/>
+              <a:buFont typeface="Wingdings" charset="2"/>
+              <a:buChar char=""/>
+            </a:pPr>
+            <a:r>
+              <a:rPr b="0" lang="en-GB" sz="2000" spc="-1" strike="noStrike">
+                <a:latin typeface="Arial"/>
+              </a:rPr>
+              <a:t>Seventh Outline Level</a:t>
+            </a:r>
+            <a:endParaRPr b="0" lang="en-GB" sz="2000" spc="-1" strike="noStrike">
+              <a:latin typeface="Arial"/>
+            </a:endParaRPr>
+          </a:p>
+        </p:txBody>
       </p:sp>
     </p:spTree>
   </p:cSld>
@@ -6137,7 +5495,7 @@
       </p:grpSpPr>
       <p:sp>
         <p:nvSpPr>
-          <p:cNvPr id="127" name="PlaceHolder 1"/>
+          <p:cNvPr id="118" name="PlaceHolder 1"/>
           <p:cNvSpPr>
             <a:spLocks noGrp="1"/>
           </p:cNvSpPr>
@@ -6148,7 +5506,7 @@
         <p:spPr>
           <a:xfrm>
             <a:off x="450000" y="270000"/>
-            <a:ext cx="9000000" cy="3240000"/>
+            <a:ext cx="8999640" cy="3239640"/>
           </a:xfrm>
           <a:prstGeom prst="rect">
             <a:avLst/>
@@ -6163,6 +5521,11 @@
             <a:normAutofit/>
           </a:bodyPr>
           <a:p>
+            <a:pPr>
+              <a:lnSpc>
+                <a:spcPct val="100000"/>
+              </a:lnSpc>
+            </a:pPr>
             <a:r>
               <a:rPr b="0" lang="de-AT" sz="6000" spc="-1" strike="noStrike">
                 <a:solidFill>
@@ -6182,18 +5545,15 @@
               </a:rPr>
               <a:t>Booking Application</a:t>
             </a:r>
-            <a:endParaRPr b="0" lang="de-AT" sz="6000" spc="-1" strike="noStrike">
-              <a:solidFill>
-                <a:srgbClr val="04617b"/>
-              </a:solidFill>
-              <a:latin typeface="Source Sans Pro Light"/>
-            </a:endParaRPr>
-          </a:p>
-        </p:txBody>
-      </p:sp>
-      <p:sp>
-        <p:nvSpPr>
-          <p:cNvPr id="128" name="PlaceHolder 2"/>
+            <a:endParaRPr b="0" lang="en-GB" sz="6000" spc="-1" strike="noStrike">
+              <a:latin typeface="Arial"/>
+            </a:endParaRPr>
+          </a:p>
+        </p:txBody>
+      </p:sp>
+      <p:sp>
+        <p:nvSpPr>
+          <p:cNvPr id="119" name="PlaceHolder 2"/>
           <p:cNvSpPr>
             <a:spLocks noGrp="1"/>
           </p:cNvSpPr>
@@ -6204,7 +5564,7 @@
         <p:spPr>
           <a:xfrm>
             <a:off x="450000" y="3870000"/>
-            <a:ext cx="9000000" cy="1170000"/>
+            <a:ext cx="8999640" cy="1169640"/>
           </a:xfrm>
           <a:prstGeom prst="rect">
             <a:avLst/>
@@ -6219,6 +5579,11 @@
             <a:noAutofit/>
           </a:bodyPr>
           <a:p>
+            <a:pPr>
+              <a:lnSpc>
+                <a:spcPct val="100000"/>
+              </a:lnSpc>
+            </a:pPr>
             <a:r>
               <a:rPr b="1" lang="de-AT" sz="3600" spc="-1" strike="noStrike">
                 <a:solidFill>
@@ -6228,17 +5593,22 @@
               </a:rPr>
               <a:t>Technical Presentation</a:t>
             </a:r>
-            <a:endParaRPr b="1" lang="de-AT" sz="3600" spc="-1" strike="noStrike">
-              <a:solidFill>
-                <a:srgbClr val="dbf5f9"/>
-              </a:solidFill>
-              <a:latin typeface="Source Sans Pro"/>
+            <a:endParaRPr b="0" lang="en-GB" sz="3600" spc="-1" strike="noStrike">
+              <a:latin typeface="Arial"/>
             </a:endParaRPr>
           </a:p>
         </p:txBody>
       </p:sp>
     </p:spTree>
   </p:cSld>
+  <mc:AlternateContent>
+    <mc:Choice Requires="p14">
+      <p:transition spd="slow" p14:dur="2000"/>
+    </mc:Choice>
+    <mc:Fallback>
+      <p:transition spd="slow"/>
+    </mc:Fallback>
+  </mc:AlternateContent>
 </p:sld>
 </file>
 
@@ -6269,7 +5639,7 @@
       </p:grpSpPr>
       <p:sp>
         <p:nvSpPr>
-          <p:cNvPr id="144" name="PlaceHolder 1"/>
+          <p:cNvPr id="135" name="PlaceHolder 1"/>
           <p:cNvSpPr>
             <a:spLocks noGrp="1"/>
           </p:cNvSpPr>
@@ -6280,7 +5650,7 @@
         <p:spPr>
           <a:xfrm>
             <a:off x="502920" y="90720"/>
-            <a:ext cx="9071640" cy="946800"/>
+            <a:ext cx="9071280" cy="946440"/>
           </a:xfrm>
           <a:prstGeom prst="rect">
             <a:avLst/>
@@ -6295,6 +5665,11 @@
             <a:normAutofit/>
           </a:bodyPr>
           <a:p>
+            <a:pPr>
+              <a:lnSpc>
+                <a:spcPct val="100000"/>
+              </a:lnSpc>
+            </a:pPr>
             <a:r>
               <a:rPr b="0" lang="de-AT" sz="4500" spc="-1" strike="noStrike">
                 <a:solidFill>
@@ -6302,20 +5677,17 @@
                 </a:solidFill>
                 <a:latin typeface="Source Sans Pro Light"/>
               </a:rPr>
-              <a:t>Exception Handling</a:t>
-            </a:r>
-            <a:endParaRPr b="0" lang="de-AT" sz="4500" spc="-1" strike="noStrike">
-              <a:solidFill>
-                <a:srgbClr val="ffffff"/>
-              </a:solidFill>
-              <a:latin typeface="Source Sans Pro Light"/>
-            </a:endParaRPr>
-          </a:p>
-        </p:txBody>
-      </p:sp>
-      <p:sp>
-        <p:nvSpPr>
-          <p:cNvPr id="145" name="PlaceHolder 2"/>
+              <a:t>Test Driven Development</a:t>
+            </a:r>
+            <a:endParaRPr b="0" lang="en-GB" sz="4500" spc="-1" strike="noStrike">
+              <a:latin typeface="Arial"/>
+            </a:endParaRPr>
+          </a:p>
+        </p:txBody>
+      </p:sp>
+      <p:sp>
+        <p:nvSpPr>
+          <p:cNvPr id="136" name="PlaceHolder 2"/>
           <p:cNvSpPr>
             <a:spLocks noGrp="1"/>
           </p:cNvSpPr>
@@ -6326,7 +5698,7 @@
         <p:spPr>
           <a:xfrm>
             <a:off x="502920" y="1440000"/>
-            <a:ext cx="9021960" cy="3497760"/>
+            <a:ext cx="9021600" cy="3497400"/>
           </a:xfrm>
           <a:prstGeom prst="rect">
             <a:avLst/>
@@ -6342,6 +5714,9 @@
           </a:bodyPr>
           <a:p>
             <a:pPr marL="432000" indent="-324000">
+              <a:lnSpc>
+                <a:spcPct val="100000"/>
+              </a:lnSpc>
               <a:spcAft>
                 <a:spcPts val="1054"/>
               </a:spcAft>
@@ -6356,26 +5731,17 @@
               <a:rPr b="0" lang="de-AT" sz="2400" spc="-1" strike="noStrike">
                 <a:latin typeface="Source Sans Pro"/>
               </a:rPr>
-              <a:t>Backend provides FrontEnd with an ArrayList of </a:t>
-            </a:r>
-            <a:r>
-              <a:rPr b="0" i="1" lang="de-AT" sz="2400" spc="-1" strike="noStrike">
-                <a:latin typeface="Source Sans Pro"/>
-              </a:rPr>
-              <a:t>Perofmance</a:t>
-            </a:r>
-            <a:r>
-              <a:rPr b="0" lang="de-AT" sz="2400" spc="-1" strike="noStrike">
-                <a:latin typeface="Source Sans Pro"/>
-              </a:rPr>
-              <a:t> objects when requested</a:t>
-            </a:r>
-            <a:endParaRPr b="0" lang="de-AT" sz="2400" spc="-1" strike="noStrike">
-              <a:latin typeface="Source Sans Pro"/>
+              <a:t>Searches and SQL queries were put together within MySQL Workbench on a test Database with known results</a:t>
+            </a:r>
+            <a:endParaRPr b="0" lang="en-GB" sz="2400" spc="-1" strike="noStrike">
+              <a:latin typeface="Arial"/>
             </a:endParaRPr>
           </a:p>
           <a:p>
             <a:pPr marL="432000" indent="-324000">
+              <a:lnSpc>
+                <a:spcPct val="100000"/>
+              </a:lnSpc>
               <a:spcAft>
                 <a:spcPts val="1054"/>
               </a:spcAft>
@@ -6390,14 +5756,29 @@
               <a:rPr b="0" lang="de-AT" sz="2400" spc="-1" strike="noStrike">
                 <a:latin typeface="Source Sans Pro"/>
               </a:rPr>
-              <a:t>Backend never returns a null object, instead if a search is invalid an Empty ArrayList is returned</a:t>
-            </a:r>
-            <a:endParaRPr b="0" lang="de-AT" sz="2400" spc="-1" strike="noStrike">
-              <a:latin typeface="Source Sans Pro"/>
+              <a:t>Query moved into Java, and then tested with a </a:t>
+            </a:r>
+            <a:r>
+              <a:rPr b="0" i="1" lang="de-AT" sz="2400" spc="-1" strike="noStrike">
+                <a:latin typeface="Source Sans Pro"/>
+              </a:rPr>
+              <a:t>BackendTester</a:t>
+            </a:r>
+            <a:r>
+              <a:rPr b="0" lang="de-AT" sz="2400" spc="-1" strike="noStrike">
+                <a:latin typeface="Source Sans Pro"/>
+              </a:rPr>
+              <a:t> class</a:t>
+            </a:r>
+            <a:endParaRPr b="0" lang="en-GB" sz="2400" spc="-1" strike="noStrike">
+              <a:latin typeface="Arial"/>
             </a:endParaRPr>
           </a:p>
           <a:p>
             <a:pPr marL="432000" indent="-324000">
+              <a:lnSpc>
+                <a:spcPct val="100000"/>
+              </a:lnSpc>
               <a:spcAft>
                 <a:spcPts val="1054"/>
               </a:spcAft>
@@ -6409,17 +5790,26 @@
               <a:buChar char=""/>
             </a:pPr>
             <a:r>
+              <a:rPr b="0" i="1" lang="de-AT" sz="2400" spc="-1" strike="noStrike">
+                <a:latin typeface="Source Sans Pro"/>
+              </a:rPr>
+              <a:t>BackendTester</a:t>
+            </a:r>
+            <a:r>
               <a:rPr b="0" lang="de-AT" sz="2400" spc="-1" strike="noStrike">
                 <a:latin typeface="Source Sans Pro"/>
               </a:rPr>
-              <a:t>No exceptions from erroneous searches, PreparedStatements prevent from type mismatches</a:t>
-            </a:r>
-            <a:endParaRPr b="0" lang="de-AT" sz="2400" spc="-1" strike="noStrike">
-              <a:latin typeface="Source Sans Pro"/>
+              <a:t> was used to pull raw data from the Backend and simulate a Frontend making a request without having to consider formatting or presentation</a:t>
+            </a:r>
+            <a:endParaRPr b="0" lang="en-GB" sz="2400" spc="-1" strike="noStrike">
+              <a:latin typeface="Arial"/>
             </a:endParaRPr>
           </a:p>
           <a:p>
             <a:pPr marL="432000" indent="-324000">
+              <a:lnSpc>
+                <a:spcPct val="100000"/>
+              </a:lnSpc>
               <a:spcAft>
                 <a:spcPts val="1054"/>
               </a:spcAft>
@@ -6434,30 +5824,30 @@
               <a:rPr b="0" lang="de-AT" sz="2400" spc="-1" strike="noStrike">
                 <a:latin typeface="Source Sans Pro"/>
               </a:rPr>
-              <a:t>Empty search results are displayed instead of an application crashing</a:t>
-            </a:r>
-            <a:endParaRPr b="0" lang="de-AT" sz="2400" spc="-1" strike="noStrike">
-              <a:latin typeface="Source Sans Pro"/>
+              <a:t>UnitTests were used for the development of the UserValidation and String formatting aspects of the project</a:t>
+            </a:r>
+            <a:endParaRPr b="0" lang="en-GB" sz="2400" spc="-1" strike="noStrike">
+              <a:latin typeface="Arial"/>
             </a:endParaRPr>
           </a:p>
         </p:txBody>
       </p:sp>
     </p:spTree>
   </p:cSld>
+  <mc:AlternateContent>
+    <mc:Choice Requires="p14">
+      <p:transition spd="slow" p14:dur="2000"/>
+    </mc:Choice>
+    <mc:Fallback>
+      <p:transition spd="slow"/>
+    </mc:Fallback>
+  </mc:AlternateContent>
 </p:sld>
 </file>
 
 <file path=ppt/slides/slide11.xml><?xml version="1.0" encoding="utf-8"?>
 <p:sld xmlns:a="http://schemas.openxmlformats.org/drawingml/2006/main" xmlns:p="http://schemas.openxmlformats.org/presentationml/2006/main" xmlns:r="http://schemas.openxmlformats.org/officeDocument/2006/relationships" xmlns:p14="http://schemas.microsoft.com/office/powerpoint/2010/main" xmlns:p15="http://schemas.microsoft.com/office/powerpoint/2012/main" xmlns:mc="http://schemas.openxmlformats.org/markup-compatibility/2006">
   <p:cSld>
-    <p:bg>
-      <p:bgPr>
-        <a:blipFill rotWithShape="0">
-          <a:blip r:embed="rId1"/>
-          <a:stretch/>
-        </a:blipFill>
-      </p:bgPr>
-    </p:bg>
     <p:spTree>
       <p:nvGrpSpPr>
         <p:cNvPr id="1" name=""/>
@@ -6472,149 +5862,85 @@
           <a:chExt cx="0" cy="0"/>
         </a:xfrm>
       </p:grpSpPr>
-      <p:sp>
-        <p:nvSpPr>
-          <p:cNvPr id="146" name="PlaceHolder 1"/>
-          <p:cNvSpPr>
-            <a:spLocks noGrp="1"/>
-          </p:cNvSpPr>
-          <p:nvPr>
-            <p:ph type="title"/>
-          </p:nvPr>
-        </p:nvSpPr>
-        <p:spPr>
-          <a:xfrm>
-            <a:off x="502920" y="90720"/>
-            <a:ext cx="9071640" cy="946800"/>
-          </a:xfrm>
-          <a:prstGeom prst="rect">
-            <a:avLst/>
-          </a:prstGeom>
-          <a:noFill/>
-          <a:ln w="0">
-            <a:noFill/>
-          </a:ln>
-        </p:spPr>
-        <p:txBody>
-          <a:bodyPr lIns="0" rIns="0" tIns="0" bIns="0" anchor="b">
-            <a:normAutofit/>
-          </a:bodyPr>
-          <a:p>
-            <a:r>
-              <a:rPr b="0" lang="de-AT" sz="4500" spc="-1" strike="noStrike">
-                <a:solidFill>
-                  <a:srgbClr val="ffffff"/>
-                </a:solidFill>
-                <a:latin typeface="Source Sans Pro Light"/>
-              </a:rPr>
-              <a:t>Test and Debug</a:t>
-            </a:r>
-            <a:endParaRPr b="0" lang="de-AT" sz="4500" spc="-1" strike="noStrike">
-              <a:solidFill>
-                <a:srgbClr val="ffffff"/>
-              </a:solidFill>
-              <a:latin typeface="Source Sans Pro Light"/>
-            </a:endParaRPr>
-          </a:p>
-        </p:txBody>
-      </p:sp>
-      <p:sp>
-        <p:nvSpPr>
-          <p:cNvPr id="147" name="PlaceHolder 2"/>
-          <p:cNvSpPr>
-            <a:spLocks noGrp="1"/>
-          </p:cNvSpPr>
-          <p:nvPr>
-            <p:ph/>
-          </p:nvPr>
-        </p:nvSpPr>
-        <p:spPr>
-          <a:xfrm>
-            <a:off x="502920" y="1440000"/>
-            <a:ext cx="9021960" cy="3497760"/>
-          </a:xfrm>
-          <a:prstGeom prst="rect">
-            <a:avLst/>
-          </a:prstGeom>
-          <a:noFill/>
-          <a:ln w="0">
-            <a:noFill/>
-          </a:ln>
-        </p:spPr>
-        <p:txBody>
-          <a:bodyPr lIns="0" rIns="0" tIns="0" bIns="0" anchor="t">
-            <a:normAutofit/>
-          </a:bodyPr>
-          <a:p>
-            <a:pPr marL="432000" indent="-324000">
-              <a:spcAft>
-                <a:spcPts val="1054"/>
-              </a:spcAft>
-              <a:buClr>
-                <a:srgbClr val="009eda"/>
-              </a:buClr>
-              <a:buSzPct val="45000"/>
-              <a:buFont typeface="Wingdings" charset="2"/>
-              <a:buChar char=""/>
-            </a:pPr>
-            <a:r>
-              <a:rPr b="0" lang="de-AT" sz="2400" spc="-1" strike="noStrike">
-                <a:latin typeface="Source Sans Pro"/>
-              </a:rPr>
-              <a:t>Unused Branch made for each milestone</a:t>
-            </a:r>
-            <a:endParaRPr b="0" lang="de-AT" sz="2400" spc="-1" strike="noStrike">
-              <a:latin typeface="Source Sans Pro"/>
-            </a:endParaRPr>
-          </a:p>
-          <a:p>
-            <a:pPr marL="432000" indent="-324000">
-              <a:spcAft>
-                <a:spcPts val="1054"/>
-              </a:spcAft>
-              <a:buClr>
-                <a:srgbClr val="009eda"/>
-              </a:buClr>
-              <a:buSzPct val="45000"/>
-              <a:buFont typeface="Wingdings" charset="2"/>
-              <a:buChar char=""/>
-            </a:pPr>
-            <a:r>
-              <a:rPr b="0" lang="de-AT" sz="2400" spc="-1" strike="noStrike">
-                <a:latin typeface="Source Sans Pro"/>
-              </a:rPr>
-              <a:t>Live test and demo of application on a Slack call prior to milestone being agreed as complete</a:t>
-            </a:r>
-            <a:endParaRPr b="0" lang="de-AT" sz="2400" spc="-1" strike="noStrike">
-              <a:latin typeface="Source Sans Pro"/>
-            </a:endParaRPr>
-          </a:p>
-          <a:p>
-            <a:pPr marL="432000" indent="-324000">
-              <a:spcAft>
-                <a:spcPts val="1054"/>
-              </a:spcAft>
-              <a:buClr>
-                <a:srgbClr val="009eda"/>
-              </a:buClr>
-              <a:buSzPct val="45000"/>
-              <a:buFont typeface="Wingdings" charset="2"/>
-              <a:buChar char=""/>
-            </a:pPr>
-            <a:r>
-              <a:rPr b="0" lang="de-AT" sz="2400" spc="-1" strike="noStrike">
-                <a:latin typeface="Source Sans Pro"/>
-              </a:rPr>
-              <a:t>Bugs found were first replicated then debugged using debugging tools (Stepping through and into the code, and using Watches)</a:t>
-            </a:r>
-            <a:endParaRPr b="0" lang="de-AT" sz="2400" spc="-1" strike="noStrike">
-              <a:latin typeface="Source Sans Pro"/>
-            </a:endParaRPr>
-          </a:p>
-        </p:txBody>
-      </p:sp>
+      <p:pic>
+        <p:nvPicPr>
+          <p:cNvPr id="137" name="" descr=""/>
+          <p:cNvPicPr/>
+          <p:nvPr/>
+        </p:nvPicPr>
+        <p:blipFill>
+          <a:blip r:embed="rId1"/>
+          <a:stretch/>
+        </p:blipFill>
+        <p:spPr>
+          <a:xfrm>
+            <a:off x="153360" y="1080000"/>
+            <a:ext cx="3986280" cy="4398840"/>
+          </a:xfrm>
+          <a:prstGeom prst="rect">
+            <a:avLst/>
+          </a:prstGeom>
+          <a:ln w="18000">
+            <a:noFill/>
+          </a:ln>
+        </p:spPr>
+      </p:pic>
+      <p:pic>
+        <p:nvPicPr>
+          <p:cNvPr id="138" name="" descr=""/>
+          <p:cNvPicPr/>
+          <p:nvPr/>
+        </p:nvPicPr>
+        <p:blipFill>
+          <a:blip r:embed="rId2"/>
+          <a:stretch/>
+        </p:blipFill>
+        <p:spPr>
+          <a:xfrm>
+            <a:off x="5100840" y="1620000"/>
+            <a:ext cx="4798800" cy="3779640"/>
+          </a:xfrm>
+          <a:prstGeom prst="rect">
+            <a:avLst/>
+          </a:prstGeom>
+          <a:ln w="18000">
+            <a:noFill/>
+          </a:ln>
+        </p:spPr>
+      </p:pic>
+      <p:pic>
+        <p:nvPicPr>
+          <p:cNvPr id="139" name="" descr=""/>
+          <p:cNvPicPr/>
+          <p:nvPr/>
+        </p:nvPicPr>
+        <p:blipFill>
+          <a:blip r:embed="rId3"/>
+          <a:stretch/>
+        </p:blipFill>
+        <p:spPr>
+          <a:xfrm>
+            <a:off x="3060000" y="285480"/>
+            <a:ext cx="3418200" cy="4394160"/>
+          </a:xfrm>
+          <a:prstGeom prst="rect">
+            <a:avLst/>
+          </a:prstGeom>
+          <a:ln w="18000">
+            <a:noFill/>
+          </a:ln>
+        </p:spPr>
+      </p:pic>
     </p:spTree>
   </p:cSld>
+  <mc:AlternateContent>
+    <mc:Choice Requires="p14">
+      <p:transition spd="slow" p14:dur="2000"/>
+    </mc:Choice>
+    <mc:Fallback>
+      <p:transition spd="slow"/>
+    </mc:Fallback>
+  </mc:AlternateContent>
 </p:sld>
 </file>
 
@@ -6645,7 +5971,7 @@
       </p:grpSpPr>
       <p:sp>
         <p:nvSpPr>
-          <p:cNvPr id="148" name="PlaceHolder 1"/>
+          <p:cNvPr id="140" name="PlaceHolder 1"/>
           <p:cNvSpPr>
             <a:spLocks noGrp="1"/>
           </p:cNvSpPr>
@@ -6656,7 +5982,7 @@
         <p:spPr>
           <a:xfrm>
             <a:off x="502920" y="90720"/>
-            <a:ext cx="9071640" cy="946800"/>
+            <a:ext cx="9071280" cy="946440"/>
           </a:xfrm>
           <a:prstGeom prst="rect">
             <a:avLst/>
@@ -6671,6 +5997,11 @@
             <a:normAutofit/>
           </a:bodyPr>
           <a:p>
+            <a:pPr>
+              <a:lnSpc>
+                <a:spcPct val="100000"/>
+              </a:lnSpc>
+            </a:pPr>
             <a:r>
               <a:rPr b="0" lang="de-AT" sz="4500" spc="-1" strike="noStrike">
                 <a:solidFill>
@@ -6678,20 +6009,17 @@
                 </a:solidFill>
                 <a:latin typeface="Source Sans Pro Light"/>
               </a:rPr>
-              <a:t>Challenges and Improvements</a:t>
-            </a:r>
-            <a:endParaRPr b="0" lang="de-AT" sz="4500" spc="-1" strike="noStrike">
-              <a:solidFill>
-                <a:srgbClr val="ffffff"/>
-              </a:solidFill>
-              <a:latin typeface="Source Sans Pro Light"/>
-            </a:endParaRPr>
-          </a:p>
-        </p:txBody>
-      </p:sp>
-      <p:sp>
-        <p:nvSpPr>
-          <p:cNvPr id="149" name="PlaceHolder 2"/>
+              <a:t>Exception Handling</a:t>
+            </a:r>
+            <a:endParaRPr b="0" lang="en-GB" sz="4500" spc="-1" strike="noStrike">
+              <a:latin typeface="Arial"/>
+            </a:endParaRPr>
+          </a:p>
+        </p:txBody>
+      </p:sp>
+      <p:sp>
+        <p:nvSpPr>
+          <p:cNvPr id="141" name="PlaceHolder 2"/>
           <p:cNvSpPr>
             <a:spLocks noGrp="1"/>
           </p:cNvSpPr>
@@ -6702,7 +6030,7 @@
         <p:spPr>
           <a:xfrm>
             <a:off x="502920" y="1440000"/>
-            <a:ext cx="9021960" cy="3497760"/>
+            <a:ext cx="9021600" cy="3497400"/>
           </a:xfrm>
           <a:prstGeom prst="rect">
             <a:avLst/>
@@ -6718,6 +6046,9 @@
           </a:bodyPr>
           <a:p>
             <a:pPr marL="432000" indent="-324000">
+              <a:lnSpc>
+                <a:spcPct val="100000"/>
+              </a:lnSpc>
               <a:spcAft>
                 <a:spcPts val="1054"/>
               </a:spcAft>
@@ -6732,26 +6063,29 @@
               <a:rPr b="0" lang="de-AT" sz="2400" spc="-1" strike="noStrike">
                 <a:latin typeface="Source Sans Pro"/>
               </a:rPr>
-              <a:t>Basket was managed in the database, by inserting a record with a </a:t>
+              <a:t>Backend provides FrontEnd with an ArrayList of </a:t>
             </a:r>
             <a:r>
               <a:rPr b="0" i="1" lang="de-AT" sz="2400" spc="-1" strike="noStrike">
                 <a:latin typeface="Source Sans Pro"/>
               </a:rPr>
-              <a:t>basket</a:t>
+              <a:t>Perofmance</a:t>
             </a:r>
             <a:r>
               <a:rPr b="0" lang="de-AT" sz="2400" spc="-1" strike="noStrike">
                 <a:latin typeface="Source Sans Pro"/>
               </a:rPr>
-              <a:t> flag into the tickets table</a:t>
-            </a:r>
-            <a:endParaRPr b="0" lang="de-AT" sz="2400" spc="-1" strike="noStrike">
-              <a:latin typeface="Source Sans Pro"/>
+              <a:t> objects when requested</a:t>
+            </a:r>
+            <a:endParaRPr b="0" lang="en-GB" sz="2400" spc="-1" strike="noStrike">
+              <a:latin typeface="Arial"/>
             </a:endParaRPr>
           </a:p>
           <a:p>
             <a:pPr marL="432000" indent="-324000">
+              <a:lnSpc>
+                <a:spcPct val="100000"/>
+              </a:lnSpc>
               <a:spcAft>
                 <a:spcPts val="1054"/>
               </a:spcAft>
@@ -6766,26 +6100,17 @@
               <a:rPr b="0" lang="de-AT" sz="2400" spc="-1" strike="noStrike">
                 <a:latin typeface="Source Sans Pro"/>
               </a:rPr>
-              <a:t>Retrieving a basket queried the database to obtain </a:t>
-            </a:r>
-            <a:r>
-              <a:rPr b="0" i="1" lang="de-AT" sz="2400" spc="-1" strike="noStrike">
-                <a:latin typeface="Source Sans Pro"/>
-              </a:rPr>
-              <a:t>basket</a:t>
-            </a:r>
-            <a:r>
-              <a:rPr b="0" lang="de-AT" sz="2400" spc="-1" strike="noStrike">
-                <a:latin typeface="Source Sans Pro"/>
-              </a:rPr>
-              <a:t> tickets for a given UserID</a:t>
-            </a:r>
-            <a:endParaRPr b="0" lang="de-AT" sz="2400" spc="-1" strike="noStrike">
-              <a:latin typeface="Source Sans Pro"/>
+              <a:t>Backend never returns a null object, instead if a search is invalid an Empty ArrayList is returned</a:t>
+            </a:r>
+            <a:endParaRPr b="0" lang="en-GB" sz="2400" spc="-1" strike="noStrike">
+              <a:latin typeface="Arial"/>
             </a:endParaRPr>
           </a:p>
           <a:p>
             <a:pPr marL="432000" indent="-324000">
+              <a:lnSpc>
+                <a:spcPct val="100000"/>
+              </a:lnSpc>
               <a:spcAft>
                 <a:spcPts val="1054"/>
               </a:spcAft>
@@ -6800,14 +6125,17 @@
               <a:rPr b="0" lang="de-AT" sz="2400" spc="-1" strike="noStrike">
                 <a:latin typeface="Source Sans Pro"/>
               </a:rPr>
-              <a:t>Difficult to balance performance and Basket integrity</a:t>
-            </a:r>
-            <a:endParaRPr b="0" lang="de-AT" sz="2400" spc="-1" strike="noStrike">
-              <a:latin typeface="Source Sans Pro"/>
+              <a:t>No exceptions from erroneous searches, PreparedStatements prevent from type mismatches</a:t>
+            </a:r>
+            <a:endParaRPr b="0" lang="en-GB" sz="2400" spc="-1" strike="noStrike">
+              <a:latin typeface="Arial"/>
             </a:endParaRPr>
           </a:p>
           <a:p>
             <a:pPr marL="432000" indent="-324000">
+              <a:lnSpc>
+                <a:spcPct val="100000"/>
+              </a:lnSpc>
               <a:spcAft>
                 <a:spcPts val="1054"/>
               </a:spcAft>
@@ -6822,16 +6150,578 @@
               <a:rPr b="0" lang="de-AT" sz="2400" spc="-1" strike="noStrike">
                 <a:latin typeface="Source Sans Pro"/>
               </a:rPr>
-              <a:t>With a standalone backend being connected to multiple clients.  Baskets could be handled entirely by the backend minimising database queries</a:t>
-            </a:r>
-            <a:endParaRPr b="0" lang="de-AT" sz="2400" spc="-1" strike="noStrike">
-              <a:latin typeface="Source Sans Pro"/>
+              <a:t>Empty search results are displayed instead of an application crashing</a:t>
+            </a:r>
+            <a:endParaRPr b="0" lang="en-GB" sz="2400" spc="-1" strike="noStrike">
+              <a:latin typeface="Arial"/>
             </a:endParaRPr>
           </a:p>
         </p:txBody>
       </p:sp>
     </p:spTree>
   </p:cSld>
+  <mc:AlternateContent>
+    <mc:Choice Requires="p14">
+      <p:transition spd="slow" p14:dur="2000"/>
+    </mc:Choice>
+    <mc:Fallback>
+      <p:transition spd="slow"/>
+    </mc:Fallback>
+  </mc:AlternateContent>
+</p:sld>
+</file>
+
+<file path=ppt/slides/slide13.xml><?xml version="1.0" encoding="utf-8"?>
+<p:sld xmlns:a="http://schemas.openxmlformats.org/drawingml/2006/main" xmlns:p="http://schemas.openxmlformats.org/presentationml/2006/main" xmlns:r="http://schemas.openxmlformats.org/officeDocument/2006/relationships" xmlns:p14="http://schemas.microsoft.com/office/powerpoint/2010/main" xmlns:p15="http://schemas.microsoft.com/office/powerpoint/2012/main" xmlns:mc="http://schemas.openxmlformats.org/markup-compatibility/2006">
+  <p:cSld>
+    <p:bg>
+      <p:bgPr>
+        <a:blipFill rotWithShape="0">
+          <a:blip r:embed="rId1"/>
+          <a:stretch/>
+        </a:blipFill>
+      </p:bgPr>
+    </p:bg>
+    <p:spTree>
+      <p:nvGrpSpPr>
+        <p:cNvPr id="1" name=""/>
+        <p:cNvGrpSpPr/>
+        <p:nvPr/>
+      </p:nvGrpSpPr>
+      <p:grpSpPr>
+        <a:xfrm>
+          <a:off x="0" y="0"/>
+          <a:ext cx="0" cy="0"/>
+          <a:chOff x="0" y="0"/>
+          <a:chExt cx="0" cy="0"/>
+        </a:xfrm>
+      </p:grpSpPr>
+      <p:sp>
+        <p:nvSpPr>
+          <p:cNvPr id="142" name="PlaceHolder 1"/>
+          <p:cNvSpPr>
+            <a:spLocks noGrp="1"/>
+          </p:cNvSpPr>
+          <p:nvPr>
+            <p:ph type="title"/>
+          </p:nvPr>
+        </p:nvSpPr>
+        <p:spPr>
+          <a:xfrm>
+            <a:off x="502920" y="90720"/>
+            <a:ext cx="9071280" cy="946440"/>
+          </a:xfrm>
+          <a:prstGeom prst="rect">
+            <a:avLst/>
+          </a:prstGeom>
+          <a:noFill/>
+          <a:ln w="0">
+            <a:noFill/>
+          </a:ln>
+        </p:spPr>
+        <p:txBody>
+          <a:bodyPr lIns="0" rIns="0" tIns="0" bIns="0" anchor="b">
+            <a:normAutofit/>
+          </a:bodyPr>
+          <a:p>
+            <a:pPr>
+              <a:lnSpc>
+                <a:spcPct val="100000"/>
+              </a:lnSpc>
+            </a:pPr>
+            <a:r>
+              <a:rPr b="0" lang="de-AT" sz="4500" spc="-1" strike="noStrike">
+                <a:solidFill>
+                  <a:srgbClr val="ffffff"/>
+                </a:solidFill>
+                <a:latin typeface="Source Sans Pro Light"/>
+              </a:rPr>
+              <a:t>Test and Debug</a:t>
+            </a:r>
+            <a:endParaRPr b="0" lang="en-GB" sz="4500" spc="-1" strike="noStrike">
+              <a:latin typeface="Arial"/>
+            </a:endParaRPr>
+          </a:p>
+        </p:txBody>
+      </p:sp>
+      <p:sp>
+        <p:nvSpPr>
+          <p:cNvPr id="143" name="PlaceHolder 2"/>
+          <p:cNvSpPr>
+            <a:spLocks noGrp="1"/>
+          </p:cNvSpPr>
+          <p:nvPr>
+            <p:ph/>
+          </p:nvPr>
+        </p:nvSpPr>
+        <p:spPr>
+          <a:xfrm>
+            <a:off x="502920" y="1440000"/>
+            <a:ext cx="9021600" cy="3497400"/>
+          </a:xfrm>
+          <a:prstGeom prst="rect">
+            <a:avLst/>
+          </a:prstGeom>
+          <a:noFill/>
+          <a:ln w="0">
+            <a:noFill/>
+          </a:ln>
+        </p:spPr>
+        <p:txBody>
+          <a:bodyPr lIns="0" rIns="0" tIns="0" bIns="0" anchor="t">
+            <a:normAutofit/>
+          </a:bodyPr>
+          <a:p>
+            <a:pPr marL="432000" indent="-324000">
+              <a:lnSpc>
+                <a:spcPct val="100000"/>
+              </a:lnSpc>
+              <a:spcAft>
+                <a:spcPts val="1054"/>
+              </a:spcAft>
+              <a:buClr>
+                <a:srgbClr val="009eda"/>
+              </a:buClr>
+              <a:buSzPct val="45000"/>
+              <a:buFont typeface="Wingdings" charset="2"/>
+              <a:buChar char=""/>
+            </a:pPr>
+            <a:r>
+              <a:rPr b="0" lang="de-AT" sz="2400" spc="-1" strike="noStrike">
+                <a:latin typeface="Source Sans Pro"/>
+              </a:rPr>
+              <a:t>Unused Branch made for each milestone</a:t>
+            </a:r>
+            <a:endParaRPr b="0" lang="en-GB" sz="2400" spc="-1" strike="noStrike">
+              <a:latin typeface="Arial"/>
+            </a:endParaRPr>
+          </a:p>
+          <a:p>
+            <a:pPr marL="432000" indent="-324000">
+              <a:lnSpc>
+                <a:spcPct val="100000"/>
+              </a:lnSpc>
+              <a:spcAft>
+                <a:spcPts val="1054"/>
+              </a:spcAft>
+              <a:buClr>
+                <a:srgbClr val="009eda"/>
+              </a:buClr>
+              <a:buSzPct val="45000"/>
+              <a:buFont typeface="Wingdings" charset="2"/>
+              <a:buChar char=""/>
+            </a:pPr>
+            <a:r>
+              <a:rPr b="0" lang="de-AT" sz="2400" spc="-1" strike="noStrike">
+                <a:latin typeface="Source Sans Pro"/>
+              </a:rPr>
+              <a:t>Live test and demo of application on a Slack call prior to milestone being agreed as complete</a:t>
+            </a:r>
+            <a:endParaRPr b="0" lang="en-GB" sz="2400" spc="-1" strike="noStrike">
+              <a:latin typeface="Arial"/>
+            </a:endParaRPr>
+          </a:p>
+          <a:p>
+            <a:pPr marL="432000" indent="-324000">
+              <a:lnSpc>
+                <a:spcPct val="100000"/>
+              </a:lnSpc>
+              <a:spcAft>
+                <a:spcPts val="1054"/>
+              </a:spcAft>
+              <a:buClr>
+                <a:srgbClr val="009eda"/>
+              </a:buClr>
+              <a:buSzPct val="45000"/>
+              <a:buFont typeface="Wingdings" charset="2"/>
+              <a:buChar char=""/>
+            </a:pPr>
+            <a:r>
+              <a:rPr b="0" lang="de-AT" sz="2400" spc="-1" strike="noStrike">
+                <a:latin typeface="Source Sans Pro"/>
+              </a:rPr>
+              <a:t>Bugs found were first replicated then debugged using debugging tools (Stepping through and into the code, and using Watches)</a:t>
+            </a:r>
+            <a:endParaRPr b="0" lang="en-GB" sz="2400" spc="-1" strike="noStrike">
+              <a:latin typeface="Arial"/>
+            </a:endParaRPr>
+          </a:p>
+        </p:txBody>
+      </p:sp>
+    </p:spTree>
+  </p:cSld>
+  <mc:AlternateContent>
+    <mc:Choice Requires="p14">
+      <p:transition spd="slow" p14:dur="2000"/>
+    </mc:Choice>
+    <mc:Fallback>
+      <p:transition spd="slow"/>
+    </mc:Fallback>
+  </mc:AlternateContent>
+</p:sld>
+</file>
+
+<file path=ppt/slides/slide14.xml><?xml version="1.0" encoding="utf-8"?>
+<p:sld xmlns:a="http://schemas.openxmlformats.org/drawingml/2006/main" xmlns:p="http://schemas.openxmlformats.org/presentationml/2006/main" xmlns:r="http://schemas.openxmlformats.org/officeDocument/2006/relationships" xmlns:p14="http://schemas.microsoft.com/office/powerpoint/2010/main" xmlns:p15="http://schemas.microsoft.com/office/powerpoint/2012/main" xmlns:mc="http://schemas.openxmlformats.org/markup-compatibility/2006">
+  <p:cSld>
+    <p:bg>
+      <p:bgPr>
+        <a:blipFill rotWithShape="0">
+          <a:blip r:embed="rId1"/>
+          <a:stretch/>
+        </a:blipFill>
+      </p:bgPr>
+    </p:bg>
+    <p:spTree>
+      <p:nvGrpSpPr>
+        <p:cNvPr id="1" name=""/>
+        <p:cNvGrpSpPr/>
+        <p:nvPr/>
+      </p:nvGrpSpPr>
+      <p:grpSpPr>
+        <a:xfrm>
+          <a:off x="0" y="0"/>
+          <a:ext cx="0" cy="0"/>
+          <a:chOff x="0" y="0"/>
+          <a:chExt cx="0" cy="0"/>
+        </a:xfrm>
+      </p:grpSpPr>
+      <p:sp>
+        <p:nvSpPr>
+          <p:cNvPr id="144" name="PlaceHolder 1"/>
+          <p:cNvSpPr>
+            <a:spLocks noGrp="1"/>
+          </p:cNvSpPr>
+          <p:nvPr>
+            <p:ph type="title"/>
+          </p:nvPr>
+        </p:nvSpPr>
+        <p:spPr>
+          <a:xfrm>
+            <a:off x="502920" y="90720"/>
+            <a:ext cx="9071280" cy="946440"/>
+          </a:xfrm>
+          <a:prstGeom prst="rect">
+            <a:avLst/>
+          </a:prstGeom>
+          <a:noFill/>
+          <a:ln w="0">
+            <a:noFill/>
+          </a:ln>
+        </p:spPr>
+        <p:txBody>
+          <a:bodyPr lIns="0" rIns="0" tIns="0" bIns="0" anchor="b">
+            <a:normAutofit/>
+          </a:bodyPr>
+          <a:p>
+            <a:pPr>
+              <a:lnSpc>
+                <a:spcPct val="100000"/>
+              </a:lnSpc>
+            </a:pPr>
+            <a:r>
+              <a:rPr b="0" lang="de-AT" sz="4500" spc="-1" strike="noStrike">
+                <a:solidFill>
+                  <a:srgbClr val="ffffff"/>
+                </a:solidFill>
+                <a:latin typeface="Source Sans Pro Light"/>
+              </a:rPr>
+              <a:t>Challenges and Improvements</a:t>
+            </a:r>
+            <a:endParaRPr b="0" lang="en-GB" sz="4500" spc="-1" strike="noStrike">
+              <a:latin typeface="Arial"/>
+            </a:endParaRPr>
+          </a:p>
+        </p:txBody>
+      </p:sp>
+      <p:sp>
+        <p:nvSpPr>
+          <p:cNvPr id="145" name="PlaceHolder 2"/>
+          <p:cNvSpPr>
+            <a:spLocks noGrp="1"/>
+          </p:cNvSpPr>
+          <p:nvPr>
+            <p:ph/>
+          </p:nvPr>
+        </p:nvSpPr>
+        <p:spPr>
+          <a:xfrm>
+            <a:off x="502920" y="1440000"/>
+            <a:ext cx="9021600" cy="3780000"/>
+          </a:xfrm>
+          <a:prstGeom prst="rect">
+            <a:avLst/>
+          </a:prstGeom>
+          <a:noFill/>
+          <a:ln w="0">
+            <a:noFill/>
+          </a:ln>
+        </p:spPr>
+        <p:txBody>
+          <a:bodyPr lIns="0" rIns="0" tIns="0" bIns="0" anchor="t">
+            <a:normAutofit fontScale="70000"/>
+          </a:bodyPr>
+          <a:p>
+            <a:pPr marL="432000" indent="-324000">
+              <a:lnSpc>
+                <a:spcPct val="100000"/>
+              </a:lnSpc>
+              <a:spcAft>
+                <a:spcPts val="1054"/>
+              </a:spcAft>
+              <a:buClr>
+                <a:srgbClr val="009eda"/>
+              </a:buClr>
+              <a:buSzPct val="45000"/>
+              <a:buFont typeface="Wingdings" charset="2"/>
+              <a:buChar char=""/>
+            </a:pPr>
+            <a:r>
+              <a:rPr b="0" lang="de-AT" sz="2400" spc="-1" strike="noStrike">
+                <a:latin typeface="Source Sans Pro"/>
+              </a:rPr>
+              <a:t>Basket was managed in the database, by inserting a record with a </a:t>
+            </a:r>
+            <a:r>
+              <a:rPr b="0" i="1" lang="de-AT" sz="2400" spc="-1" strike="noStrike">
+                <a:latin typeface="Source Sans Pro"/>
+              </a:rPr>
+              <a:t>basket</a:t>
+            </a:r>
+            <a:r>
+              <a:rPr b="0" lang="de-AT" sz="2400" spc="-1" strike="noStrike">
+                <a:latin typeface="Source Sans Pro"/>
+              </a:rPr>
+              <a:t> flag into the tickets table</a:t>
+            </a:r>
+            <a:endParaRPr b="0" lang="en-GB" sz="2400" spc="-1" strike="noStrike">
+              <a:latin typeface="Arial"/>
+            </a:endParaRPr>
+          </a:p>
+          <a:p>
+            <a:pPr marL="432000" indent="-324000">
+              <a:lnSpc>
+                <a:spcPct val="100000"/>
+              </a:lnSpc>
+              <a:spcAft>
+                <a:spcPts val="1054"/>
+              </a:spcAft>
+              <a:buClr>
+                <a:srgbClr val="009eda"/>
+              </a:buClr>
+              <a:buSzPct val="45000"/>
+              <a:buFont typeface="Wingdings" charset="2"/>
+              <a:buChar char=""/>
+            </a:pPr>
+            <a:r>
+              <a:rPr b="0" lang="de-AT" sz="2400" spc="-1" strike="noStrike">
+                <a:latin typeface="Source Sans Pro"/>
+              </a:rPr>
+              <a:t>Retrieving a basket queried the database to obtain </a:t>
+            </a:r>
+            <a:r>
+              <a:rPr b="0" i="1" lang="de-AT" sz="2400" spc="-1" strike="noStrike">
+                <a:latin typeface="Source Sans Pro"/>
+              </a:rPr>
+              <a:t>basket</a:t>
+            </a:r>
+            <a:r>
+              <a:rPr b="0" lang="de-AT" sz="2400" spc="-1" strike="noStrike">
+                <a:latin typeface="Source Sans Pro"/>
+              </a:rPr>
+              <a:t> tickets for a given UserID</a:t>
+            </a:r>
+            <a:endParaRPr b="0" lang="en-GB" sz="2400" spc="-1" strike="noStrike">
+              <a:latin typeface="Arial"/>
+            </a:endParaRPr>
+          </a:p>
+          <a:p>
+            <a:pPr marL="432000" indent="-324000">
+              <a:lnSpc>
+                <a:spcPct val="100000"/>
+              </a:lnSpc>
+              <a:spcAft>
+                <a:spcPts val="1054"/>
+              </a:spcAft>
+              <a:buClr>
+                <a:srgbClr val="009eda"/>
+              </a:buClr>
+              <a:buSzPct val="45000"/>
+              <a:buFont typeface="Wingdings" charset="2"/>
+              <a:buChar char=""/>
+            </a:pPr>
+            <a:r>
+              <a:rPr b="0" lang="de-AT" sz="2400" spc="-1" strike="noStrike">
+                <a:latin typeface="Source Sans Pro"/>
+              </a:rPr>
+              <a:t>Difficult to balance performance and Basket integrity</a:t>
+            </a:r>
+            <a:endParaRPr b="0" lang="en-GB" sz="2400" spc="-1" strike="noStrike">
+              <a:latin typeface="Arial"/>
+            </a:endParaRPr>
+          </a:p>
+          <a:p>
+            <a:pPr marL="432000" indent="-324000">
+              <a:lnSpc>
+                <a:spcPct val="100000"/>
+              </a:lnSpc>
+              <a:spcAft>
+                <a:spcPts val="1054"/>
+              </a:spcAft>
+              <a:buClr>
+                <a:srgbClr val="009eda"/>
+              </a:buClr>
+              <a:buSzPct val="45000"/>
+              <a:buFont typeface="Wingdings" charset="2"/>
+              <a:buChar char=""/>
+            </a:pPr>
+            <a:r>
+              <a:rPr b="0" lang="de-AT" sz="2400" spc="-1" strike="noStrike">
+                <a:latin typeface="Source Sans Pro"/>
+              </a:rPr>
+              <a:t>With a standalone backend being connected to multiple clients.  Baskets could be handled entirely by the backend minimising database queries</a:t>
+            </a:r>
+            <a:endParaRPr b="0" lang="en-GB" sz="2400" spc="-1" strike="noStrike">
+              <a:latin typeface="Arial"/>
+            </a:endParaRPr>
+          </a:p>
+          <a:p>
+            <a:pPr marL="432000" indent="-324000">
+              <a:lnSpc>
+                <a:spcPct val="100000"/>
+              </a:lnSpc>
+              <a:spcAft>
+                <a:spcPts val="1054"/>
+              </a:spcAft>
+              <a:buClr>
+                <a:srgbClr val="009eda"/>
+              </a:buClr>
+              <a:buSzPct val="45000"/>
+              <a:buFont typeface="Wingdings" charset="2"/>
+              <a:buChar char=""/>
+            </a:pPr>
+            <a:r>
+              <a:rPr b="0" lang="de-AT" sz="2400" spc="-1" strike="noStrike">
+                <a:latin typeface="Source Sans Pro"/>
+              </a:rPr>
+              <a:t>Backend could allocate seats in bulk so all seats are together</a:t>
+            </a:r>
+            <a:endParaRPr b="0" lang="en-GB" sz="2400" spc="-1" strike="noStrike">
+              <a:latin typeface="Arial"/>
+            </a:endParaRPr>
+          </a:p>
+          <a:p>
+            <a:pPr marL="432000" indent="-324000">
+              <a:lnSpc>
+                <a:spcPct val="100000"/>
+              </a:lnSpc>
+              <a:spcAft>
+                <a:spcPts val="1054"/>
+              </a:spcAft>
+              <a:buClr>
+                <a:srgbClr val="009eda"/>
+              </a:buClr>
+              <a:buSzPct val="45000"/>
+              <a:buFont typeface="Wingdings" charset="2"/>
+              <a:buChar char=""/>
+            </a:pPr>
+            <a:r>
+              <a:rPr b="0" lang="de-AT" sz="2400" spc="-1" strike="noStrike">
+                <a:latin typeface="Source Sans Pro"/>
+              </a:rPr>
+              <a:t>Update all timestamps for the basket items when adding an item to prevent early basket timeout</a:t>
+            </a:r>
+            <a:endParaRPr b="0" lang="en-GB" sz="2400" spc="-1" strike="noStrike">
+              <a:latin typeface="Arial"/>
+            </a:endParaRPr>
+          </a:p>
+          <a:p>
+            <a:pPr marL="432000" indent="-324000">
+              <a:lnSpc>
+                <a:spcPct val="100000"/>
+              </a:lnSpc>
+              <a:spcAft>
+                <a:spcPts val="1054"/>
+              </a:spcAft>
+              <a:buClr>
+                <a:srgbClr val="009eda"/>
+              </a:buClr>
+              <a:buSzPct val="45000"/>
+              <a:buFont typeface="Wingdings" charset="2"/>
+              <a:buChar char=""/>
+            </a:pPr>
+            <a:r>
+              <a:rPr b="0" lang="de-AT" sz="2400" spc="-1" strike="noStrike">
+                <a:latin typeface="Source Sans Pro"/>
+              </a:rPr>
+              <a:t>Browse shows could have it’s own list box which only shows general show information, not specific information such as seat availability etc</a:t>
+            </a:r>
+            <a:endParaRPr b="0" lang="en-GB" sz="2400" spc="-1" strike="noStrike">
+              <a:latin typeface="Arial"/>
+            </a:endParaRPr>
+          </a:p>
+          <a:p>
+            <a:pPr marL="432000" indent="-324000">
+              <a:lnSpc>
+                <a:spcPct val="100000"/>
+              </a:lnSpc>
+              <a:spcAft>
+                <a:spcPts val="1054"/>
+              </a:spcAft>
+              <a:buClr>
+                <a:srgbClr val="009eda"/>
+              </a:buClr>
+              <a:buSzPct val="45000"/>
+              <a:buFont typeface="Wingdings" charset="2"/>
+              <a:buChar char=""/>
+            </a:pPr>
+            <a:r>
+              <a:rPr b="0" lang="de-AT" sz="2400" spc="-1" strike="noStrike">
+                <a:latin typeface="Source Sans Pro"/>
+              </a:rPr>
+              <a:t>Checkout confirmation message</a:t>
+            </a:r>
+            <a:endParaRPr b="0" lang="en-GB" sz="2400" spc="-1" strike="noStrike">
+              <a:latin typeface="Arial"/>
+            </a:endParaRPr>
+          </a:p>
+          <a:p>
+            <a:pPr marL="432000" indent="-324000">
+              <a:lnSpc>
+                <a:spcPct val="100000"/>
+              </a:lnSpc>
+              <a:spcAft>
+                <a:spcPts val="1054"/>
+              </a:spcAft>
+              <a:buClr>
+                <a:srgbClr val="009eda"/>
+              </a:buClr>
+              <a:buSzPct val="45000"/>
+              <a:buFont typeface="Wingdings" charset="2"/>
+              <a:buChar char=""/>
+            </a:pPr>
+            <a:r>
+              <a:rPr b="0" lang="de-AT" sz="2400" spc="-1" strike="noStrike">
+                <a:latin typeface="Source Sans Pro"/>
+              </a:rPr>
+              <a:t>Basket contents should show the names of the shows of the respective quantities </a:t>
+            </a:r>
+            <a:endParaRPr b="0" lang="en-GB" sz="2400" spc="-1" strike="noStrike">
+              <a:latin typeface="Arial"/>
+            </a:endParaRPr>
+          </a:p>
+        </p:txBody>
+      </p:sp>
+    </p:spTree>
+  </p:cSld>
+  <mc:AlternateContent>
+    <mc:Choice Requires="p14">
+      <p:transition spd="slow" p14:dur="2000"/>
+    </mc:Choice>
+    <mc:Fallback>
+      <p:transition spd="slow"/>
+    </mc:Fallback>
+  </mc:AlternateContent>
 </p:sld>
 </file>
 
@@ -6862,7 +6752,7 @@
       </p:grpSpPr>
       <p:sp>
         <p:nvSpPr>
-          <p:cNvPr id="129" name="PlaceHolder 1"/>
+          <p:cNvPr id="120" name="PlaceHolder 1"/>
           <p:cNvSpPr>
             <a:spLocks noGrp="1"/>
           </p:cNvSpPr>
@@ -6873,7 +6763,7 @@
         <p:spPr>
           <a:xfrm>
             <a:off x="502920" y="90720"/>
-            <a:ext cx="9071640" cy="946800"/>
+            <a:ext cx="9071280" cy="946440"/>
           </a:xfrm>
           <a:prstGeom prst="rect">
             <a:avLst/>
@@ -6888,6 +6778,11 @@
             <a:normAutofit/>
           </a:bodyPr>
           <a:p>
+            <a:pPr>
+              <a:lnSpc>
+                <a:spcPct val="100000"/>
+              </a:lnSpc>
+            </a:pPr>
             <a:r>
               <a:rPr b="0" lang="de-AT" sz="4500" spc="-1" strike="noStrike">
                 <a:solidFill>
@@ -6897,18 +6792,15 @@
               </a:rPr>
               <a:t>Project Management</a:t>
             </a:r>
-            <a:endParaRPr b="0" lang="de-AT" sz="4500" spc="-1" strike="noStrike">
-              <a:solidFill>
-                <a:srgbClr val="ffffff"/>
-              </a:solidFill>
-              <a:latin typeface="Source Sans Pro Light"/>
-            </a:endParaRPr>
-          </a:p>
-        </p:txBody>
-      </p:sp>
-      <p:sp>
-        <p:nvSpPr>
-          <p:cNvPr id="130" name="PlaceHolder 2"/>
+            <a:endParaRPr b="0" lang="en-GB" sz="4500" spc="-1" strike="noStrike">
+              <a:latin typeface="Arial"/>
+            </a:endParaRPr>
+          </a:p>
+        </p:txBody>
+      </p:sp>
+      <p:sp>
+        <p:nvSpPr>
+          <p:cNvPr id="121" name="PlaceHolder 2"/>
           <p:cNvSpPr>
             <a:spLocks noGrp="1"/>
           </p:cNvSpPr>
@@ -6919,7 +6811,7 @@
         <p:spPr>
           <a:xfrm>
             <a:off x="502920" y="1440000"/>
-            <a:ext cx="9021960" cy="3497760"/>
+            <a:ext cx="9021600" cy="3497400"/>
           </a:xfrm>
           <a:prstGeom prst="rect">
             <a:avLst/>
@@ -6931,10 +6823,13 @@
         </p:spPr>
         <p:txBody>
           <a:bodyPr lIns="0" rIns="0" tIns="0" bIns="0" anchor="t">
-            <a:normAutofit fontScale="99000"/>
+            <a:normAutofit/>
           </a:bodyPr>
           <a:p>
             <a:pPr marL="432000" indent="-324000">
+              <a:lnSpc>
+                <a:spcPct val="100000"/>
+              </a:lnSpc>
               <a:spcAft>
                 <a:spcPts val="1054"/>
               </a:spcAft>
@@ -6951,12 +6846,15 @@
               </a:rPr>
               <a:t>Break down requirements pdf into concise specifications and milestones</a:t>
             </a:r>
-            <a:endParaRPr b="0" lang="de-AT" sz="2400" spc="-1" strike="noStrike">
-              <a:latin typeface="Source Sans Pro"/>
+            <a:endParaRPr b="0" lang="en-GB" sz="2400" spc="-1" strike="noStrike">
+              <a:latin typeface="Arial"/>
             </a:endParaRPr>
           </a:p>
           <a:p>
             <a:pPr marL="432000" indent="-324000">
+              <a:lnSpc>
+                <a:spcPct val="100000"/>
+              </a:lnSpc>
               <a:spcAft>
                 <a:spcPts val="1054"/>
               </a:spcAft>
@@ -6973,12 +6871,15 @@
               </a:rPr>
               <a:t>Use of Trello to manage task allocation and monitor progress against milestones</a:t>
             </a:r>
-            <a:endParaRPr b="0" lang="de-AT" sz="2400" spc="-1" strike="noStrike">
-              <a:latin typeface="Source Sans Pro"/>
+            <a:endParaRPr b="0" lang="en-GB" sz="2400" spc="-1" strike="noStrike">
+              <a:latin typeface="Arial"/>
             </a:endParaRPr>
           </a:p>
           <a:p>
             <a:pPr marL="432000" indent="-324000">
+              <a:lnSpc>
+                <a:spcPct val="100000"/>
+              </a:lnSpc>
               <a:spcAft>
                 <a:spcPts val="1054"/>
               </a:spcAft>
@@ -6995,12 +6896,15 @@
               </a:rPr>
               <a:t>Use of GitHub and branching for source and version control</a:t>
             </a:r>
-            <a:endParaRPr b="0" lang="de-AT" sz="2400" spc="-1" strike="noStrike">
-              <a:latin typeface="Source Sans Pro"/>
+            <a:endParaRPr b="0" lang="en-GB" sz="2400" spc="-1" strike="noStrike">
+              <a:latin typeface="Arial"/>
             </a:endParaRPr>
           </a:p>
           <a:p>
             <a:pPr marL="432000" indent="-324000">
+              <a:lnSpc>
+                <a:spcPct val="100000"/>
+              </a:lnSpc>
               <a:spcAft>
                 <a:spcPts val="1054"/>
               </a:spcAft>
@@ -7017,12 +6921,15 @@
               </a:rPr>
               <a:t>Slack for communication</a:t>
             </a:r>
-            <a:endParaRPr b="0" lang="de-AT" sz="2400" spc="-1" strike="noStrike">
-              <a:latin typeface="Source Sans Pro"/>
+            <a:endParaRPr b="0" lang="en-GB" sz="2400" spc="-1" strike="noStrike">
+              <a:latin typeface="Arial"/>
             </a:endParaRPr>
           </a:p>
           <a:p>
             <a:pPr lvl="1" marL="864000" indent="-324000">
+              <a:lnSpc>
+                <a:spcPct val="100000"/>
+              </a:lnSpc>
               <a:spcAft>
                 <a:spcPts val="842"/>
               </a:spcAft>
@@ -7039,14 +6946,22 @@
               </a:rPr>
               <a:t>Different channels representing each aspect so questions, queries, and ideas remained focussed</a:t>
             </a:r>
-            <a:endParaRPr b="0" lang="de-AT" sz="2100" spc="-1" strike="noStrike">
-              <a:latin typeface="Source Sans Pro"/>
+            <a:endParaRPr b="0" lang="en-GB" sz="2100" spc="-1" strike="noStrike">
+              <a:latin typeface="Arial"/>
             </a:endParaRPr>
           </a:p>
         </p:txBody>
       </p:sp>
     </p:spTree>
   </p:cSld>
+  <mc:AlternateContent>
+    <mc:Choice Requires="p14">
+      <p:transition spd="slow" p14:dur="2000"/>
+    </mc:Choice>
+    <mc:Fallback>
+      <p:transition spd="slow"/>
+    </mc:Fallback>
+  </mc:AlternateContent>
 </p:sld>
 </file>
 
@@ -7077,7 +6992,7 @@
       </p:grpSpPr>
       <p:sp>
         <p:nvSpPr>
-          <p:cNvPr id="131" name="PlaceHolder 1"/>
+          <p:cNvPr id="122" name="PlaceHolder 1"/>
           <p:cNvSpPr>
             <a:spLocks noGrp="1"/>
           </p:cNvSpPr>
@@ -7088,7 +7003,7 @@
         <p:spPr>
           <a:xfrm>
             <a:off x="502920" y="90720"/>
-            <a:ext cx="9071640" cy="946800"/>
+            <a:ext cx="9071280" cy="946440"/>
           </a:xfrm>
           <a:prstGeom prst="rect">
             <a:avLst/>
@@ -7103,6 +7018,11 @@
             <a:normAutofit/>
           </a:bodyPr>
           <a:p>
+            <a:pPr>
+              <a:lnSpc>
+                <a:spcPct val="100000"/>
+              </a:lnSpc>
+            </a:pPr>
             <a:r>
               <a:rPr b="0" lang="de-AT" sz="4500" spc="-1" strike="noStrike">
                 <a:solidFill>
@@ -7112,18 +7032,15 @@
               </a:rPr>
               <a:t>Application Design Process</a:t>
             </a:r>
-            <a:endParaRPr b="0" lang="de-AT" sz="4500" spc="-1" strike="noStrike">
-              <a:solidFill>
-                <a:srgbClr val="ffffff"/>
-              </a:solidFill>
-              <a:latin typeface="Source Sans Pro Light"/>
-            </a:endParaRPr>
-          </a:p>
-        </p:txBody>
-      </p:sp>
-      <p:sp>
-        <p:nvSpPr>
-          <p:cNvPr id="132" name="PlaceHolder 2"/>
+            <a:endParaRPr b="0" lang="en-GB" sz="4500" spc="-1" strike="noStrike">
+              <a:latin typeface="Arial"/>
+            </a:endParaRPr>
+          </a:p>
+        </p:txBody>
+      </p:sp>
+      <p:sp>
+        <p:nvSpPr>
+          <p:cNvPr id="123" name="PlaceHolder 2"/>
           <p:cNvSpPr>
             <a:spLocks noGrp="1"/>
           </p:cNvSpPr>
@@ -7134,7 +7051,7 @@
         <p:spPr>
           <a:xfrm>
             <a:off x="502920" y="1440000"/>
-            <a:ext cx="9021960" cy="3497760"/>
+            <a:ext cx="9021600" cy="3497400"/>
           </a:xfrm>
           <a:prstGeom prst="rect">
             <a:avLst/>
@@ -7146,10 +7063,13 @@
         </p:spPr>
         <p:txBody>
           <a:bodyPr lIns="0" rIns="0" tIns="0" bIns="0" anchor="t">
-            <a:normAutofit fontScale="88000"/>
+            <a:normAutofit fontScale="91000"/>
           </a:bodyPr>
           <a:p>
             <a:pPr marL="432000" indent="-324000">
+              <a:lnSpc>
+                <a:spcPct val="100000"/>
+              </a:lnSpc>
               <a:spcAft>
                 <a:spcPts val="1054"/>
               </a:spcAft>
@@ -7166,12 +7086,15 @@
               </a:rPr>
               <a:t>Produce class diagram</a:t>
             </a:r>
-            <a:endParaRPr b="0" lang="de-AT" sz="2400" spc="-1" strike="noStrike">
-              <a:latin typeface="Source Sans Pro"/>
+            <a:endParaRPr b="0" lang="en-GB" sz="2400" spc="-1" strike="noStrike">
+              <a:latin typeface="Arial"/>
             </a:endParaRPr>
           </a:p>
           <a:p>
             <a:pPr lvl="1" marL="864000" indent="-324000">
+              <a:lnSpc>
+                <a:spcPct val="100000"/>
+              </a:lnSpc>
               <a:spcAft>
                 <a:spcPts val="842"/>
               </a:spcAft>
@@ -7188,12 +7111,15 @@
               </a:rPr>
               <a:t>Initially containing just responsibilities</a:t>
             </a:r>
-            <a:endParaRPr b="0" lang="de-AT" sz="2100" spc="-1" strike="noStrike">
-              <a:latin typeface="Source Sans Pro"/>
+            <a:endParaRPr b="0" lang="en-GB" sz="2100" spc="-1" strike="noStrike">
+              <a:latin typeface="Arial"/>
             </a:endParaRPr>
           </a:p>
           <a:p>
             <a:pPr marL="432000" indent="-324000">
+              <a:lnSpc>
+                <a:spcPct val="100000"/>
+              </a:lnSpc>
               <a:spcAft>
                 <a:spcPts val="1054"/>
               </a:spcAft>
@@ -7210,12 +7136,15 @@
               </a:rPr>
               <a:t>Initial database design</a:t>
             </a:r>
-            <a:endParaRPr b="0" lang="de-AT" sz="2400" spc="-1" strike="noStrike">
-              <a:latin typeface="Source Sans Pro"/>
+            <a:endParaRPr b="0" lang="en-GB" sz="2400" spc="-1" strike="noStrike">
+              <a:latin typeface="Arial"/>
             </a:endParaRPr>
           </a:p>
           <a:p>
             <a:pPr marL="432000" indent="-324000">
+              <a:lnSpc>
+                <a:spcPct val="100000"/>
+              </a:lnSpc>
               <a:spcAft>
                 <a:spcPts val="1054"/>
               </a:spcAft>
@@ -7232,12 +7161,15 @@
               </a:rPr>
               <a:t>Java class diagram then fleshed out with greater detail</a:t>
             </a:r>
-            <a:endParaRPr b="0" lang="de-AT" sz="2400" spc="-1" strike="noStrike">
-              <a:latin typeface="Source Sans Pro"/>
+            <a:endParaRPr b="0" lang="en-GB" sz="2400" spc="-1" strike="noStrike">
+              <a:latin typeface="Arial"/>
             </a:endParaRPr>
           </a:p>
           <a:p>
             <a:pPr marL="432000" indent="-324000">
+              <a:lnSpc>
+                <a:spcPct val="100000"/>
+              </a:lnSpc>
               <a:spcAft>
                 <a:spcPts val="1054"/>
               </a:spcAft>
@@ -7254,12 +7186,15 @@
               </a:rPr>
               <a:t>Database then developed to support the Java application design</a:t>
             </a:r>
-            <a:endParaRPr b="0" lang="de-AT" sz="2400" spc="-1" strike="noStrike">
-              <a:latin typeface="Source Sans Pro"/>
+            <a:endParaRPr b="0" lang="en-GB" sz="2400" spc="-1" strike="noStrike">
+              <a:latin typeface="Arial"/>
             </a:endParaRPr>
           </a:p>
           <a:p>
             <a:pPr marL="432000" indent="-324000">
+              <a:lnSpc>
+                <a:spcPct val="100000"/>
+              </a:lnSpc>
               <a:spcAft>
                 <a:spcPts val="1054"/>
               </a:spcAft>
@@ -7276,12 +7211,15 @@
               </a:rPr>
               <a:t>Backend developed with dummy data while database was completed</a:t>
             </a:r>
-            <a:endParaRPr b="0" lang="de-AT" sz="2400" spc="-1" strike="noStrike">
-              <a:latin typeface="Source Sans Pro"/>
+            <a:endParaRPr b="0" lang="en-GB" sz="2400" spc="-1" strike="noStrike">
+              <a:latin typeface="Arial"/>
             </a:endParaRPr>
           </a:p>
           <a:p>
             <a:pPr marL="432000" indent="-324000">
+              <a:lnSpc>
+                <a:spcPct val="100000"/>
+              </a:lnSpc>
               <a:spcAft>
                 <a:spcPts val="1054"/>
               </a:spcAft>
@@ -7298,12 +7236,15 @@
               </a:rPr>
               <a:t>Frontend developed after</a:t>
             </a:r>
-            <a:endParaRPr b="0" lang="de-AT" sz="2400" spc="-1" strike="noStrike">
-              <a:latin typeface="Source Sans Pro"/>
+            <a:endParaRPr b="0" lang="en-GB" sz="2400" spc="-1" strike="noStrike">
+              <a:latin typeface="Arial"/>
             </a:endParaRPr>
           </a:p>
           <a:p>
             <a:pPr marL="432000" indent="-324000">
+              <a:lnSpc>
+                <a:spcPct val="100000"/>
+              </a:lnSpc>
               <a:spcAft>
                 <a:spcPts val="1054"/>
               </a:spcAft>
@@ -7320,14 +7261,22 @@
               </a:rPr>
               <a:t>Test Driven Development</a:t>
             </a:r>
-            <a:endParaRPr b="0" lang="de-AT" sz="2400" spc="-1" strike="noStrike">
-              <a:latin typeface="Source Sans Pro"/>
+            <a:endParaRPr b="0" lang="en-GB" sz="2400" spc="-1" strike="noStrike">
+              <a:latin typeface="Arial"/>
             </a:endParaRPr>
           </a:p>
         </p:txBody>
       </p:sp>
     </p:spTree>
   </p:cSld>
+  <mc:AlternateContent>
+    <mc:Choice Requires="p14">
+      <p:transition spd="slow" p14:dur="2000"/>
+    </mc:Choice>
+    <mc:Fallback>
+      <p:transition spd="slow"/>
+    </mc:Fallback>
+  </mc:AlternateContent>
 </p:sld>
 </file>
 
@@ -7358,7 +7307,7 @@
       </p:grpSpPr>
       <p:sp>
         <p:nvSpPr>
-          <p:cNvPr id="133" name="PlaceHolder 1"/>
+          <p:cNvPr id="124" name="PlaceHolder 1"/>
           <p:cNvSpPr>
             <a:spLocks noGrp="1"/>
           </p:cNvSpPr>
@@ -7369,7 +7318,7 @@
         <p:spPr>
           <a:xfrm>
             <a:off x="502920" y="90720"/>
-            <a:ext cx="9071640" cy="946800"/>
+            <a:ext cx="9071280" cy="946440"/>
           </a:xfrm>
           <a:prstGeom prst="rect">
             <a:avLst/>
@@ -7384,6 +7333,11 @@
             <a:normAutofit/>
           </a:bodyPr>
           <a:p>
+            <a:pPr>
+              <a:lnSpc>
+                <a:spcPct val="100000"/>
+              </a:lnSpc>
+            </a:pPr>
             <a:r>
               <a:rPr b="0" lang="de-AT" sz="4500" spc="-1" strike="noStrike">
                 <a:solidFill>
@@ -7393,18 +7347,15 @@
               </a:rPr>
               <a:t>Program Flow</a:t>
             </a:r>
-            <a:endParaRPr b="0" lang="de-AT" sz="4500" spc="-1" strike="noStrike">
-              <a:solidFill>
-                <a:srgbClr val="ffffff"/>
-              </a:solidFill>
-              <a:latin typeface="Source Sans Pro Light"/>
-            </a:endParaRPr>
-          </a:p>
-        </p:txBody>
-      </p:sp>
-      <p:sp>
-        <p:nvSpPr>
-          <p:cNvPr id="134" name="PlaceHolder 2"/>
+            <a:endParaRPr b="0" lang="en-GB" sz="4500" spc="-1" strike="noStrike">
+              <a:latin typeface="Arial"/>
+            </a:endParaRPr>
+          </a:p>
+        </p:txBody>
+      </p:sp>
+      <p:sp>
+        <p:nvSpPr>
+          <p:cNvPr id="125" name="PlaceHolder 2"/>
           <p:cNvSpPr>
             <a:spLocks noGrp="1"/>
           </p:cNvSpPr>
@@ -7415,7 +7366,7 @@
         <p:spPr>
           <a:xfrm>
             <a:off x="502920" y="1440000"/>
-            <a:ext cx="9021960" cy="3497760"/>
+            <a:ext cx="9021600" cy="3497400"/>
           </a:xfrm>
           <a:prstGeom prst="rect">
             <a:avLst/>
@@ -7427,10 +7378,13 @@
         </p:spPr>
         <p:txBody>
           <a:bodyPr lIns="0" rIns="0" tIns="0" bIns="0" anchor="t">
-            <a:normAutofit fontScale="99000"/>
+            <a:normAutofit/>
           </a:bodyPr>
           <a:p>
             <a:pPr marL="432000" indent="-324000">
+              <a:lnSpc>
+                <a:spcPct val="100000"/>
+              </a:lnSpc>
               <a:spcAft>
                 <a:spcPts val="1054"/>
               </a:spcAft>
@@ -7447,12 +7401,15 @@
               </a:rPr>
               <a:t>On first run, a temporary UserID is created and assigned</a:t>
             </a:r>
-            <a:endParaRPr b="0" lang="de-AT" sz="2400" spc="-1" strike="noStrike">
-              <a:latin typeface="Source Sans Pro"/>
+            <a:endParaRPr b="0" lang="en-GB" sz="2400" spc="-1" strike="noStrike">
+              <a:latin typeface="Arial"/>
             </a:endParaRPr>
           </a:p>
           <a:p>
             <a:pPr marL="432000" indent="-324000">
+              <a:lnSpc>
+                <a:spcPct val="100000"/>
+              </a:lnSpc>
               <a:spcAft>
                 <a:spcPts val="1054"/>
               </a:spcAft>
@@ -7469,12 +7426,15 @@
               </a:rPr>
               <a:t>When adding an item to a bakset this UserID is used to identify the current user when retrieving the basket later in the session</a:t>
             </a:r>
-            <a:endParaRPr b="0" lang="de-AT" sz="2400" spc="-1" strike="noStrike">
-              <a:latin typeface="Source Sans Pro"/>
+            <a:endParaRPr b="0" lang="en-GB" sz="2400" spc="-1" strike="noStrike">
+              <a:latin typeface="Arial"/>
             </a:endParaRPr>
           </a:p>
           <a:p>
             <a:pPr lvl="1" marL="864000" indent="-324000">
+              <a:lnSpc>
+                <a:spcPct val="100000"/>
+              </a:lnSpc>
               <a:spcAft>
                 <a:spcPts val="842"/>
               </a:spcAft>
@@ -7491,12 +7451,15 @@
               </a:rPr>
               <a:t>Basket items are deleted after n number of minutes by the database</a:t>
             </a:r>
-            <a:endParaRPr b="0" lang="de-AT" sz="2100" spc="-1" strike="noStrike">
-              <a:latin typeface="Source Sans Pro"/>
+            <a:endParaRPr b="0" lang="en-GB" sz="2100" spc="-1" strike="noStrike">
+              <a:latin typeface="Arial"/>
             </a:endParaRPr>
           </a:p>
           <a:p>
             <a:pPr marL="432000" indent="-324000">
+              <a:lnSpc>
+                <a:spcPct val="100000"/>
+              </a:lnSpc>
               <a:spcAft>
                 <a:spcPts val="1054"/>
               </a:spcAft>
@@ -7513,12 +7476,15 @@
               </a:rPr>
               <a:t>When a user completes a checkout, their UserID is flagged as permanent and their details stored</a:t>
             </a:r>
-            <a:endParaRPr b="0" lang="de-AT" sz="2400" spc="-1" strike="noStrike">
-              <a:latin typeface="Source Sans Pro"/>
+            <a:endParaRPr b="0" lang="en-GB" sz="2400" spc="-1" strike="noStrike">
+              <a:latin typeface="Arial"/>
             </a:endParaRPr>
           </a:p>
           <a:p>
             <a:pPr marL="432000" indent="-324000">
+              <a:lnSpc>
+                <a:spcPct val="100000"/>
+              </a:lnSpc>
               <a:spcAft>
                 <a:spcPts val="1054"/>
               </a:spcAft>
@@ -7535,14 +7501,22 @@
               </a:rPr>
               <a:t>Database has functionality to allow for user login at a later date (future update)</a:t>
             </a:r>
-            <a:endParaRPr b="0" lang="de-AT" sz="2400" spc="-1" strike="noStrike">
-              <a:latin typeface="Source Sans Pro"/>
+            <a:endParaRPr b="0" lang="en-GB" sz="2400" spc="-1" strike="noStrike">
+              <a:latin typeface="Arial"/>
             </a:endParaRPr>
           </a:p>
         </p:txBody>
       </p:sp>
     </p:spTree>
   </p:cSld>
+  <mc:AlternateContent>
+    <mc:Choice Requires="p14">
+      <p:transition spd="slow" p14:dur="2000"/>
+    </mc:Choice>
+    <mc:Fallback>
+      <p:transition spd="slow"/>
+    </mc:Fallback>
+  </mc:AlternateContent>
 </p:sld>
 </file>
 
@@ -7565,7 +7539,7 @@
       </p:grpSpPr>
       <p:pic>
         <p:nvPicPr>
-          <p:cNvPr id="135" name="" descr=""/>
+          <p:cNvPr id="126" name="" descr=""/>
           <p:cNvPicPr/>
           <p:nvPr/>
         </p:nvPicPr>
@@ -7576,7 +7550,7 @@
         <p:spPr>
           <a:xfrm>
             <a:off x="1260000" y="254160"/>
-            <a:ext cx="7740000" cy="5208120"/>
+            <a:ext cx="7739640" cy="5207760"/>
           </a:xfrm>
           <a:prstGeom prst="rect">
             <a:avLst/>
@@ -7588,6 +7562,14 @@
       </p:pic>
     </p:spTree>
   </p:cSld>
+  <mc:AlternateContent>
+    <mc:Choice Requires="p14">
+      <p:transition spd="slow" p14:dur="2000"/>
+    </mc:Choice>
+    <mc:Fallback>
+      <p:transition spd="slow"/>
+    </mc:Fallback>
+  </mc:AlternateContent>
 </p:sld>
 </file>
 
@@ -7610,7 +7592,7 @@
       </p:grpSpPr>
       <p:pic>
         <p:nvPicPr>
-          <p:cNvPr id="136" name="" descr=""/>
+          <p:cNvPr id="127" name="" descr=""/>
           <p:cNvPicPr/>
           <p:nvPr/>
         </p:nvPicPr>
@@ -7621,7 +7603,7 @@
         <p:spPr>
           <a:xfrm>
             <a:off x="2981160" y="360000"/>
-            <a:ext cx="4218840" cy="5040000"/>
+            <a:ext cx="4218480" cy="5039640"/>
           </a:xfrm>
           <a:prstGeom prst="rect">
             <a:avLst/>
@@ -7633,6 +7615,14 @@
       </p:pic>
     </p:spTree>
   </p:cSld>
+  <mc:AlternateContent>
+    <mc:Choice Requires="p14">
+      <p:transition spd="slow" p14:dur="2000"/>
+    </mc:Choice>
+    <mc:Fallback>
+      <p:transition spd="slow"/>
+    </mc:Fallback>
+  </mc:AlternateContent>
 </p:sld>
 </file>
 
@@ -7663,7 +7653,7 @@
       </p:grpSpPr>
       <p:sp>
         <p:nvSpPr>
-          <p:cNvPr id="137" name="PlaceHolder 1"/>
+          <p:cNvPr id="128" name="PlaceHolder 1"/>
           <p:cNvSpPr>
             <a:spLocks noGrp="1"/>
           </p:cNvSpPr>
@@ -7674,7 +7664,7 @@
         <p:spPr>
           <a:xfrm>
             <a:off x="502920" y="90720"/>
-            <a:ext cx="9071640" cy="946800"/>
+            <a:ext cx="9071280" cy="946440"/>
           </a:xfrm>
           <a:prstGeom prst="rect">
             <a:avLst/>
@@ -7689,6 +7679,11 @@
             <a:normAutofit/>
           </a:bodyPr>
           <a:p>
+            <a:pPr>
+              <a:lnSpc>
+                <a:spcPct val="100000"/>
+              </a:lnSpc>
+            </a:pPr>
             <a:r>
               <a:rPr b="0" lang="de-AT" sz="4500" spc="-1" strike="noStrike">
                 <a:solidFill>
@@ -7698,18 +7693,15 @@
               </a:rPr>
               <a:t>Backend Development</a:t>
             </a:r>
-            <a:endParaRPr b="0" lang="de-AT" sz="4500" spc="-1" strike="noStrike">
-              <a:solidFill>
-                <a:srgbClr val="ffffff"/>
-              </a:solidFill>
-              <a:latin typeface="Source Sans Pro Light"/>
-            </a:endParaRPr>
-          </a:p>
-        </p:txBody>
-      </p:sp>
-      <p:sp>
-        <p:nvSpPr>
-          <p:cNvPr id="138" name="PlaceHolder 2"/>
+            <a:endParaRPr b="0" lang="en-GB" sz="4500" spc="-1" strike="noStrike">
+              <a:latin typeface="Arial"/>
+            </a:endParaRPr>
+          </a:p>
+        </p:txBody>
+      </p:sp>
+      <p:sp>
+        <p:nvSpPr>
+          <p:cNvPr id="129" name="PlaceHolder 2"/>
           <p:cNvSpPr>
             <a:spLocks noGrp="1"/>
           </p:cNvSpPr>
@@ -7720,7 +7712,7 @@
         <p:spPr>
           <a:xfrm>
             <a:off x="502920" y="1440000"/>
-            <a:ext cx="9021960" cy="3497760"/>
+            <a:ext cx="9021600" cy="3497400"/>
           </a:xfrm>
           <a:prstGeom prst="rect">
             <a:avLst/>
@@ -7736,6 +7728,9 @@
           </a:bodyPr>
           <a:p>
             <a:pPr marL="432000" indent="-324000">
+              <a:lnSpc>
+                <a:spcPct val="100000"/>
+              </a:lnSpc>
               <a:spcAft>
                 <a:spcPts val="1054"/>
               </a:spcAft>
@@ -7752,12 +7747,15 @@
               </a:rPr>
               <a:t>Provide a front facing Interface for the front end</a:t>
             </a:r>
-            <a:endParaRPr b="0" lang="de-AT" sz="2400" spc="-1" strike="noStrike">
-              <a:latin typeface="Source Sans Pro"/>
+            <a:endParaRPr b="0" lang="en-GB" sz="2400" spc="-1" strike="noStrike">
+              <a:latin typeface="Arial"/>
             </a:endParaRPr>
           </a:p>
           <a:p>
             <a:pPr marL="432000" indent="-324000">
+              <a:lnSpc>
+                <a:spcPct val="100000"/>
+              </a:lnSpc>
               <a:spcAft>
                 <a:spcPts val="1054"/>
               </a:spcAft>
@@ -7774,12 +7772,15 @@
               </a:rPr>
               <a:t>Handle queries of the SQL database</a:t>
             </a:r>
-            <a:endParaRPr b="0" lang="de-AT" sz="2400" spc="-1" strike="noStrike">
-              <a:latin typeface="Source Sans Pro"/>
+            <a:endParaRPr b="0" lang="en-GB" sz="2400" spc="-1" strike="noStrike">
+              <a:latin typeface="Arial"/>
             </a:endParaRPr>
           </a:p>
           <a:p>
             <a:pPr marL="432000" indent="-324000">
+              <a:lnSpc>
+                <a:spcPct val="100000"/>
+              </a:lnSpc>
               <a:spcAft>
                 <a:spcPts val="1054"/>
               </a:spcAft>
@@ -7796,12 +7797,15 @@
               </a:rPr>
               <a:t>Use of a StatementBuilder to use Prepared Statements to complete pre-prepared statements to protect against SQL Injection</a:t>
             </a:r>
-            <a:endParaRPr b="0" lang="de-AT" sz="2400" spc="-1" strike="noStrike">
-              <a:latin typeface="Source Sans Pro"/>
+            <a:endParaRPr b="0" lang="en-GB" sz="2400" spc="-1" strike="noStrike">
+              <a:latin typeface="Arial"/>
             </a:endParaRPr>
           </a:p>
           <a:p>
             <a:pPr marL="432000" indent="-324000">
+              <a:lnSpc>
+                <a:spcPct val="100000"/>
+              </a:lnSpc>
               <a:spcAft>
                 <a:spcPts val="1054"/>
               </a:spcAft>
@@ -7818,14 +7822,22 @@
               </a:rPr>
               <a:t>Validate user inputs</a:t>
             </a:r>
-            <a:endParaRPr b="0" lang="de-AT" sz="2400" spc="-1" strike="noStrike">
-              <a:latin typeface="Source Sans Pro"/>
+            <a:endParaRPr b="0" lang="en-GB" sz="2400" spc="-1" strike="noStrike">
+              <a:latin typeface="Arial"/>
             </a:endParaRPr>
           </a:p>
         </p:txBody>
       </p:sp>
     </p:spTree>
   </p:cSld>
+  <mc:AlternateContent>
+    <mc:Choice Requires="p14">
+      <p:transition spd="slow" p14:dur="2000"/>
+    </mc:Choice>
+    <mc:Fallback>
+      <p:transition spd="slow"/>
+    </mc:Fallback>
+  </mc:AlternateContent>
 </p:sld>
 </file>
 
@@ -7856,7 +7868,7 @@
       </p:grpSpPr>
       <p:sp>
         <p:nvSpPr>
-          <p:cNvPr id="139" name="PlaceHolder 1"/>
+          <p:cNvPr id="130" name="PlaceHolder 1"/>
           <p:cNvSpPr>
             <a:spLocks noGrp="1"/>
           </p:cNvSpPr>
@@ -7867,7 +7879,7 @@
         <p:spPr>
           <a:xfrm>
             <a:off x="502920" y="90720"/>
-            <a:ext cx="9071640" cy="946800"/>
+            <a:ext cx="9071280" cy="946440"/>
           </a:xfrm>
           <a:prstGeom prst="rect">
             <a:avLst/>
@@ -7882,6 +7894,11 @@
             <a:normAutofit/>
           </a:bodyPr>
           <a:p>
+            <a:pPr>
+              <a:lnSpc>
+                <a:spcPct val="100000"/>
+              </a:lnSpc>
+            </a:pPr>
             <a:r>
               <a:rPr b="0" lang="de-AT" sz="4500" spc="-1" strike="noStrike">
                 <a:solidFill>
@@ -7889,20 +7906,17 @@
                 </a:solidFill>
                 <a:latin typeface="Source Sans Pro Light"/>
               </a:rPr>
-              <a:t>Test Driven Development</a:t>
-            </a:r>
-            <a:endParaRPr b="0" lang="de-AT" sz="4500" spc="-1" strike="noStrike">
-              <a:solidFill>
-                <a:srgbClr val="ffffff"/>
-              </a:solidFill>
-              <a:latin typeface="Source Sans Pro Light"/>
-            </a:endParaRPr>
-          </a:p>
-        </p:txBody>
-      </p:sp>
-      <p:sp>
-        <p:nvSpPr>
-          <p:cNvPr id="140" name="PlaceHolder 2"/>
+              <a:t>Database Development</a:t>
+            </a:r>
+            <a:endParaRPr b="0" lang="en-GB" sz="4500" spc="-1" strike="noStrike">
+              <a:latin typeface="Arial"/>
+            </a:endParaRPr>
+          </a:p>
+        </p:txBody>
+      </p:sp>
+      <p:sp>
+        <p:nvSpPr>
+          <p:cNvPr id="131" name="PlaceHolder 2"/>
           <p:cNvSpPr>
             <a:spLocks noGrp="1"/>
           </p:cNvSpPr>
@@ -7913,7 +7927,7 @@
         <p:spPr>
           <a:xfrm>
             <a:off x="502920" y="1440000"/>
-            <a:ext cx="9021960" cy="3497760"/>
+            <a:ext cx="9021600" cy="3497400"/>
           </a:xfrm>
           <a:prstGeom prst="rect">
             <a:avLst/>
@@ -7929,6 +7943,9 @@
           </a:bodyPr>
           <a:p>
             <a:pPr marL="432000" indent="-324000">
+              <a:lnSpc>
+                <a:spcPct val="100000"/>
+              </a:lnSpc>
               <a:spcAft>
                 <a:spcPts val="1054"/>
               </a:spcAft>
@@ -7943,17 +7960,70 @@
               <a:rPr b="0" lang="de-AT" sz="2400" spc="-1" strike="noStrike">
                 <a:latin typeface="Source Sans Pro"/>
               </a:rPr>
-              <a:t>Searches and SQL queries were put together within MySQL Workbench on a test Database with known results</a:t>
-            </a:r>
-            <a:endParaRPr b="0" lang="de-AT" sz="2400" spc="-1" strike="noStrike">
-              <a:latin typeface="Source Sans Pro"/>
+              <a:t>SQL Events to remove unpurchased tickets</a:t>
+            </a:r>
+            <a:endParaRPr b="0" lang="en-GB" sz="2400" spc="-1" strike="noStrike">
+              <a:latin typeface="Arial"/>
+            </a:endParaRPr>
+          </a:p>
+          <a:p>
+            <a:pPr lvl="1" marL="864000" indent="-324000">
+              <a:lnSpc>
+                <a:spcPct val="100000"/>
+              </a:lnSpc>
+              <a:spcBef>
+                <a:spcPts val="1134"/>
+              </a:spcBef>
+              <a:buClr>
+                <a:srgbClr val="000000"/>
+              </a:buClr>
+              <a:buSzPct val="75000"/>
+              <a:buFont typeface="Symbol" charset="2"/>
+              <a:buChar char=""/>
+            </a:pPr>
+            <a:r>
+              <a:rPr b="0" lang="de-AT" sz="2400" spc="-1" strike="noStrike">
+                <a:latin typeface="Source Sans Pro"/>
+              </a:rPr>
+              <a:t>Runs every 5 minutes</a:t>
+            </a:r>
+            <a:endParaRPr b="0" lang="en-GB" sz="2400" spc="-1" strike="noStrike">
+              <a:latin typeface="Arial"/>
+            </a:endParaRPr>
+          </a:p>
+          <a:p>
+            <a:pPr lvl="1" marL="864000" indent="-324000">
+              <a:lnSpc>
+                <a:spcPct val="100000"/>
+              </a:lnSpc>
+              <a:spcBef>
+                <a:spcPts val="1134"/>
+              </a:spcBef>
+              <a:buClr>
+                <a:srgbClr val="000000"/>
+              </a:buClr>
+              <a:buSzPct val="75000"/>
+              <a:buFont typeface="Symbol" charset="2"/>
+              <a:buChar char=""/>
+            </a:pPr>
+            <a:r>
+              <a:rPr b="0" lang="de-AT" sz="2400" spc="-1" strike="noStrike">
+                <a:latin typeface="Source Sans Pro"/>
+              </a:rPr>
+              <a:t>Removes tickets which are over 5 minutes old</a:t>
+            </a:r>
+            <a:endParaRPr b="0" lang="en-GB" sz="2400" spc="-1" strike="noStrike">
+              <a:latin typeface="Arial"/>
             </a:endParaRPr>
           </a:p>
           <a:p>
             <a:pPr marL="432000" indent="-324000">
-              <a:spcAft>
-                <a:spcPts val="1054"/>
-              </a:spcAft>
+              <a:lnSpc>
+                <a:spcPct val="100000"/>
+              </a:lnSpc>
+              <a:spcBef>
+                <a:spcPts val="1417"/>
+              </a:spcBef>
               <a:buClr>
                 <a:srgbClr val="009eda"/>
               </a:buClr>
@@ -7965,84 +8035,38 @@
               <a:rPr b="0" lang="de-AT" sz="2400" spc="-1" strike="noStrike">
                 <a:latin typeface="Source Sans Pro"/>
               </a:rPr>
-              <a:t>Query moved into Java, and then tested with a </a:t>
-            </a:r>
-            <a:r>
-              <a:rPr b="0" i="1" lang="de-AT" sz="2400" spc="-1" strike="noStrike">
-                <a:latin typeface="Source Sans Pro"/>
-              </a:rPr>
-              <a:t>BackendTester</a:t>
-            </a:r>
-            <a:r>
-              <a:rPr b="0" lang="de-AT" sz="2400" spc="-1" strike="noStrike">
-                <a:latin typeface="Source Sans Pro"/>
-              </a:rPr>
-              <a:t> class</a:t>
-            </a:r>
-            <a:endParaRPr b="0" lang="de-AT" sz="2400" spc="-1" strike="noStrike">
-              <a:latin typeface="Source Sans Pro"/>
-            </a:endParaRPr>
-          </a:p>
-          <a:p>
-            <a:pPr marL="432000" indent="-324000">
-              <a:spcAft>
-                <a:spcPts val="1054"/>
-              </a:spcAft>
-              <a:buClr>
-                <a:srgbClr val="009eda"/>
-              </a:buClr>
-              <a:buSzPct val="45000"/>
-              <a:buFont typeface="Wingdings" charset="2"/>
-              <a:buChar char=""/>
-            </a:pPr>
-            <a:r>
-              <a:rPr b="0" i="1" lang="de-AT" sz="2400" spc="-1" strike="noStrike">
-                <a:latin typeface="Source Sans Pro"/>
-              </a:rPr>
-              <a:t>BackendTester</a:t>
-            </a:r>
-            <a:r>
-              <a:rPr b="0" lang="de-AT" sz="2400" spc="-1" strike="noStrike">
-                <a:latin typeface="Source Sans Pro"/>
-              </a:rPr>
-              <a:t> was used to pull raw data from the Backend and simulate a Frontend making a request without having to consider formatting or presentation</a:t>
-            </a:r>
-            <a:endParaRPr b="0" lang="de-AT" sz="2400" spc="-1" strike="noStrike">
-              <a:latin typeface="Source Sans Pro"/>
-            </a:endParaRPr>
-          </a:p>
-          <a:p>
-            <a:pPr marL="432000" indent="-324000">
-              <a:spcAft>
-                <a:spcPts val="1054"/>
-              </a:spcAft>
-              <a:buClr>
-                <a:srgbClr val="009eda"/>
-              </a:buClr>
-              <a:buSzPct val="45000"/>
-              <a:buFont typeface="Wingdings" charset="2"/>
-              <a:buChar char=""/>
-            </a:pPr>
-            <a:r>
-              <a:rPr b="0" lang="de-AT" sz="2400" spc="-1" strike="noStrike">
-                <a:latin typeface="Source Sans Pro"/>
-              </a:rPr>
-              <a:t>UnitTests were used for the development of the UserValidation and String formatting aspects of the project</a:t>
-            </a:r>
-            <a:endParaRPr b="0" lang="de-AT" sz="2400" spc="-1" strike="noStrike">
-              <a:latin typeface="Source Sans Pro"/>
+              <a:t>Database maintains accurate baskets for all users</a:t>
+            </a:r>
+            <a:endParaRPr b="0" lang="en-GB" sz="2400" spc="-1" strike="noStrike">
+              <a:latin typeface="Arial"/>
             </a:endParaRPr>
           </a:p>
         </p:txBody>
       </p:sp>
     </p:spTree>
   </p:cSld>
+  <mc:AlternateContent>
+    <mc:Choice Requires="p14">
+      <p:transition spd="slow" p14:dur="2000"/>
+    </mc:Choice>
+    <mc:Fallback>
+      <p:transition spd="slow"/>
+    </mc:Fallback>
+  </mc:AlternateContent>
 </p:sld>
 </file>
 
 <file path=ppt/slides/slide9.xml><?xml version="1.0" encoding="utf-8"?>
 <p:sld xmlns:a="http://schemas.openxmlformats.org/drawingml/2006/main" xmlns:p="http://schemas.openxmlformats.org/presentationml/2006/main" xmlns:r="http://schemas.openxmlformats.org/officeDocument/2006/relationships" xmlns:p14="http://schemas.microsoft.com/office/powerpoint/2010/main" xmlns:p15="http://schemas.microsoft.com/office/powerpoint/2012/main" xmlns:mc="http://schemas.openxmlformats.org/markup-compatibility/2006">
   <p:cSld>
+    <p:bg>
+      <p:bgPr>
+        <a:blipFill rotWithShape="0">
+          <a:blip r:embed="rId1"/>
+          <a:stretch/>
+        </a:blipFill>
+      </p:bgPr>
+    </p:bg>
     <p:spTree>
       <p:nvGrpSpPr>
         <p:cNvPr id="1" name=""/>
@@ -8057,32 +8081,336 @@
           <a:chExt cx="0" cy="0"/>
         </a:xfrm>
       </p:grpSpPr>
+      <p:sp>
+        <p:nvSpPr>
+          <p:cNvPr id="132" name="PlaceHolder 1"/>
+          <p:cNvSpPr>
+            <a:spLocks noGrp="1"/>
+          </p:cNvSpPr>
+          <p:nvPr>
+            <p:ph type="title"/>
+          </p:nvPr>
+        </p:nvSpPr>
+        <p:spPr>
+          <a:xfrm>
+            <a:off x="502920" y="90720"/>
+            <a:ext cx="9071280" cy="946440"/>
+          </a:xfrm>
+          <a:prstGeom prst="rect">
+            <a:avLst/>
+          </a:prstGeom>
+          <a:noFill/>
+          <a:ln w="0">
+            <a:noFill/>
+          </a:ln>
+        </p:spPr>
+        <p:txBody>
+          <a:bodyPr lIns="0" rIns="0" tIns="0" bIns="0" anchor="b">
+            <a:normAutofit/>
+          </a:bodyPr>
+          <a:p>
+            <a:pPr>
+              <a:lnSpc>
+                <a:spcPct val="100000"/>
+              </a:lnSpc>
+            </a:pPr>
+            <a:r>
+              <a:rPr b="0" lang="de-AT" sz="4500" spc="-1" strike="noStrike">
+                <a:solidFill>
+                  <a:srgbClr val="ffffff"/>
+                </a:solidFill>
+                <a:latin typeface="Source Sans Pro Light"/>
+              </a:rPr>
+              <a:t>Frontend Development</a:t>
+            </a:r>
+            <a:endParaRPr b="0" lang="en-GB" sz="4500" spc="-1" strike="noStrike">
+              <a:latin typeface="Arial"/>
+            </a:endParaRPr>
+          </a:p>
+        </p:txBody>
+      </p:sp>
+      <p:sp>
+        <p:nvSpPr>
+          <p:cNvPr id="133" name="PlaceHolder 2"/>
+          <p:cNvSpPr>
+            <a:spLocks noGrp="1"/>
+          </p:cNvSpPr>
+          <p:nvPr>
+            <p:ph/>
+          </p:nvPr>
+        </p:nvSpPr>
+        <p:spPr>
+          <a:xfrm>
+            <a:off x="502920" y="1440000"/>
+            <a:ext cx="9021600" cy="3497400"/>
+          </a:xfrm>
+          <a:prstGeom prst="rect">
+            <a:avLst/>
+          </a:prstGeom>
+          <a:noFill/>
+          <a:ln w="0">
+            <a:noFill/>
+          </a:ln>
+        </p:spPr>
+        <p:txBody>
+          <a:bodyPr lIns="0" rIns="0" tIns="0" bIns="0" anchor="t">
+            <a:normAutofit fontScale="67000"/>
+          </a:bodyPr>
+          <a:p>
+            <a:pPr marL="432000" indent="-324000">
+              <a:lnSpc>
+                <a:spcPct val="100000"/>
+              </a:lnSpc>
+              <a:spcAft>
+                <a:spcPts val="1054"/>
+              </a:spcAft>
+              <a:buClr>
+                <a:srgbClr val="009eda"/>
+              </a:buClr>
+              <a:buSzPct val="45000"/>
+              <a:buFont typeface="Wingdings" charset="2"/>
+              <a:buChar char=""/>
+            </a:pPr>
+            <a:r>
+              <a:rPr b="0" lang="de-AT" sz="2400" spc="-1" strike="noStrike">
+                <a:latin typeface="Source Sans Pro"/>
+              </a:rPr>
+              <a:t>Primary user interface</a:t>
+            </a:r>
+            <a:endParaRPr b="0" lang="en-GB" sz="2400" spc="-1" strike="noStrike">
+              <a:latin typeface="Arial"/>
+            </a:endParaRPr>
+          </a:p>
+          <a:p>
+            <a:pPr marL="432000" indent="-324000">
+              <a:lnSpc>
+                <a:spcPct val="100000"/>
+              </a:lnSpc>
+              <a:spcAft>
+                <a:spcPts val="1054"/>
+              </a:spcAft>
+              <a:buClr>
+                <a:srgbClr val="009eda"/>
+              </a:buClr>
+              <a:buSzPct val="45000"/>
+              <a:buFont typeface="Wingdings" charset="2"/>
+              <a:buChar char=""/>
+            </a:pPr>
+            <a:r>
+              <a:rPr b="0" lang="de-AT" sz="2400" spc="-1" strike="noStrike">
+                <a:latin typeface="Source Sans Pro"/>
+              </a:rPr>
+              <a:t>Search for shows</a:t>
+            </a:r>
+            <a:endParaRPr b="0" lang="en-GB" sz="2400" spc="-1" strike="noStrike">
+              <a:latin typeface="Arial"/>
+            </a:endParaRPr>
+          </a:p>
+          <a:p>
+            <a:pPr lvl="1" marL="864000" indent="-324000">
+              <a:lnSpc>
+                <a:spcPct val="100000"/>
+              </a:lnSpc>
+              <a:spcBef>
+                <a:spcPts val="1134"/>
+              </a:spcBef>
+              <a:buClr>
+                <a:srgbClr val="000000"/>
+              </a:buClr>
+              <a:buSzPct val="75000"/>
+              <a:buFont typeface="Symbol" charset="2"/>
+              <a:buChar char=""/>
+            </a:pPr>
+            <a:r>
+              <a:rPr b="0" lang="de-AT" sz="2400" spc="-1" strike="noStrike">
+                <a:latin typeface="Source Sans Pro"/>
+              </a:rPr>
+              <a:t>From date</a:t>
+            </a:r>
+            <a:endParaRPr b="0" lang="en-GB" sz="2400" spc="-1" strike="noStrike">
+              <a:latin typeface="Arial"/>
+            </a:endParaRPr>
+          </a:p>
+          <a:p>
+            <a:pPr lvl="1" marL="864000" indent="-324000">
+              <a:lnSpc>
+                <a:spcPct val="100000"/>
+              </a:lnSpc>
+              <a:spcBef>
+                <a:spcPts val="1134"/>
+              </a:spcBef>
+              <a:buClr>
+                <a:srgbClr val="000000"/>
+              </a:buClr>
+              <a:buSzPct val="75000"/>
+              <a:buFont typeface="Symbol" charset="2"/>
+              <a:buChar char=""/>
+            </a:pPr>
+            <a:r>
+              <a:rPr b="0" lang="de-AT" sz="2400" spc="-1" strike="noStrike">
+                <a:latin typeface="Source Sans Pro"/>
+              </a:rPr>
+              <a:t>Show title</a:t>
+            </a:r>
+            <a:endParaRPr b="0" lang="en-GB" sz="2400" spc="-1" strike="noStrike">
+              <a:latin typeface="Arial"/>
+            </a:endParaRPr>
+          </a:p>
+          <a:p>
+            <a:pPr lvl="1" marL="864000" indent="-324000">
+              <a:lnSpc>
+                <a:spcPct val="100000"/>
+              </a:lnSpc>
+              <a:spcBef>
+                <a:spcPts val="1134"/>
+              </a:spcBef>
+              <a:buClr>
+                <a:srgbClr val="000000"/>
+              </a:buClr>
+              <a:buSzPct val="75000"/>
+              <a:buFont typeface="Symbol" charset="2"/>
+              <a:buChar char=""/>
+            </a:pPr>
+            <a:r>
+              <a:rPr b="0" lang="de-AT" sz="2400" spc="-1" strike="noStrike">
+                <a:latin typeface="Source Sans Pro"/>
+              </a:rPr>
+              <a:t>Browse</a:t>
+            </a:r>
+            <a:endParaRPr b="0" lang="en-GB" sz="2400" spc="-1" strike="noStrike">
+              <a:latin typeface="Arial"/>
+            </a:endParaRPr>
+          </a:p>
+          <a:p>
+            <a:pPr marL="432000" indent="-324000">
+              <a:lnSpc>
+                <a:spcPct val="100000"/>
+              </a:lnSpc>
+              <a:spcBef>
+                <a:spcPts val="1417"/>
+              </a:spcBef>
+              <a:buClr>
+                <a:srgbClr val="009eda"/>
+              </a:buClr>
+              <a:buSzPct val="45000"/>
+              <a:buFont typeface="Wingdings" charset="2"/>
+              <a:buChar char=""/>
+            </a:pPr>
+            <a:r>
+              <a:rPr b="0" lang="de-AT" sz="2400" spc="-1" strike="noStrike">
+                <a:latin typeface="Source Sans Pro"/>
+              </a:rPr>
+              <a:t>Show information</a:t>
+            </a:r>
+            <a:endParaRPr b="0" lang="en-GB" sz="2400" spc="-1" strike="noStrike">
+              <a:latin typeface="Arial"/>
+            </a:endParaRPr>
+          </a:p>
+          <a:p>
+            <a:pPr lvl="1" marL="864000" indent="-324000">
+              <a:lnSpc>
+                <a:spcPct val="100000"/>
+              </a:lnSpc>
+              <a:spcBef>
+                <a:spcPts val="1134"/>
+              </a:spcBef>
+              <a:buClr>
+                <a:srgbClr val="000000"/>
+              </a:buClr>
+              <a:buSzPct val="75000"/>
+              <a:buFont typeface="Symbol" charset="2"/>
+              <a:buChar char=""/>
+            </a:pPr>
+            <a:r>
+              <a:rPr b="0" lang="de-AT" sz="2400" spc="-1" strike="noStrike">
+                <a:latin typeface="Source Sans Pro"/>
+              </a:rPr>
+              <a:t>Performers</a:t>
+            </a:r>
+            <a:endParaRPr b="0" lang="en-GB" sz="2400" spc="-1" strike="noStrike">
+              <a:latin typeface="Arial"/>
+            </a:endParaRPr>
+          </a:p>
+          <a:p>
+            <a:pPr lvl="1" marL="864000" indent="-324000">
+              <a:lnSpc>
+                <a:spcPct val="100000"/>
+              </a:lnSpc>
+              <a:spcBef>
+                <a:spcPts val="1134"/>
+              </a:spcBef>
+              <a:buClr>
+                <a:srgbClr val="000000"/>
+              </a:buClr>
+              <a:buSzPct val="75000"/>
+              <a:buFont typeface="Symbol" charset="2"/>
+              <a:buChar char=""/>
+            </a:pPr>
+            <a:r>
+              <a:rPr b="0" lang="de-AT" sz="2400" spc="-1" strike="noStrike">
+                <a:latin typeface="Source Sans Pro"/>
+              </a:rPr>
+              <a:t>Prices</a:t>
+            </a:r>
+            <a:endParaRPr b="0" lang="en-GB" sz="2400" spc="-1" strike="noStrike">
+              <a:latin typeface="Arial"/>
+            </a:endParaRPr>
+          </a:p>
+          <a:p>
+            <a:pPr marL="432000" indent="-324000">
+              <a:lnSpc>
+                <a:spcPct val="100000"/>
+              </a:lnSpc>
+              <a:spcBef>
+                <a:spcPts val="1417"/>
+              </a:spcBef>
+              <a:buClr>
+                <a:srgbClr val="009eda"/>
+              </a:buClr>
+              <a:buSzPct val="45000"/>
+              <a:buFont typeface="Wingdings" charset="2"/>
+              <a:buChar char=""/>
+            </a:pPr>
+            <a:r>
+              <a:rPr b="0" lang="de-AT" sz="2400" spc="-1" strike="noStrike">
+                <a:latin typeface="Source Sans Pro"/>
+              </a:rPr>
+              <a:t>Multiple tickets</a:t>
+            </a:r>
+            <a:endParaRPr b="0" lang="en-GB" sz="2400" spc="-1" strike="noStrike">
+              <a:latin typeface="Arial"/>
+            </a:endParaRPr>
+          </a:p>
+          <a:p>
+            <a:pPr marL="432000" indent="-324000">
+              <a:lnSpc>
+                <a:spcPct val="100000"/>
+              </a:lnSpc>
+              <a:spcBef>
+                <a:spcPts val="1417"/>
+              </a:spcBef>
+              <a:buClr>
+                <a:srgbClr val="009eda"/>
+              </a:buClr>
+              <a:buSzPct val="45000"/>
+              <a:buFont typeface="Wingdings" charset="2"/>
+              <a:buChar char=""/>
+            </a:pPr>
+            <a:r>
+              <a:rPr b="0" lang="de-AT" sz="2400" spc="-1" strike="noStrike">
+                <a:latin typeface="Source Sans Pro"/>
+              </a:rPr>
+              <a:t>Different shows in the same order</a:t>
+            </a:r>
+            <a:endParaRPr b="0" lang="en-GB" sz="2400" spc="-1" strike="noStrike">
+              <a:latin typeface="Arial"/>
+            </a:endParaRPr>
+          </a:p>
+        </p:txBody>
+      </p:sp>
       <p:pic>
         <p:nvPicPr>
-          <p:cNvPr id="141" name="" descr=""/>
-          <p:cNvPicPr/>
-          <p:nvPr/>
-        </p:nvPicPr>
-        <p:blipFill>
-          <a:blip r:embed="rId1"/>
-          <a:stretch/>
-        </p:blipFill>
-        <p:spPr>
-          <a:xfrm>
-            <a:off x="153360" y="1080000"/>
-            <a:ext cx="3986640" cy="4399200"/>
-          </a:xfrm>
-          <a:prstGeom prst="rect">
-            <a:avLst/>
-          </a:prstGeom>
-          <a:ln w="18000">
-            <a:noFill/>
-          </a:ln>
-        </p:spPr>
-      </p:pic>
-      <p:pic>
-        <p:nvPicPr>
-          <p:cNvPr id="142" name="" descr=""/>
+          <p:cNvPr id="134" name="" descr=""/>
           <p:cNvPicPr/>
           <p:nvPr/>
         </p:nvPicPr>
@@ -8092,42 +8420,27 @@
         </p:blipFill>
         <p:spPr>
           <a:xfrm>
-            <a:off x="5100840" y="1620000"/>
-            <a:ext cx="4799160" cy="3780000"/>
-          </a:xfrm>
-          <a:prstGeom prst="rect">
-            <a:avLst/>
-          </a:prstGeom>
-          <a:ln w="18000">
-            <a:noFill/>
-          </a:ln>
-        </p:spPr>
-      </p:pic>
-      <p:pic>
-        <p:nvPicPr>
-          <p:cNvPr id="143" name="" descr=""/>
-          <p:cNvPicPr/>
-          <p:nvPr/>
-        </p:nvPicPr>
-        <p:blipFill>
-          <a:blip r:embed="rId3"/>
-          <a:stretch/>
-        </p:blipFill>
-        <p:spPr>
-          <a:xfrm>
-            <a:off x="3060000" y="285480"/>
-            <a:ext cx="3418560" cy="4394520"/>
-          </a:xfrm>
-          <a:prstGeom prst="rect">
-            <a:avLst/>
-          </a:prstGeom>
-          <a:ln w="18000">
+            <a:off x="3821400" y="1440000"/>
+            <a:ext cx="6078600" cy="3420000"/>
+          </a:xfrm>
+          <a:prstGeom prst="rect">
+            <a:avLst/>
+          </a:prstGeom>
+          <a:ln w="0">
             <a:noFill/>
           </a:ln>
         </p:spPr>
       </p:pic>
     </p:spTree>
   </p:cSld>
+  <mc:AlternateContent>
+    <mc:Choice Requires="p14">
+      <p:transition spd="slow" p14:dur="2000"/>
+    </mc:Choice>
+    <mc:Fallback>
+      <p:transition spd="slow"/>
+    </mc:Fallback>
+  </mc:AlternateContent>
 </p:sld>
 </file>
 
